--- a/PP WORK/Instructor Version/Week 6/Week 6 Lecture 2 - Filters part A.pptx
+++ b/PP WORK/Instructor Version/Week 6/Week 6 Lecture 2 - Filters part A.pptx
@@ -5,7 +5,7 @@
     <p:sldMasterId id="2147483662" r:id="rId4"/>
   </p:sldMasterIdLst>
   <p:notesMasterIdLst>
-    <p:notesMasterId r:id="rId22"/>
+    <p:notesMasterId r:id="rId26"/>
   </p:notesMasterIdLst>
   <p:sldIdLst>
     <p:sldId id="293" r:id="rId5"/>
@@ -19,12 +19,16 @@
     <p:sldId id="279" r:id="rId13"/>
     <p:sldId id="280" r:id="rId14"/>
     <p:sldId id="269" r:id="rId15"/>
-    <p:sldId id="270" r:id="rId16"/>
-    <p:sldId id="285" r:id="rId17"/>
-    <p:sldId id="288" r:id="rId18"/>
-    <p:sldId id="289" r:id="rId19"/>
-    <p:sldId id="430" r:id="rId20"/>
-    <p:sldId id="429" r:id="rId21"/>
+    <p:sldId id="431" r:id="rId16"/>
+    <p:sldId id="270" r:id="rId17"/>
+    <p:sldId id="285" r:id="rId18"/>
+    <p:sldId id="432" r:id="rId19"/>
+    <p:sldId id="288" r:id="rId20"/>
+    <p:sldId id="433" r:id="rId21"/>
+    <p:sldId id="289" r:id="rId22"/>
+    <p:sldId id="434" r:id="rId23"/>
+    <p:sldId id="430" r:id="rId24"/>
+    <p:sldId id="429" r:id="rId25"/>
   </p:sldIdLst>
   <p:sldSz cx="12192000" cy="6858000"/>
   <p:notesSz cx="6858000" cy="9144000"/>
@@ -125,7 +129,7 @@
   </p:defaultTextStyle>
   <p:extLst>
     <p:ext uri="{EFAFB233-063F-42B5-8137-9DF3F51BA10A}">
-      <p15:sldGuideLst xmlns:p15="http://schemas.microsoft.com/office/powerpoint/2012/main">
+      <p15:sldGuideLst xmlns:p15="http://schemas.microsoft.com/office/powerpoint/2012/main" xmlns="">
         <p15:guide id="1" orient="horz" pos="2160" userDrawn="1">
           <p15:clr>
             <a:srgbClr val="A4A3A4"/>
@@ -224,7 +228,7 @@
           <a:p>
             <a:fld id="{18AB4343-410D-4114-8175-E2D7C9308D80}" type="datetimeFigureOut">
               <a:rPr lang="en-US" smtClean="0"/>
-              <a:t>10/21/2024</a:t>
+              <a:t>1/14/2025</a:t>
             </a:fld>
             <a:endParaRPr lang="en-US"/>
           </a:p>
@@ -637,6 +641,245 @@
 </p:notes>
 </file>
 
+<file path=ppt/notesSlides/notesSlide10.xml><?xml version="1.0" encoding="utf-8"?>
+<p:notes xmlns:a="http://schemas.openxmlformats.org/drawingml/2006/main" xmlns:r="http://schemas.openxmlformats.org/officeDocument/2006/relationships" xmlns:p="http://schemas.openxmlformats.org/presentationml/2006/main">
+  <p:cSld>
+    <p:spTree>
+      <p:nvGrpSpPr>
+        <p:cNvPr id="1" name=""/>
+        <p:cNvGrpSpPr/>
+        <p:nvPr/>
+      </p:nvGrpSpPr>
+      <p:grpSpPr>
+        <a:xfrm>
+          <a:off x="0" y="0"/>
+          <a:ext cx="0" cy="0"/>
+          <a:chOff x="0" y="0"/>
+          <a:chExt cx="0" cy="0"/>
+        </a:xfrm>
+      </p:grpSpPr>
+      <p:sp>
+        <p:nvSpPr>
+          <p:cNvPr id="49154" name="Rectangle 7"/>
+          <p:cNvSpPr>
+            <a:spLocks noGrp="1" noChangeArrowheads="1"/>
+          </p:cNvSpPr>
+          <p:nvPr>
+            <p:ph type="sldNum" sz="quarter" idx="5"/>
+          </p:nvPr>
+        </p:nvSpPr>
+        <p:spPr>
+          <a:noFill/>
+          <a:ln/>
+          <a:extLst>
+            <a:ext uri="{909E8E84-426E-40DD-AFC4-6F175D3DCCD1}">
+              <a14:hiddenFill xmlns:a14="http://schemas.microsoft.com/office/drawing/2010/main">
+                <a:solidFill>
+                  <a:srgbClr val="FFFFFF"/>
+                </a:solidFill>
+              </a14:hiddenFill>
+            </a:ext>
+            <a:ext uri="{91240B29-F687-4F45-9708-019B960494DF}">
+              <a14:hiddenLine xmlns:a14="http://schemas.microsoft.com/office/drawing/2010/main" w="9525">
+                <a:solidFill>
+                  <a:srgbClr val="000000"/>
+                </a:solidFill>
+                <a:miter lim="800000"/>
+                <a:headEnd/>
+                <a:tailEnd/>
+              </a14:hiddenLine>
+            </a:ext>
+          </a:extLst>
+        </p:spPr>
+        <p:txBody>
+          <a:bodyPr/>
+          <a:lstStyle>
+            <a:lvl1pPr eaLnBrk="0" hangingPunct="0">
+              <a:defRPr>
+                <a:solidFill>
+                  <a:schemeClr val="tx1"/>
+                </a:solidFill>
+                <a:latin typeface="Arial" panose="020B0604020202020204" pitchFamily="34" charset="0"/>
+                <a:cs typeface="Arial" panose="020B0604020202020204" pitchFamily="34" charset="0"/>
+              </a:defRPr>
+            </a:lvl1pPr>
+            <a:lvl2pPr marL="742950" indent="-285750" eaLnBrk="0" hangingPunct="0">
+              <a:defRPr>
+                <a:solidFill>
+                  <a:schemeClr val="tx1"/>
+                </a:solidFill>
+                <a:latin typeface="Arial" panose="020B0604020202020204" pitchFamily="34" charset="0"/>
+                <a:cs typeface="Arial" panose="020B0604020202020204" pitchFamily="34" charset="0"/>
+              </a:defRPr>
+            </a:lvl2pPr>
+            <a:lvl3pPr marL="1143000" indent="-228600" eaLnBrk="0" hangingPunct="0">
+              <a:defRPr>
+                <a:solidFill>
+                  <a:schemeClr val="tx1"/>
+                </a:solidFill>
+                <a:latin typeface="Arial" panose="020B0604020202020204" pitchFamily="34" charset="0"/>
+                <a:cs typeface="Arial" panose="020B0604020202020204" pitchFamily="34" charset="0"/>
+              </a:defRPr>
+            </a:lvl3pPr>
+            <a:lvl4pPr marL="1600200" indent="-228600" eaLnBrk="0" hangingPunct="0">
+              <a:defRPr>
+                <a:solidFill>
+                  <a:schemeClr val="tx1"/>
+                </a:solidFill>
+                <a:latin typeface="Arial" panose="020B0604020202020204" pitchFamily="34" charset="0"/>
+                <a:cs typeface="Arial" panose="020B0604020202020204" pitchFamily="34" charset="0"/>
+              </a:defRPr>
+            </a:lvl4pPr>
+            <a:lvl5pPr marL="2057400" indent="-228600" eaLnBrk="0" hangingPunct="0">
+              <a:defRPr>
+                <a:solidFill>
+                  <a:schemeClr val="tx1"/>
+                </a:solidFill>
+                <a:latin typeface="Arial" panose="020B0604020202020204" pitchFamily="34" charset="0"/>
+                <a:cs typeface="Arial" panose="020B0604020202020204" pitchFamily="34" charset="0"/>
+              </a:defRPr>
+            </a:lvl5pPr>
+            <a:lvl6pPr marL="2514600" indent="-228600" eaLnBrk="0" fontAlgn="base" hangingPunct="0">
+              <a:spcBef>
+                <a:spcPct val="0"/>
+              </a:spcBef>
+              <a:spcAft>
+                <a:spcPct val="0"/>
+              </a:spcAft>
+              <a:defRPr>
+                <a:solidFill>
+                  <a:schemeClr val="tx1"/>
+                </a:solidFill>
+                <a:latin typeface="Arial" panose="020B0604020202020204" pitchFamily="34" charset="0"/>
+                <a:cs typeface="Arial" panose="020B0604020202020204" pitchFamily="34" charset="0"/>
+              </a:defRPr>
+            </a:lvl6pPr>
+            <a:lvl7pPr marL="2971800" indent="-228600" eaLnBrk="0" fontAlgn="base" hangingPunct="0">
+              <a:spcBef>
+                <a:spcPct val="0"/>
+              </a:spcBef>
+              <a:spcAft>
+                <a:spcPct val="0"/>
+              </a:spcAft>
+              <a:defRPr>
+                <a:solidFill>
+                  <a:schemeClr val="tx1"/>
+                </a:solidFill>
+                <a:latin typeface="Arial" panose="020B0604020202020204" pitchFamily="34" charset="0"/>
+                <a:cs typeface="Arial" panose="020B0604020202020204" pitchFamily="34" charset="0"/>
+              </a:defRPr>
+            </a:lvl7pPr>
+            <a:lvl8pPr marL="3429000" indent="-228600" eaLnBrk="0" fontAlgn="base" hangingPunct="0">
+              <a:spcBef>
+                <a:spcPct val="0"/>
+              </a:spcBef>
+              <a:spcAft>
+                <a:spcPct val="0"/>
+              </a:spcAft>
+              <a:defRPr>
+                <a:solidFill>
+                  <a:schemeClr val="tx1"/>
+                </a:solidFill>
+                <a:latin typeface="Arial" panose="020B0604020202020204" pitchFamily="34" charset="0"/>
+                <a:cs typeface="Arial" panose="020B0604020202020204" pitchFamily="34" charset="0"/>
+              </a:defRPr>
+            </a:lvl8pPr>
+            <a:lvl9pPr marL="3886200" indent="-228600" eaLnBrk="0" fontAlgn="base" hangingPunct="0">
+              <a:spcBef>
+                <a:spcPct val="0"/>
+              </a:spcBef>
+              <a:spcAft>
+                <a:spcPct val="0"/>
+              </a:spcAft>
+              <a:defRPr>
+                <a:solidFill>
+                  <a:schemeClr val="tx1"/>
+                </a:solidFill>
+                <a:latin typeface="Arial" panose="020B0604020202020204" pitchFamily="34" charset="0"/>
+                <a:cs typeface="Arial" panose="020B0604020202020204" pitchFamily="34" charset="0"/>
+              </a:defRPr>
+            </a:lvl9pPr>
+          </a:lstStyle>
+          <a:p>
+            <a:pPr eaLnBrk="1" hangingPunct="1"/>
+            <a:fld id="{7A4F0136-E56C-4962-B0D8-E4917F1BA315}" type="slidenum">
+              <a:rPr lang="en-US" altLang="en-US"/>
+              <a:pPr eaLnBrk="1" hangingPunct="1"/>
+              <a:t>15</a:t>
+            </a:fld>
+            <a:endParaRPr lang="en-US" altLang="en-US"/>
+          </a:p>
+        </p:txBody>
+      </p:sp>
+      <p:sp>
+        <p:nvSpPr>
+          <p:cNvPr id="49155" name="Rectangle 2"/>
+          <p:cNvSpPr>
+            <a:spLocks noGrp="1" noRot="1" noChangeAspect="1" noChangeArrowheads="1" noTextEdit="1"/>
+          </p:cNvSpPr>
+          <p:nvPr>
+            <p:ph type="sldImg"/>
+          </p:nvPr>
+        </p:nvSpPr>
+        <p:spPr>
+          <a:ln/>
+        </p:spPr>
+      </p:sp>
+      <p:sp>
+        <p:nvSpPr>
+          <p:cNvPr id="49156" name="Rectangle 3"/>
+          <p:cNvSpPr>
+            <a:spLocks noGrp="1" noChangeArrowheads="1"/>
+          </p:cNvSpPr>
+          <p:nvPr>
+            <p:ph type="body" idx="1"/>
+          </p:nvPr>
+        </p:nvSpPr>
+        <p:spPr>
+          <a:noFill/>
+          <a:ln/>
+          <a:extLst>
+            <a:ext uri="{909E8E84-426E-40DD-AFC4-6F175D3DCCD1}">
+              <a14:hiddenFill xmlns:a14="http://schemas.microsoft.com/office/drawing/2010/main">
+                <a:solidFill>
+                  <a:srgbClr val="FFFFFF"/>
+                </a:solidFill>
+              </a14:hiddenFill>
+            </a:ext>
+            <a:ext uri="{91240B29-F687-4F45-9708-019B960494DF}">
+              <a14:hiddenLine xmlns:a14="http://schemas.microsoft.com/office/drawing/2010/main" w="9525">
+                <a:solidFill>
+                  <a:srgbClr val="000000"/>
+                </a:solidFill>
+                <a:miter lim="800000"/>
+                <a:headEnd/>
+                <a:tailEnd/>
+              </a14:hiddenLine>
+            </a:ext>
+          </a:extLst>
+        </p:spPr>
+        <p:txBody>
+          <a:bodyPr/>
+          <a:lstStyle/>
+          <a:p>
+            <a:pPr eaLnBrk="1" hangingPunct="1"/>
+            <a:endParaRPr lang="en-US" altLang="en-US"/>
+          </a:p>
+        </p:txBody>
+      </p:sp>
+    </p:spTree>
+    <p:extLst>
+      <p:ext uri="{BB962C8B-B14F-4D97-AF65-F5344CB8AC3E}">
+        <p14:creationId xmlns:p14="http://schemas.microsoft.com/office/powerpoint/2010/main" val="1636044490"/>
+      </p:ext>
+    </p:extLst>
+  </p:cSld>
+  <p:clrMapOvr>
+    <a:masterClrMapping/>
+  </p:clrMapOvr>
+</p:notes>
+</file>
+
 <file path=ppt/notesSlides/notesSlide2.xml><?xml version="1.0" encoding="utf-8"?>
 <p:notes xmlns:a="http://schemas.openxmlformats.org/drawingml/2006/main" xmlns:r="http://schemas.openxmlformats.org/officeDocument/2006/relationships" xmlns:p="http://schemas.openxmlformats.org/presentationml/2006/main">
   <p:cSld>
@@ -1758,6 +2001,245 @@
       </p:grpSpPr>
       <p:sp>
         <p:nvSpPr>
+          <p:cNvPr id="49154" name="Rectangle 7"/>
+          <p:cNvSpPr>
+            <a:spLocks noGrp="1" noChangeArrowheads="1"/>
+          </p:cNvSpPr>
+          <p:nvPr>
+            <p:ph type="sldNum" sz="quarter" idx="5"/>
+          </p:nvPr>
+        </p:nvSpPr>
+        <p:spPr>
+          <a:noFill/>
+          <a:ln/>
+          <a:extLst>
+            <a:ext uri="{909E8E84-426E-40DD-AFC4-6F175D3DCCD1}">
+              <a14:hiddenFill xmlns:a14="http://schemas.microsoft.com/office/drawing/2010/main">
+                <a:solidFill>
+                  <a:srgbClr val="FFFFFF"/>
+                </a:solidFill>
+              </a14:hiddenFill>
+            </a:ext>
+            <a:ext uri="{91240B29-F687-4F45-9708-019B960494DF}">
+              <a14:hiddenLine xmlns:a14="http://schemas.microsoft.com/office/drawing/2010/main" w="9525">
+                <a:solidFill>
+                  <a:srgbClr val="000000"/>
+                </a:solidFill>
+                <a:miter lim="800000"/>
+                <a:headEnd/>
+                <a:tailEnd/>
+              </a14:hiddenLine>
+            </a:ext>
+          </a:extLst>
+        </p:spPr>
+        <p:txBody>
+          <a:bodyPr/>
+          <a:lstStyle>
+            <a:lvl1pPr eaLnBrk="0" hangingPunct="0">
+              <a:defRPr>
+                <a:solidFill>
+                  <a:schemeClr val="tx1"/>
+                </a:solidFill>
+                <a:latin typeface="Arial" panose="020B0604020202020204" pitchFamily="34" charset="0"/>
+                <a:cs typeface="Arial" panose="020B0604020202020204" pitchFamily="34" charset="0"/>
+              </a:defRPr>
+            </a:lvl1pPr>
+            <a:lvl2pPr marL="742950" indent="-285750" eaLnBrk="0" hangingPunct="0">
+              <a:defRPr>
+                <a:solidFill>
+                  <a:schemeClr val="tx1"/>
+                </a:solidFill>
+                <a:latin typeface="Arial" panose="020B0604020202020204" pitchFamily="34" charset="0"/>
+                <a:cs typeface="Arial" panose="020B0604020202020204" pitchFamily="34" charset="0"/>
+              </a:defRPr>
+            </a:lvl2pPr>
+            <a:lvl3pPr marL="1143000" indent="-228600" eaLnBrk="0" hangingPunct="0">
+              <a:defRPr>
+                <a:solidFill>
+                  <a:schemeClr val="tx1"/>
+                </a:solidFill>
+                <a:latin typeface="Arial" panose="020B0604020202020204" pitchFamily="34" charset="0"/>
+                <a:cs typeface="Arial" panose="020B0604020202020204" pitchFamily="34" charset="0"/>
+              </a:defRPr>
+            </a:lvl3pPr>
+            <a:lvl4pPr marL="1600200" indent="-228600" eaLnBrk="0" hangingPunct="0">
+              <a:defRPr>
+                <a:solidFill>
+                  <a:schemeClr val="tx1"/>
+                </a:solidFill>
+                <a:latin typeface="Arial" panose="020B0604020202020204" pitchFamily="34" charset="0"/>
+                <a:cs typeface="Arial" panose="020B0604020202020204" pitchFamily="34" charset="0"/>
+              </a:defRPr>
+            </a:lvl4pPr>
+            <a:lvl5pPr marL="2057400" indent="-228600" eaLnBrk="0" hangingPunct="0">
+              <a:defRPr>
+                <a:solidFill>
+                  <a:schemeClr val="tx1"/>
+                </a:solidFill>
+                <a:latin typeface="Arial" panose="020B0604020202020204" pitchFamily="34" charset="0"/>
+                <a:cs typeface="Arial" panose="020B0604020202020204" pitchFamily="34" charset="0"/>
+              </a:defRPr>
+            </a:lvl5pPr>
+            <a:lvl6pPr marL="2514600" indent="-228600" eaLnBrk="0" fontAlgn="base" hangingPunct="0">
+              <a:spcBef>
+                <a:spcPct val="0"/>
+              </a:spcBef>
+              <a:spcAft>
+                <a:spcPct val="0"/>
+              </a:spcAft>
+              <a:defRPr>
+                <a:solidFill>
+                  <a:schemeClr val="tx1"/>
+                </a:solidFill>
+                <a:latin typeface="Arial" panose="020B0604020202020204" pitchFamily="34" charset="0"/>
+                <a:cs typeface="Arial" panose="020B0604020202020204" pitchFamily="34" charset="0"/>
+              </a:defRPr>
+            </a:lvl6pPr>
+            <a:lvl7pPr marL="2971800" indent="-228600" eaLnBrk="0" fontAlgn="base" hangingPunct="0">
+              <a:spcBef>
+                <a:spcPct val="0"/>
+              </a:spcBef>
+              <a:spcAft>
+                <a:spcPct val="0"/>
+              </a:spcAft>
+              <a:defRPr>
+                <a:solidFill>
+                  <a:schemeClr val="tx1"/>
+                </a:solidFill>
+                <a:latin typeface="Arial" panose="020B0604020202020204" pitchFamily="34" charset="0"/>
+                <a:cs typeface="Arial" panose="020B0604020202020204" pitchFamily="34" charset="0"/>
+              </a:defRPr>
+            </a:lvl7pPr>
+            <a:lvl8pPr marL="3429000" indent="-228600" eaLnBrk="0" fontAlgn="base" hangingPunct="0">
+              <a:spcBef>
+                <a:spcPct val="0"/>
+              </a:spcBef>
+              <a:spcAft>
+                <a:spcPct val="0"/>
+              </a:spcAft>
+              <a:defRPr>
+                <a:solidFill>
+                  <a:schemeClr val="tx1"/>
+                </a:solidFill>
+                <a:latin typeface="Arial" panose="020B0604020202020204" pitchFamily="34" charset="0"/>
+                <a:cs typeface="Arial" panose="020B0604020202020204" pitchFamily="34" charset="0"/>
+              </a:defRPr>
+            </a:lvl8pPr>
+            <a:lvl9pPr marL="3886200" indent="-228600" eaLnBrk="0" fontAlgn="base" hangingPunct="0">
+              <a:spcBef>
+                <a:spcPct val="0"/>
+              </a:spcBef>
+              <a:spcAft>
+                <a:spcPct val="0"/>
+              </a:spcAft>
+              <a:defRPr>
+                <a:solidFill>
+                  <a:schemeClr val="tx1"/>
+                </a:solidFill>
+                <a:latin typeface="Arial" panose="020B0604020202020204" pitchFamily="34" charset="0"/>
+                <a:cs typeface="Arial" panose="020B0604020202020204" pitchFamily="34" charset="0"/>
+              </a:defRPr>
+            </a:lvl9pPr>
+          </a:lstStyle>
+          <a:p>
+            <a:pPr eaLnBrk="1" hangingPunct="1"/>
+            <a:fld id="{7A4F0136-E56C-4962-B0D8-E4917F1BA315}" type="slidenum">
+              <a:rPr lang="en-US" altLang="en-US"/>
+              <a:pPr eaLnBrk="1" hangingPunct="1"/>
+              <a:t>12</a:t>
+            </a:fld>
+            <a:endParaRPr lang="en-US" altLang="en-US"/>
+          </a:p>
+        </p:txBody>
+      </p:sp>
+      <p:sp>
+        <p:nvSpPr>
+          <p:cNvPr id="49155" name="Rectangle 2"/>
+          <p:cNvSpPr>
+            <a:spLocks noGrp="1" noRot="1" noChangeAspect="1" noChangeArrowheads="1" noTextEdit="1"/>
+          </p:cNvSpPr>
+          <p:nvPr>
+            <p:ph type="sldImg"/>
+          </p:nvPr>
+        </p:nvSpPr>
+        <p:spPr>
+          <a:ln/>
+        </p:spPr>
+      </p:sp>
+      <p:sp>
+        <p:nvSpPr>
+          <p:cNvPr id="49156" name="Rectangle 3"/>
+          <p:cNvSpPr>
+            <a:spLocks noGrp="1" noChangeArrowheads="1"/>
+          </p:cNvSpPr>
+          <p:nvPr>
+            <p:ph type="body" idx="1"/>
+          </p:nvPr>
+        </p:nvSpPr>
+        <p:spPr>
+          <a:noFill/>
+          <a:ln/>
+          <a:extLst>
+            <a:ext uri="{909E8E84-426E-40DD-AFC4-6F175D3DCCD1}">
+              <a14:hiddenFill xmlns:a14="http://schemas.microsoft.com/office/drawing/2010/main">
+                <a:solidFill>
+                  <a:srgbClr val="FFFFFF"/>
+                </a:solidFill>
+              </a14:hiddenFill>
+            </a:ext>
+            <a:ext uri="{91240B29-F687-4F45-9708-019B960494DF}">
+              <a14:hiddenLine xmlns:a14="http://schemas.microsoft.com/office/drawing/2010/main" w="9525">
+                <a:solidFill>
+                  <a:srgbClr val="000000"/>
+                </a:solidFill>
+                <a:miter lim="800000"/>
+                <a:headEnd/>
+                <a:tailEnd/>
+              </a14:hiddenLine>
+            </a:ext>
+          </a:extLst>
+        </p:spPr>
+        <p:txBody>
+          <a:bodyPr/>
+          <a:lstStyle/>
+          <a:p>
+            <a:pPr eaLnBrk="1" hangingPunct="1"/>
+            <a:endParaRPr lang="en-US" altLang="en-US"/>
+          </a:p>
+        </p:txBody>
+      </p:sp>
+    </p:spTree>
+    <p:extLst>
+      <p:ext uri="{BB962C8B-B14F-4D97-AF65-F5344CB8AC3E}">
+        <p14:creationId xmlns:p14="http://schemas.microsoft.com/office/powerpoint/2010/main" val="1687308113"/>
+      </p:ext>
+    </p:extLst>
+  </p:cSld>
+  <p:clrMapOvr>
+    <a:masterClrMapping/>
+  </p:clrMapOvr>
+</p:notes>
+</file>
+
+<file path=ppt/notesSlides/notesSlide8.xml><?xml version="1.0" encoding="utf-8"?>
+<p:notes xmlns:a="http://schemas.openxmlformats.org/drawingml/2006/main" xmlns:r="http://schemas.openxmlformats.org/officeDocument/2006/relationships" xmlns:p="http://schemas.openxmlformats.org/presentationml/2006/main">
+  <p:cSld>
+    <p:spTree>
+      <p:nvGrpSpPr>
+        <p:cNvPr id="1" name=""/>
+        <p:cNvGrpSpPr/>
+        <p:nvPr/>
+      </p:nvGrpSpPr>
+      <p:grpSpPr>
+        <a:xfrm>
+          <a:off x="0" y="0"/>
+          <a:ext cx="0" cy="0"/>
+          <a:chOff x="0" y="0"/>
+          <a:chExt cx="0" cy="0"/>
+        </a:xfrm>
+      </p:grpSpPr>
+      <p:sp>
+        <p:nvSpPr>
           <p:cNvPr id="57346" name="Rectangle 7"/>
           <p:cNvSpPr>
             <a:spLocks noGrp="1" noChangeArrowheads="1"/>
@@ -1903,7 +2385,7 @@
             <a:fld id="{E73C977D-D6AA-4A76-B755-E7B70090EE2A}" type="slidenum">
               <a:rPr lang="en-US" altLang="en-US"/>
               <a:pPr eaLnBrk="1" hangingPunct="1"/>
-              <a:t>12</a:t>
+              <a:t>13</a:t>
             </a:fld>
             <a:endParaRPr lang="en-US" altLang="en-US"/>
           </a:p>
@@ -1978,7 +2460,7 @@
 </p:notes>
 </file>
 
-<file path=ppt/notesSlides/notesSlide8.xml><?xml version="1.0" encoding="utf-8"?>
+<file path=ppt/notesSlides/notesSlide9.xml><?xml version="1.0" encoding="utf-8"?>
 <p:notes xmlns:a="http://schemas.openxmlformats.org/drawingml/2006/main" xmlns:r="http://schemas.openxmlformats.org/officeDocument/2006/relationships" xmlns:p="http://schemas.openxmlformats.org/presentationml/2006/main">
   <p:cSld>
     <p:spTree>
@@ -2142,7 +2624,7 @@
             <a:fld id="{7A4F0136-E56C-4962-B0D8-E4917F1BA315}" type="slidenum">
               <a:rPr lang="en-US" altLang="en-US"/>
               <a:pPr eaLnBrk="1" hangingPunct="1"/>
-              <a:t>13</a:t>
+              <a:t>14</a:t>
             </a:fld>
             <a:endParaRPr lang="en-US" altLang="en-US"/>
           </a:p>
@@ -2356,7 +2838,7 @@
           <a:p>
             <a:fld id="{1D8BD707-D9CF-40AE-B4C6-C98DA3205C09}" type="datetimeFigureOut">
               <a:rPr lang="en-US"/>
-              <a:t>10/21/2024</a:t>
+              <a:t>1/14/2025</a:t>
             </a:fld>
             <a:endParaRPr lang="en-US"/>
           </a:p>
@@ -2526,7 +3008,7 @@
           <a:p>
             <a:fld id="{1D8BD707-D9CF-40AE-B4C6-C98DA3205C09}" type="datetimeFigureOut">
               <a:rPr lang="en-US"/>
-              <a:t>10/21/2024</a:t>
+              <a:t>1/14/2025</a:t>
             </a:fld>
             <a:endParaRPr lang="en-US"/>
           </a:p>
@@ -2739,7 +3221,7 @@
           <a:p>
             <a:fld id="{1D8BD707-D9CF-40AE-B4C6-C98DA3205C09}" type="datetimeFigureOut">
               <a:rPr lang="en-US"/>
-              <a:t>10/21/2024</a:t>
+              <a:t>1/14/2025</a:t>
             </a:fld>
             <a:endParaRPr lang="en-US"/>
           </a:p>
@@ -2886,7 +3368,7 @@
           <a:p>
             <a:fld id="{1D8BD707-D9CF-40AE-B4C6-C98DA3205C09}" type="datetimeFigureOut">
               <a:rPr lang="en-US"/>
-              <a:t>10/21/2024</a:t>
+              <a:t>1/14/2025</a:t>
             </a:fld>
             <a:endParaRPr lang="en-US"/>
           </a:p>
@@ -2959,7 +3441,7 @@
           <p:cNvPr id="2" name="Title 1">
             <a:extLst>
               <a:ext uri="{FF2B5EF4-FFF2-40B4-BE49-F238E27FC236}">
-                <a16:creationId xmlns:a16="http://schemas.microsoft.com/office/drawing/2014/main" id="{8267C4E5-55F7-DB05-186B-06791E1D1784}"/>
+                <a16:creationId xmlns:a16="http://schemas.microsoft.com/office/drawing/2014/main" xmlns="" id="{8267C4E5-55F7-DB05-186B-06791E1D1784}"/>
               </a:ext>
             </a:extLst>
           </p:cNvPr>
@@ -2988,7 +3470,7 @@
           <p:cNvPr id="3" name="Footer Placeholder 2">
             <a:extLst>
               <a:ext uri="{FF2B5EF4-FFF2-40B4-BE49-F238E27FC236}">
-                <a16:creationId xmlns:a16="http://schemas.microsoft.com/office/drawing/2014/main" id="{B3AA35ED-DF99-6958-28FA-33A93BB97722}"/>
+                <a16:creationId xmlns:a16="http://schemas.microsoft.com/office/drawing/2014/main" xmlns="" id="{B3AA35ED-DF99-6958-28FA-33A93BB97722}"/>
               </a:ext>
             </a:extLst>
           </p:cNvPr>
@@ -3013,7 +3495,7 @@
           <p:cNvPr id="4" name="Date Placeholder 3">
             <a:extLst>
               <a:ext uri="{FF2B5EF4-FFF2-40B4-BE49-F238E27FC236}">
-                <a16:creationId xmlns:a16="http://schemas.microsoft.com/office/drawing/2014/main" id="{55503DB0-5264-6061-D4B6-AE3D944FC839}"/>
+                <a16:creationId xmlns:a16="http://schemas.microsoft.com/office/drawing/2014/main" xmlns="" id="{55503DB0-5264-6061-D4B6-AE3D944FC839}"/>
               </a:ext>
             </a:extLst>
           </p:cNvPr>
@@ -3031,7 +3513,7 @@
           <a:p>
             <a:fld id="{1D8BD707-D9CF-40AE-B4C6-C98DA3205C09}" type="datetimeFigureOut">
               <a:rPr lang="en-US" smtClean="0"/>
-              <a:t>10/21/2024</a:t>
+              <a:t>1/14/2025</a:t>
             </a:fld>
             <a:endParaRPr lang="en-US"/>
           </a:p>
@@ -3042,7 +3524,7 @@
           <p:cNvPr id="5" name="Slide Number Placeholder 4">
             <a:extLst>
               <a:ext uri="{FF2B5EF4-FFF2-40B4-BE49-F238E27FC236}">
-                <a16:creationId xmlns:a16="http://schemas.microsoft.com/office/drawing/2014/main" id="{306C615E-9D94-7E15-4EC3-69D6111D00EE}"/>
+                <a16:creationId xmlns:a16="http://schemas.microsoft.com/office/drawing/2014/main" xmlns="" id="{306C615E-9D94-7E15-4EC3-69D6111D00EE}"/>
               </a:ext>
             </a:extLst>
           </p:cNvPr>
@@ -3152,7 +3634,7 @@
           <a:p>
             <a:fld id="{1D8BD707-D9CF-40AE-B4C6-C98DA3205C09}" type="datetimeFigureOut">
               <a:rPr lang="en-US"/>
-              <a:t>10/21/2024</a:t>
+              <a:t>1/14/2025</a:t>
             </a:fld>
             <a:endParaRPr lang="en-US"/>
           </a:p>
@@ -3225,7 +3707,7 @@
           <p:cNvPr id="8" name="Google Shape;54;p1">
             <a:extLst>
               <a:ext uri="{FF2B5EF4-FFF2-40B4-BE49-F238E27FC236}">
-                <a16:creationId xmlns:a16="http://schemas.microsoft.com/office/drawing/2014/main" id="{631C2DF5-1362-47E0-9992-CA0F5EE5E7F4}"/>
+                <a16:creationId xmlns:a16="http://schemas.microsoft.com/office/drawing/2014/main" xmlns="" id="{631C2DF5-1362-47E0-9992-CA0F5EE5E7F4}"/>
               </a:ext>
             </a:extLst>
           </p:cNvPr>
@@ -3312,7 +3794,7 @@
           <p:cNvPr id="9" name="Google Shape;55;p1">
             <a:extLst>
               <a:ext uri="{FF2B5EF4-FFF2-40B4-BE49-F238E27FC236}">
-                <a16:creationId xmlns:a16="http://schemas.microsoft.com/office/drawing/2014/main" id="{E5E4EFC6-10AC-457A-90BE-EB16C5D5FDC1}"/>
+                <a16:creationId xmlns:a16="http://schemas.microsoft.com/office/drawing/2014/main" xmlns="" id="{E5E4EFC6-10AC-457A-90BE-EB16C5D5FDC1}"/>
               </a:ext>
             </a:extLst>
           </p:cNvPr>
@@ -3384,7 +3866,7 @@
           <p:cNvPr id="10" name="Oval 9">
             <a:extLst>
               <a:ext uri="{FF2B5EF4-FFF2-40B4-BE49-F238E27FC236}">
-                <a16:creationId xmlns:a16="http://schemas.microsoft.com/office/drawing/2014/main" id="{38DC77A7-8710-436F-B5E7-19B60E66B5F0}"/>
+                <a16:creationId xmlns:a16="http://schemas.microsoft.com/office/drawing/2014/main" xmlns="" id="{38DC77A7-8710-436F-B5E7-19B60E66B5F0}"/>
               </a:ext>
             </a:extLst>
           </p:cNvPr>
@@ -3427,7 +3909,7 @@
           <a:lstStyle/>
           <a:p>
             <a:pPr algn="ctr"/>
-            <a:endParaRPr lang="en-KW" sz="2400"/>
+            <a:endParaRPr lang="x-none" sz="2400"/>
           </a:p>
         </p:txBody>
       </p:sp>
@@ -3436,7 +3918,7 @@
           <p:cNvPr id="11" name="Picture 10" descr="A red and white background with a design&#10;&#10;Description automatically generated">
             <a:extLst>
               <a:ext uri="{FF2B5EF4-FFF2-40B4-BE49-F238E27FC236}">
-                <a16:creationId xmlns:a16="http://schemas.microsoft.com/office/drawing/2014/main" id="{418E62F8-02A7-4379-A005-0EF5EC635BBF}"/>
+                <a16:creationId xmlns:a16="http://schemas.microsoft.com/office/drawing/2014/main" xmlns="" id="{418E62F8-02A7-4379-A005-0EF5EC635BBF}"/>
               </a:ext>
             </a:extLst>
           </p:cNvPr>
@@ -3466,7 +3948,7 @@
           <p:cNvPr id="12" name="Picture 11">
             <a:extLst>
               <a:ext uri="{FF2B5EF4-FFF2-40B4-BE49-F238E27FC236}">
-                <a16:creationId xmlns:a16="http://schemas.microsoft.com/office/drawing/2014/main" id="{28A0ADE9-7A46-486B-82F3-A690D904DFF4}"/>
+                <a16:creationId xmlns:a16="http://schemas.microsoft.com/office/drawing/2014/main" xmlns="" id="{28A0ADE9-7A46-486B-82F3-A690D904DFF4}"/>
               </a:ext>
             </a:extLst>
           </p:cNvPr>
@@ -3526,7 +4008,7 @@
           <p:cNvPr id="25" name="Rectangle 24">
             <a:extLst>
               <a:ext uri="{FF2B5EF4-FFF2-40B4-BE49-F238E27FC236}">
-                <a16:creationId xmlns:a16="http://schemas.microsoft.com/office/drawing/2014/main" id="{669E0535-6FD9-4D8F-80CA-FF7A96DB665F}"/>
+                <a16:creationId xmlns:a16="http://schemas.microsoft.com/office/drawing/2014/main" xmlns="" id="{669E0535-6FD9-4D8F-80CA-FF7A96DB665F}"/>
               </a:ext>
             </a:extLst>
           </p:cNvPr>
@@ -3569,7 +4051,7 @@
           <a:lstStyle/>
           <a:p>
             <a:pPr algn="ctr"/>
-            <a:endParaRPr lang="en-KW" sz="2400"/>
+            <a:endParaRPr lang="x-none" sz="2400"/>
           </a:p>
         </p:txBody>
       </p:sp>
@@ -3578,7 +4060,7 @@
           <p:cNvPr id="26" name="Picture 25" descr="A black and red background with a bird&#10;&#10;Description automatically generated">
             <a:extLst>
               <a:ext uri="{FF2B5EF4-FFF2-40B4-BE49-F238E27FC236}">
-                <a16:creationId xmlns:a16="http://schemas.microsoft.com/office/drawing/2014/main" id="{7356EFA9-D406-4147-B1F7-82B217840839}"/>
+                <a16:creationId xmlns:a16="http://schemas.microsoft.com/office/drawing/2014/main" xmlns="" id="{7356EFA9-D406-4147-B1F7-82B217840839}"/>
               </a:ext>
             </a:extLst>
           </p:cNvPr>
@@ -3608,7 +4090,7 @@
           <p:cNvPr id="27" name="Google Shape;15;p13">
             <a:extLst>
               <a:ext uri="{FF2B5EF4-FFF2-40B4-BE49-F238E27FC236}">
-                <a16:creationId xmlns:a16="http://schemas.microsoft.com/office/drawing/2014/main" id="{F5F3B15A-58C1-48A3-AB6A-E8A3A8F0B1F0}"/>
+                <a16:creationId xmlns:a16="http://schemas.microsoft.com/office/drawing/2014/main" xmlns="" id="{F5F3B15A-58C1-48A3-AB6A-E8A3A8F0B1F0}"/>
               </a:ext>
             </a:extLst>
           </p:cNvPr>
@@ -3774,7 +4256,7 @@
           <p:cNvPr id="28" name="Google Shape;19;p14">
             <a:extLst>
               <a:ext uri="{FF2B5EF4-FFF2-40B4-BE49-F238E27FC236}">
-                <a16:creationId xmlns:a16="http://schemas.microsoft.com/office/drawing/2014/main" id="{A6353D6C-199F-4C21-9FC8-2D00FAAA26A6}"/>
+                <a16:creationId xmlns:a16="http://schemas.microsoft.com/office/drawing/2014/main" xmlns="" id="{A6353D6C-199F-4C21-9FC8-2D00FAAA26A6}"/>
               </a:ext>
             </a:extLst>
           </p:cNvPr>
@@ -4053,7 +4535,7 @@
           <p:cNvPr id="29" name="Google Shape;55;p1">
             <a:extLst>
               <a:ext uri="{FF2B5EF4-FFF2-40B4-BE49-F238E27FC236}">
-                <a16:creationId xmlns:a16="http://schemas.microsoft.com/office/drawing/2014/main" id="{4544F053-DAFF-4191-A4FE-EAC318BF6A0C}"/>
+                <a16:creationId xmlns:a16="http://schemas.microsoft.com/office/drawing/2014/main" xmlns="" id="{4544F053-DAFF-4191-A4FE-EAC318BF6A0C}"/>
               </a:ext>
             </a:extLst>
           </p:cNvPr>
@@ -4125,7 +4607,7 @@
           <p:cNvPr id="2" name="Title 1">
             <a:extLst>
               <a:ext uri="{FF2B5EF4-FFF2-40B4-BE49-F238E27FC236}">
-                <a16:creationId xmlns:a16="http://schemas.microsoft.com/office/drawing/2014/main" id="{7B6E2517-3805-41A0-9280-523D3C8CC82F}"/>
+                <a16:creationId xmlns:a16="http://schemas.microsoft.com/office/drawing/2014/main" xmlns="" id="{7B6E2517-3805-41A0-9280-523D3C8CC82F}"/>
               </a:ext>
             </a:extLst>
           </p:cNvPr>
@@ -4364,7 +4846,7 @@
           <a:p>
             <a:fld id="{1D8BD707-D9CF-40AE-B4C6-C98DA3205C09}" type="datetimeFigureOut">
               <a:rPr lang="en-US"/>
-              <a:t>10/21/2024</a:t>
+              <a:t>1/14/2025</a:t>
             </a:fld>
             <a:endParaRPr lang="en-US"/>
           </a:p>
@@ -4601,7 +5083,7 @@
         </p:nvSpPr>
         <p:spPr bwMode="auto">
           <a:xfrm>
-            <a:off x="148791" y="4290050"/>
+            <a:off x="1107259" y="3749458"/>
             <a:ext cx="7543800" cy="1200329"/>
           </a:xfrm>
           <a:prstGeom prst="rect">
@@ -4644,7 +5126,7 @@
                   <a:noFill/>
                 </a:ln>
                 <a:solidFill>
-                  <a:srgbClr val="00B050"/>
+                  <a:srgbClr val="0000FF"/>
                 </a:solidFill>
                 <a:effectLst/>
                 <a:uLnTx/>
@@ -4680,7 +5162,7 @@
                   <a:noFill/>
                 </a:ln>
                 <a:solidFill>
-                  <a:srgbClr val="00B050"/>
+                  <a:srgbClr val="0000FF"/>
                 </a:solidFill>
                 <a:effectLst/>
                 <a:uLnTx/>
@@ -4697,7 +5179,7 @@
                   <a:noFill/>
                 </a:ln>
                 <a:solidFill>
-                  <a:srgbClr val="00B050"/>
+                  <a:srgbClr val="0000FF"/>
                 </a:solidFill>
                 <a:effectLst/>
                 <a:uLnTx/>
@@ -4714,7 +5196,7 @@
                   <a:noFill/>
                 </a:ln>
                 <a:solidFill>
-                  <a:srgbClr val="00B050"/>
+                  <a:srgbClr val="0000FF"/>
                 </a:solidFill>
                 <a:effectLst/>
                 <a:uLnTx/>
@@ -4723,15 +5205,15 @@
                 <a:ea typeface="+mn-ea"/>
                 <a:cs typeface="Arial" pitchFamily="34" charset="0"/>
               </a:rPr>
-              <a:t> 20</a:t>
-            </a:r>
-            <a:r>
-              <a:rPr kumimoji="0" lang="en-US" sz="3600" b="1" i="0" u="none" strike="noStrike" kern="1200" cap="none" spc="0" normalizeH="0" baseline="0" noProof="0" dirty="0">
+              <a:t> </a:t>
+            </a:r>
+            <a:r>
+              <a:rPr kumimoji="0" lang="x-none" sz="3600" b="1" i="0" u="none" strike="noStrike" kern="1200" cap="none" spc="0" normalizeH="0" baseline="0" noProof="0">
                 <a:ln>
                   <a:noFill/>
                 </a:ln>
                 <a:solidFill>
-                  <a:srgbClr val="00B050"/>
+                  <a:srgbClr val="0000FF"/>
                 </a:solidFill>
                 <a:effectLst/>
                 <a:uLnTx/>
@@ -4740,8 +5222,39 @@
                 <a:ea typeface="+mn-ea"/>
                 <a:cs typeface="Arial" pitchFamily="34" charset="0"/>
               </a:rPr>
-              <a:t>2</a:t>
-            </a:r>
+              <a:t>20</a:t>
+            </a:r>
+            <a:r>
+              <a:rPr kumimoji="0" lang="en-US" sz="3600" b="1" i="0" u="none" strike="noStrike" kern="1200" cap="none" spc="0" normalizeH="0" baseline="0" noProof="0" dirty="0" smtClean="0">
+                <a:ln>
+                  <a:noFill/>
+                </a:ln>
+                <a:solidFill>
+                  <a:srgbClr val="0000FF"/>
+                </a:solidFill>
+                <a:effectLst/>
+                <a:uLnTx/>
+                <a:uFillTx/>
+                <a:latin typeface="Arial" pitchFamily="34" charset="0"/>
+                <a:ea typeface="+mn-ea"/>
+                <a:cs typeface="Arial" pitchFamily="34" charset="0"/>
+              </a:rPr>
+              <a:t>2 – Spring 2025</a:t>
+            </a:r>
+            <a:endParaRPr kumimoji="0" lang="en-US" sz="3600" b="1" i="0" u="none" strike="noStrike" kern="1200" cap="none" spc="0" normalizeH="0" baseline="0" noProof="0" dirty="0">
+              <a:ln>
+                <a:noFill/>
+              </a:ln>
+              <a:solidFill>
+                <a:srgbClr val="0000FF"/>
+              </a:solidFill>
+              <a:effectLst/>
+              <a:uLnTx/>
+              <a:uFillTx/>
+              <a:latin typeface="Arial" pitchFamily="34" charset="0"/>
+              <a:ea typeface="+mn-ea"/>
+              <a:cs typeface="Arial" pitchFamily="34" charset="0"/>
+            </a:endParaRPr>
           </a:p>
         </p:txBody>
       </p:sp>
@@ -4750,7 +5263,7 @@
           <p:cNvPr id="2" name="TextBox 1">
             <a:extLst>
               <a:ext uri="{FF2B5EF4-FFF2-40B4-BE49-F238E27FC236}">
-                <a16:creationId xmlns:a16="http://schemas.microsoft.com/office/drawing/2014/main" id="{07DEEC26-75A9-F4A2-6948-691F17B753B2}"/>
+                <a16:creationId xmlns:a16="http://schemas.microsoft.com/office/drawing/2014/main" xmlns="" id="{07DEEC26-75A9-F4A2-6948-691F17B753B2}"/>
               </a:ext>
             </a:extLst>
           </p:cNvPr>
@@ -4796,7 +5309,7 @@
                   <a:noFill/>
                 </a:ln>
                 <a:solidFill>
-                  <a:srgbClr val="0000FF"/>
+                  <a:srgbClr val="00B050"/>
                 </a:solidFill>
                 <a:effectLst/>
                 <a:uLnTx/>
@@ -4858,7 +5371,7 @@
             <a:r>
               <a:rPr lang="en-US" sz="4000" b="1" dirty="0">
                 <a:solidFill>
-                  <a:srgbClr val="0033CC"/>
+                  <a:srgbClr val="00B050"/>
                 </a:solidFill>
                 <a:latin typeface="Cambria" panose="02040503050406030204" pitchFamily="18" charset="0"/>
                 <a:ea typeface="Cambria" panose="02040503050406030204" pitchFamily="18" charset="0"/>
@@ -4873,7 +5386,7 @@
           <p:cNvPr id="4" name="Picture 3">
             <a:extLst>
               <a:ext uri="{FF2B5EF4-FFF2-40B4-BE49-F238E27FC236}">
-                <a16:creationId xmlns:a16="http://schemas.microsoft.com/office/drawing/2014/main" id="{31186C29-B4AC-4ED2-9950-A13ECBB5AE40}"/>
+                <a16:creationId xmlns:a16="http://schemas.microsoft.com/office/drawing/2014/main" xmlns="" id="{31186C29-B4AC-4ED2-9950-A13ECBB5AE40}"/>
               </a:ext>
             </a:extLst>
           </p:cNvPr>
@@ -4903,7 +5416,7 @@
           <p:cNvPr id="3076" name="Picture 4" descr="Frequency Response of ideal band pass filter">
             <a:extLst>
               <a:ext uri="{FF2B5EF4-FFF2-40B4-BE49-F238E27FC236}">
-                <a16:creationId xmlns:a16="http://schemas.microsoft.com/office/drawing/2014/main" id="{A69C1792-2F03-4A4F-8826-C667BC46C477}"/>
+                <a16:creationId xmlns:a16="http://schemas.microsoft.com/office/drawing/2014/main" xmlns="" id="{A69C1792-2F03-4A4F-8826-C667BC46C477}"/>
               </a:ext>
             </a:extLst>
           </p:cNvPr>
@@ -4950,7 +5463,7 @@
           <p:cNvPr id="7" name="TextBox 6">
             <a:extLst>
               <a:ext uri="{FF2B5EF4-FFF2-40B4-BE49-F238E27FC236}">
-                <a16:creationId xmlns:a16="http://schemas.microsoft.com/office/drawing/2014/main" id="{02DF65EE-3453-4B18-96F9-C584AA0AA18E}"/>
+                <a16:creationId xmlns:a16="http://schemas.microsoft.com/office/drawing/2014/main" xmlns="" id="{02DF65EE-3453-4B18-96F9-C584AA0AA18E}"/>
               </a:ext>
             </a:extLst>
           </p:cNvPr>
@@ -5082,7 +5595,7 @@
           <p:cNvPr id="8" name="TextBox 7">
             <a:extLst>
               <a:ext uri="{FF2B5EF4-FFF2-40B4-BE49-F238E27FC236}">
-                <a16:creationId xmlns:a16="http://schemas.microsoft.com/office/drawing/2014/main" id="{74FE4304-FBD6-401E-9332-8706D1AFA822}"/>
+                <a16:creationId xmlns:a16="http://schemas.microsoft.com/office/drawing/2014/main" xmlns="" id="{74FE4304-FBD6-401E-9332-8706D1AFA822}"/>
               </a:ext>
             </a:extLst>
           </p:cNvPr>
@@ -5317,7 +5830,11 @@
           </a:lstStyle>
           <a:p>
             <a:r>
-              <a:rPr lang="en-US" dirty="0"/>
+              <a:rPr lang="en-US" dirty="0">
+                <a:solidFill>
+                  <a:srgbClr val="00B050"/>
+                </a:solidFill>
+              </a:rPr>
               <a:t>Low Pass Filter (LPF)</a:t>
             </a:r>
           </a:p>
@@ -5372,7 +5889,7 @@
         </p:blipFill>
         <p:spPr>
           <a:xfrm>
-            <a:off x="3019870" y="2077492"/>
+            <a:off x="1907167" y="2077492"/>
             <a:ext cx="4684936" cy="1235956"/>
           </a:xfrm>
           <a:prstGeom prst="rect">
@@ -5704,7 +6221,7 @@
                           <m:degHide m:val="on"/>
                           <m:ctrlPr>
                             <a:rPr lang="en-US" sz="2000" b="1" i="1" smtClean="0">
-                              <a:latin typeface="Cambria Math" panose="02040503050406030204" pitchFamily="18" charset="0"/>
+                              <a:latin typeface="Cambria Math"/>
                             </a:rPr>
                           </m:ctrlPr>
                         </m:radPr>
@@ -5714,7 +6231,7 @@
                             <m:sSupPr>
                               <m:ctrlPr>
                                 <a:rPr lang="en-US" sz="2000" b="1" i="1" smtClean="0">
-                                  <a:latin typeface="Cambria Math" panose="02040503050406030204" pitchFamily="18" charset="0"/>
+                                  <a:latin typeface="Cambria Math"/>
                                 </a:rPr>
                               </m:ctrlPr>
                             </m:sSupPr>
@@ -5745,7 +6262,7 @@
                             <m:sSubSupPr>
                               <m:ctrlPr>
                                 <a:rPr lang="en-US" sz="2000" b="1" i="1" smtClean="0">
-                                  <a:latin typeface="Cambria Math" panose="02040503050406030204" pitchFamily="18" charset="0"/>
+                                  <a:latin typeface="Cambria Math"/>
                                 </a:rPr>
                               </m:ctrlPr>
                             </m:sSubSupPr>
@@ -5886,6 +6403,830 @@
           <a:chExt cx="0" cy="0"/>
         </a:xfrm>
       </p:grpSpPr>
+      <p:sp>
+        <p:nvSpPr>
+          <p:cNvPr id="4" name="TextBox 3"/>
+          <p:cNvSpPr txBox="1"/>
+          <p:nvPr/>
+        </p:nvSpPr>
+        <p:spPr>
+          <a:xfrm>
+            <a:off x="1158893" y="402452"/>
+            <a:ext cx="5131726" cy="615553"/>
+          </a:xfrm>
+          <a:prstGeom prst="rect">
+            <a:avLst/>
+          </a:prstGeom>
+        </p:spPr>
+        <p:txBody>
+          <a:bodyPr wrap="square" lIns="0" tIns="0" rIns="0" bIns="0">
+            <a:spAutoFit/>
+          </a:bodyPr>
+          <a:lstStyle>
+            <a:lvl1pPr>
+              <a:defRPr sz="4000" b="1">
+                <a:solidFill>
+                  <a:srgbClr val="0033CC"/>
+                </a:solidFill>
+                <a:latin typeface="Cambria" panose="02040503050406030204" pitchFamily="18" charset="0"/>
+                <a:ea typeface="Cambria" panose="02040503050406030204" pitchFamily="18" charset="0"/>
+                <a:cs typeface="+mj-cs"/>
+              </a:defRPr>
+            </a:lvl1pPr>
+          </a:lstStyle>
+          <a:p>
+            <a:r>
+              <a:rPr lang="en-US" dirty="0">
+                <a:solidFill>
+                  <a:srgbClr val="00B050"/>
+                </a:solidFill>
+              </a:rPr>
+              <a:t>Low Pass Filter (LPF)</a:t>
+            </a:r>
+          </a:p>
+        </p:txBody>
+      </p:sp>
+      <p:sp>
+        <p:nvSpPr>
+          <p:cNvPr id="5" name="Rectangle 4"/>
+          <p:cNvSpPr/>
+          <p:nvPr/>
+        </p:nvSpPr>
+        <p:spPr>
+          <a:xfrm>
+            <a:off x="1062266" y="1167302"/>
+            <a:ext cx="8328622" cy="769441"/>
+          </a:xfrm>
+          <a:prstGeom prst="rect">
+            <a:avLst/>
+          </a:prstGeom>
+        </p:spPr>
+        <p:txBody>
+          <a:bodyPr wrap="square">
+            <a:spAutoFit/>
+          </a:bodyPr>
+          <a:lstStyle/>
+          <a:p>
+            <a:pPr algn="just"/>
+            <a:r>
+              <a:rPr lang="en-US" sz="2200" dirty="0">
+                <a:latin typeface="Cambria" panose="02040503050406030204" pitchFamily="18" charset="0"/>
+              </a:rPr>
+              <a:t>A low-pass filter passes low frequency signals, and rejects signals at frequencies above the filter's cutoff frequency, </a:t>
+            </a:r>
+          </a:p>
+        </p:txBody>
+      </p:sp>
+      <mc:AlternateContent xmlns:mc="http://schemas.openxmlformats.org/markup-compatibility/2006" xmlns:a14="http://schemas.microsoft.com/office/drawing/2010/main">
+        <mc:Choice Requires="a14">
+          <p:sp>
+            <p:nvSpPr>
+              <p:cNvPr id="14" name="Rectangle 13"/>
+              <p:cNvSpPr/>
+              <p:nvPr/>
+            </p:nvSpPr>
+            <p:spPr>
+              <a:xfrm>
+                <a:off x="955046" y="4177215"/>
+                <a:ext cx="8328622" cy="1078629"/>
+              </a:xfrm>
+              <a:prstGeom prst="rect">
+                <a:avLst/>
+              </a:prstGeom>
+            </p:spPr>
+            <p:txBody>
+              <a:bodyPr wrap="square">
+                <a:spAutoFit/>
+              </a:bodyPr>
+              <a:lstStyle/>
+              <a:p>
+                <a:pPr>
+                  <a:lnSpc>
+                    <a:spcPct val="150000"/>
+                  </a:lnSpc>
+                </a:pPr>
+                <a14:m>
+                  <m:oMath xmlns:m="http://schemas.openxmlformats.org/officeDocument/2006/math">
+                    <m:r>
+                      <m:rPr>
+                        <m:sty m:val="p"/>
+                      </m:rPr>
+                      <a:rPr lang="en-US" sz="2400" i="1" smtClean="0">
+                        <a:solidFill>
+                          <a:schemeClr val="tx1"/>
+                        </a:solidFill>
+                        <a:latin typeface="Cambria Math" panose="02040503050406030204" pitchFamily="18" charset="0"/>
+                      </a:rPr>
+                      <m:t>ω</m:t>
+                    </m:r>
+                  </m:oMath>
+                </a14:m>
+                <a:r>
+                  <a:rPr lang="en-US" sz="2200" baseline="-25000" dirty="0">
+                    <a:latin typeface="Cambria" panose="02040503050406030204" pitchFamily="18" charset="0"/>
+                  </a:rPr>
+                  <a:t>0</a:t>
+                </a:r>
+                <a:r>
+                  <a:rPr lang="en-US" sz="2200" dirty="0">
+                    <a:latin typeface="Cambria" panose="02040503050406030204" pitchFamily="18" charset="0"/>
+                  </a:rPr>
+                  <a:t>: is the magnitude of pole frequency like in BP filter, and </a:t>
+                </a:r>
+                <a:r>
+                  <a:rPr lang="el-GR" sz="2200" b="1" dirty="0">
+                    <a:solidFill>
+                      <a:srgbClr val="D60093"/>
+                    </a:solidFill>
+                    <a:latin typeface="Cambria" panose="02040503050406030204" pitchFamily="18" charset="0"/>
+                  </a:rPr>
+                  <a:t>σ</a:t>
+                </a:r>
+                <a:r>
+                  <a:rPr lang="en-US" sz="2200" dirty="0">
+                    <a:latin typeface="Cambria" panose="02040503050406030204" pitchFamily="18" charset="0"/>
+                  </a:rPr>
+                  <a:t> is the real part of the pole frequency</a:t>
+                </a:r>
+              </a:p>
+            </p:txBody>
+          </p:sp>
+        </mc:Choice>
+        <mc:Fallback xmlns="">
+          <p:sp>
+            <p:nvSpPr>
+              <p:cNvPr id="14" name="Rectangle 13"/>
+              <p:cNvSpPr>
+                <a:spLocks noRot="1" noChangeAspect="1" noMove="1" noResize="1" noEditPoints="1" noAdjustHandles="1" noChangeArrowheads="1" noChangeShapeType="1" noTextEdit="1"/>
+              </p:cNvSpPr>
+              <p:nvPr/>
+            </p:nvSpPr>
+            <p:spPr>
+              <a:xfrm>
+                <a:off x="955046" y="4177215"/>
+                <a:ext cx="8328622" cy="1078629"/>
+              </a:xfrm>
+              <a:prstGeom prst="rect">
+                <a:avLst/>
+              </a:prstGeom>
+              <a:blipFill>
+                <a:blip r:embed="rId4"/>
+                <a:stretch>
+                  <a:fillRect l="-952" b="-10734"/>
+                </a:stretch>
+              </a:blipFill>
+            </p:spPr>
+            <p:txBody>
+              <a:bodyPr/>
+              <a:lstStyle/>
+              <a:p>
+                <a:r>
+                  <a:rPr lang="en-GB">
+                    <a:noFill/>
+                  </a:rPr>
+                  <a:t> </a:t>
+                </a:r>
+              </a:p>
+            </p:txBody>
+          </p:sp>
+        </mc:Fallback>
+      </mc:AlternateContent>
+      <mc:AlternateContent xmlns:mc="http://schemas.openxmlformats.org/markup-compatibility/2006" xmlns:a14="http://schemas.microsoft.com/office/drawing/2010/main">
+        <mc:Choice Requires="a14">
+          <p:sp>
+            <p:nvSpPr>
+              <p:cNvPr id="12" name="Rectangle 11"/>
+              <p:cNvSpPr/>
+              <p:nvPr/>
+            </p:nvSpPr>
+            <p:spPr>
+              <a:xfrm>
+                <a:off x="1158893" y="3491090"/>
+                <a:ext cx="5686426" cy="540212"/>
+              </a:xfrm>
+              <a:prstGeom prst="rect">
+                <a:avLst/>
+              </a:prstGeom>
+            </p:spPr>
+            <p:txBody>
+              <a:bodyPr wrap="square">
+                <a:spAutoFit/>
+              </a:bodyPr>
+              <a:lstStyle/>
+              <a:p>
+                <a:pPr algn="just">
+                  <a:lnSpc>
+                    <a:spcPct val="150000"/>
+                  </a:lnSpc>
+                </a:pPr>
+                <a:r>
+                  <a:rPr lang="en-US" sz="2000" dirty="0">
+                    <a:solidFill>
+                      <a:srgbClr val="0000FF"/>
+                    </a:solidFill>
+                  </a:rPr>
+                  <a:t>The poles of the TF are :      </a:t>
+                </a:r>
+                <a:r>
+                  <a:rPr lang="en-US" sz="2200" i="1" dirty="0">
+                    <a:solidFill>
+                      <a:srgbClr val="0000FF"/>
+                    </a:solidFill>
+                    <a:latin typeface="Cambria" panose="02040503050406030204" pitchFamily="18" charset="0"/>
+                  </a:rPr>
+                  <a:t>P</a:t>
+                </a:r>
+                <a:r>
+                  <a:rPr lang="en-US" sz="2200" i="1" baseline="-25000" dirty="0">
+                    <a:solidFill>
+                      <a:srgbClr val="0000FF"/>
+                    </a:solidFill>
+                    <a:latin typeface="Cambria" panose="02040503050406030204" pitchFamily="18" charset="0"/>
+                  </a:rPr>
+                  <a:t>1,2</a:t>
+                </a:r>
+                <a:r>
+                  <a:rPr lang="en-US" sz="2200" i="1" dirty="0">
+                    <a:solidFill>
+                      <a:srgbClr val="0000FF"/>
+                    </a:solidFill>
+                    <a:latin typeface="Cambria" panose="02040503050406030204" pitchFamily="18" charset="0"/>
+                  </a:rPr>
+                  <a:t> = -</a:t>
+                </a:r>
+                <a:r>
+                  <a:rPr lang="el-GR" sz="2200" i="1" dirty="0">
+                    <a:solidFill>
+                      <a:srgbClr val="0000FF"/>
+                    </a:solidFill>
+                    <a:latin typeface="Cambria" panose="02040503050406030204" pitchFamily="18" charset="0"/>
+                  </a:rPr>
+                  <a:t>σ</a:t>
+                </a:r>
+                <a:r>
+                  <a:rPr lang="en-US" sz="2200" i="1" dirty="0">
+                    <a:solidFill>
+                      <a:srgbClr val="0000FF"/>
+                    </a:solidFill>
+                    <a:latin typeface="Cambria" panose="02040503050406030204" pitchFamily="18" charset="0"/>
+                  </a:rPr>
+                  <a:t> ± j</a:t>
+                </a:r>
+                <a14:m>
+                  <m:oMath xmlns:m="http://schemas.openxmlformats.org/officeDocument/2006/math">
+                    <m:r>
+                      <a:rPr lang="en-US" sz="2200" b="0" i="1" smtClean="0">
+                        <a:solidFill>
+                          <a:srgbClr val="0000FF"/>
+                        </a:solidFill>
+                        <a:latin typeface="Cambria Math" panose="02040503050406030204" pitchFamily="18" charset="0"/>
+                        <a:ea typeface="Cambria Math" panose="02040503050406030204" pitchFamily="18" charset="0"/>
+                      </a:rPr>
+                      <m:t>𝜔</m:t>
+                    </m:r>
+                  </m:oMath>
+                </a14:m>
+                <a:r>
+                  <a:rPr lang="en-US" sz="2200" i="1" baseline="-25000" dirty="0" err="1">
+                    <a:solidFill>
+                      <a:srgbClr val="0000FF"/>
+                    </a:solidFill>
+                    <a:latin typeface="Cambria" panose="02040503050406030204" pitchFamily="18" charset="0"/>
+                  </a:rPr>
+                  <a:t>d</a:t>
+                </a:r>
+                <a:endParaRPr lang="en-US" sz="2200" i="1" dirty="0">
+                  <a:solidFill>
+                    <a:srgbClr val="0000FF"/>
+                  </a:solidFill>
+                  <a:latin typeface="Cambria" panose="02040503050406030204" pitchFamily="18" charset="0"/>
+                </a:endParaRPr>
+              </a:p>
+            </p:txBody>
+          </p:sp>
+        </mc:Choice>
+        <mc:Fallback xmlns="">
+          <p:sp>
+            <p:nvSpPr>
+              <p:cNvPr id="12" name="Rectangle 11"/>
+              <p:cNvSpPr>
+                <a:spLocks noRot="1" noChangeAspect="1" noMove="1" noResize="1" noEditPoints="1" noAdjustHandles="1" noChangeArrowheads="1" noChangeShapeType="1" noTextEdit="1"/>
+              </p:cNvSpPr>
+              <p:nvPr/>
+            </p:nvSpPr>
+            <p:spPr>
+              <a:xfrm>
+                <a:off x="1158893" y="3491090"/>
+                <a:ext cx="5686426" cy="540212"/>
+              </a:xfrm>
+              <a:prstGeom prst="rect">
+                <a:avLst/>
+              </a:prstGeom>
+              <a:blipFill>
+                <a:blip r:embed="rId5"/>
+                <a:stretch>
+                  <a:fillRect l="-1072" b="-21591"/>
+                </a:stretch>
+              </a:blipFill>
+            </p:spPr>
+            <p:txBody>
+              <a:bodyPr/>
+              <a:lstStyle/>
+              <a:p>
+                <a:r>
+                  <a:rPr lang="en-GB">
+                    <a:noFill/>
+                  </a:rPr>
+                  <a:t> </a:t>
+                </a:r>
+              </a:p>
+            </p:txBody>
+          </p:sp>
+        </mc:Fallback>
+      </mc:AlternateContent>
+      <mc:AlternateContent xmlns:mc="http://schemas.openxmlformats.org/markup-compatibility/2006" xmlns:a14="http://schemas.microsoft.com/office/drawing/2010/main">
+        <mc:Choice Requires="a14">
+          <p:sp>
+            <p:nvSpPr>
+              <p:cNvPr id="13" name="TextBox 12"/>
+              <p:cNvSpPr txBox="1"/>
+              <p:nvPr/>
+            </p:nvSpPr>
+            <p:spPr>
+              <a:xfrm>
+                <a:off x="4002106" y="5407924"/>
+                <a:ext cx="1855380" cy="637162"/>
+              </a:xfrm>
+              <a:prstGeom prst="rect">
+                <a:avLst/>
+              </a:prstGeom>
+              <a:noFill/>
+            </p:spPr>
+            <p:txBody>
+              <a:bodyPr wrap="none" lIns="0" tIns="0" rIns="0" bIns="0" rtlCol="0">
+                <a:spAutoFit/>
+              </a:bodyPr>
+              <a:lstStyle/>
+              <a:p>
+                <a:pPr/>
+                <a14:m>
+                  <m:oMathPara xmlns:m="http://schemas.openxmlformats.org/officeDocument/2006/math">
+                    <m:oMathParaPr>
+                      <m:jc m:val="centerGroup"/>
+                    </m:oMathParaPr>
+                    <m:oMath xmlns:m="http://schemas.openxmlformats.org/officeDocument/2006/math">
+                      <m:r>
+                        <a:rPr lang="en-US" sz="2000" b="1" i="1">
+                          <a:latin typeface="Cambria Math" panose="02040503050406030204" pitchFamily="18" charset="0"/>
+                        </a:rPr>
+                        <m:t>𝝎</m:t>
+                      </m:r>
+                      <m:r>
+                        <m:rPr>
+                          <m:nor/>
+                        </m:rPr>
+                        <a:rPr lang="en-US" sz="2000" b="1" baseline="-25000" dirty="0">
+                          <a:latin typeface="Cambria" panose="02040503050406030204" pitchFamily="18" charset="0"/>
+                        </a:rPr>
+                        <m:t>0</m:t>
+                      </m:r>
+                      <m:r>
+                        <a:rPr lang="en-US" sz="2000" b="1" i="1" smtClean="0">
+                          <a:latin typeface="Cambria Math" panose="02040503050406030204" pitchFamily="18" charset="0"/>
+                        </a:rPr>
+                        <m:t>=</m:t>
+                      </m:r>
+                      <m:rad>
+                        <m:radPr>
+                          <m:degHide m:val="on"/>
+                          <m:ctrlPr>
+                            <a:rPr lang="en-US" sz="2000" b="1" i="1" smtClean="0">
+                              <a:latin typeface="Cambria Math"/>
+                            </a:rPr>
+                          </m:ctrlPr>
+                        </m:radPr>
+                        <m:deg/>
+                        <m:e>
+                          <m:sSup>
+                            <m:sSupPr>
+                              <m:ctrlPr>
+                                <a:rPr lang="en-US" sz="2000" b="1" i="1" smtClean="0">
+                                  <a:latin typeface="Cambria Math"/>
+                                </a:rPr>
+                              </m:ctrlPr>
+                            </m:sSupPr>
+                            <m:e>
+                              <m:r>
+                                <a:rPr lang="el-GR" sz="2000" b="1" i="1">
+                                  <a:latin typeface="Cambria Math" panose="02040503050406030204" pitchFamily="18" charset="0"/>
+                                </a:rPr>
+                                <m:t>𝝈</m:t>
+                              </m:r>
+                            </m:e>
+                            <m:sup>
+                              <m:r>
+                                <a:rPr lang="en-US" sz="2000" b="1" i="1" smtClean="0">
+                                  <a:latin typeface="Cambria Math" panose="02040503050406030204" pitchFamily="18" charset="0"/>
+                                </a:rPr>
+                                <m:t>𝟐</m:t>
+                              </m:r>
+                            </m:sup>
+                          </m:sSup>
+                          <m:r>
+                            <a:rPr lang="en-US" sz="2000" b="1" i="1" smtClean="0">
+                              <a:latin typeface="Cambria Math" panose="02040503050406030204" pitchFamily="18" charset="0"/>
+                            </a:rPr>
+                            <m:t>+</m:t>
+                          </m:r>
+                          <m:sSubSup>
+                            <m:sSubSupPr>
+                              <m:ctrlPr>
+                                <a:rPr lang="en-US" sz="2000" b="1" i="1" smtClean="0">
+                                  <a:latin typeface="Cambria Math"/>
+                                </a:rPr>
+                              </m:ctrlPr>
+                            </m:sSubSupPr>
+                            <m:e>
+                              <m:r>
+                                <a:rPr lang="en-US" sz="2000" b="1" i="1">
+                                  <a:latin typeface="Cambria Math" panose="02040503050406030204" pitchFamily="18" charset="0"/>
+                                  <a:ea typeface="Cambria Math" panose="02040503050406030204" pitchFamily="18" charset="0"/>
+                                </a:rPr>
+                                <m:t>𝝎</m:t>
+                              </m:r>
+                            </m:e>
+                            <m:sub>
+                              <m:r>
+                                <a:rPr lang="en-US" sz="2000" b="1" i="1" smtClean="0">
+                                  <a:latin typeface="Cambria Math" panose="02040503050406030204" pitchFamily="18" charset="0"/>
+                                </a:rPr>
+                                <m:t>𝒅</m:t>
+                              </m:r>
+                            </m:sub>
+                            <m:sup>
+                              <m:r>
+                                <a:rPr lang="en-US" sz="2000" b="1" i="1" smtClean="0">
+                                  <a:latin typeface="Cambria Math" panose="02040503050406030204" pitchFamily="18" charset="0"/>
+                                </a:rPr>
+                                <m:t>𝟐</m:t>
+                              </m:r>
+                            </m:sup>
+                          </m:sSubSup>
+                        </m:e>
+                      </m:rad>
+                    </m:oMath>
+                  </m:oMathPara>
+                </a14:m>
+                <a:endParaRPr lang="en-US" sz="2000" b="1" dirty="0"/>
+              </a:p>
+            </p:txBody>
+          </p:sp>
+        </mc:Choice>
+        <mc:Fallback xmlns="">
+          <p:sp>
+            <p:nvSpPr>
+              <p:cNvPr id="13" name="TextBox 12"/>
+              <p:cNvSpPr txBox="1">
+                <a:spLocks noRot="1" noChangeAspect="1" noMove="1" noResize="1" noEditPoints="1" noAdjustHandles="1" noChangeArrowheads="1" noChangeShapeType="1" noTextEdit="1"/>
+              </p:cNvSpPr>
+              <p:nvPr/>
+            </p:nvSpPr>
+            <p:spPr>
+              <a:xfrm>
+                <a:off x="4002106" y="5407924"/>
+                <a:ext cx="1855380" cy="637162"/>
+              </a:xfrm>
+              <a:prstGeom prst="rect">
+                <a:avLst/>
+              </a:prstGeom>
+              <a:blipFill>
+                <a:blip r:embed="rId6"/>
+                <a:stretch>
+                  <a:fillRect/>
+                </a:stretch>
+              </a:blipFill>
+            </p:spPr>
+            <p:txBody>
+              <a:bodyPr/>
+              <a:lstStyle/>
+              <a:p>
+                <a:r>
+                  <a:rPr lang="en-GB">
+                    <a:noFill/>
+                  </a:rPr>
+                  <a:t> </a:t>
+                </a:r>
+              </a:p>
+            </p:txBody>
+          </p:sp>
+        </mc:Fallback>
+      </mc:AlternateContent>
+      <p:sp>
+        <p:nvSpPr>
+          <p:cNvPr id="15" name="Rectangle 14"/>
+          <p:cNvSpPr/>
+          <p:nvPr/>
+        </p:nvSpPr>
+        <p:spPr>
+          <a:xfrm>
+            <a:off x="1158893" y="5526450"/>
+            <a:ext cx="2635978" cy="400110"/>
+          </a:xfrm>
+          <a:prstGeom prst="rect">
+            <a:avLst/>
+          </a:prstGeom>
+        </p:spPr>
+        <p:txBody>
+          <a:bodyPr wrap="none">
+            <a:spAutoFit/>
+          </a:bodyPr>
+          <a:lstStyle/>
+          <a:p>
+            <a:r>
+              <a:rPr lang="en-US" sz="2000" dirty="0">
+                <a:solidFill>
+                  <a:srgbClr val="0000FF"/>
+                </a:solidFill>
+              </a:rPr>
+              <a:t>The peak frequency is :</a:t>
+            </a:r>
+          </a:p>
+        </p:txBody>
+      </p:sp>
+      <mc:AlternateContent xmlns:mc="http://schemas.openxmlformats.org/markup-compatibility/2006">
+        <mc:Choice xmlns:a14="http://schemas.microsoft.com/office/drawing/2010/main" Requires="a14">
+          <p:sp>
+            <p:nvSpPr>
+              <p:cNvPr id="2" name="TextBox 1"/>
+              <p:cNvSpPr txBox="1"/>
+              <p:nvPr/>
+            </p:nvSpPr>
+            <p:spPr>
+              <a:xfrm>
+                <a:off x="1473735" y="2243663"/>
+                <a:ext cx="5056742" cy="1100751"/>
+              </a:xfrm>
+              <a:prstGeom prst="rect">
+                <a:avLst/>
+              </a:prstGeom>
+              <a:noFill/>
+            </p:spPr>
+            <p:txBody>
+              <a:bodyPr wrap="square" rtlCol="0">
+                <a:spAutoFit/>
+              </a:bodyPr>
+              <a:lstStyle/>
+              <a:p>
+                <a:r>
+                  <a:rPr lang="en-US" sz="3600" b="1" i="1" dirty="0" smtClean="0"/>
+                  <a:t>H(s) = </a:t>
+                </a:r>
+                <a14:m>
+                  <m:oMath xmlns:m="http://schemas.openxmlformats.org/officeDocument/2006/math">
+                    <m:f>
+                      <m:fPr>
+                        <m:ctrlPr>
+                          <a:rPr lang="en-US" sz="3600" b="1" i="1" smtClean="0">
+                            <a:latin typeface="Cambria Math"/>
+                          </a:rPr>
+                        </m:ctrlPr>
+                      </m:fPr>
+                      <m:num>
+                        <m:r>
+                          <a:rPr lang="en-US" sz="3600" b="1" i="1" smtClean="0">
+                            <a:latin typeface="Cambria Math"/>
+                          </a:rPr>
+                          <m:t>𝑲</m:t>
+                        </m:r>
+                        <m:sSubSup>
+                          <m:sSubSupPr>
+                            <m:ctrlPr>
+                              <a:rPr lang="en-US" sz="3600" b="1" i="1" smtClean="0">
+                                <a:latin typeface="Cambria Math"/>
+                                <a:ea typeface="Cambria Math"/>
+                              </a:rPr>
+                            </m:ctrlPr>
+                          </m:sSubSupPr>
+                          <m:e>
+                            <m:r>
+                              <a:rPr lang="en-US" sz="3600" b="1" i="1">
+                                <a:latin typeface="Cambria Math"/>
+                                <a:ea typeface="Cambria Math"/>
+                              </a:rPr>
+                              <m:t>𝝎</m:t>
+                            </m:r>
+                          </m:e>
+                          <m:sub>
+                            <m:r>
+                              <a:rPr lang="en-US" sz="3600" b="1" i="1">
+                                <a:latin typeface="Cambria Math"/>
+                                <a:ea typeface="Cambria Math"/>
+                              </a:rPr>
+                              <m:t>𝟎</m:t>
+                            </m:r>
+                          </m:sub>
+                          <m:sup>
+                            <m:r>
+                              <a:rPr lang="en-US" sz="3600" b="1" i="1">
+                                <a:latin typeface="Cambria Math"/>
+                                <a:ea typeface="Cambria Math"/>
+                              </a:rPr>
+                              <m:t>𝟐</m:t>
+                            </m:r>
+                          </m:sup>
+                        </m:sSubSup>
+                      </m:num>
+                      <m:den>
+                        <m:r>
+                          <a:rPr lang="en-US" sz="3600" b="1" i="1" smtClean="0">
+                            <a:latin typeface="Cambria Math"/>
+                          </a:rPr>
+                          <m:t>𝑺</m:t>
+                        </m:r>
+                        <m:r>
+                          <a:rPr lang="en-US" sz="3600" b="1" i="1" smtClean="0">
+                            <a:latin typeface="Cambria Math"/>
+                          </a:rPr>
+                          <m:t>𝟐</m:t>
+                        </m:r>
+                        <m:r>
+                          <a:rPr lang="en-US" sz="3600" b="1" i="1" smtClean="0">
+                            <a:latin typeface="Cambria Math"/>
+                          </a:rPr>
+                          <m:t>+</m:t>
+                        </m:r>
+                        <m:r>
+                          <a:rPr lang="en-US" sz="3600" b="1" i="1" smtClean="0">
+                            <a:latin typeface="Cambria Math"/>
+                          </a:rPr>
+                          <m:t>𝟐</m:t>
+                        </m:r>
+                        <m:r>
+                          <a:rPr lang="en-US" sz="3600" b="1" i="1" smtClean="0">
+                            <a:latin typeface="Cambria Math"/>
+                            <a:ea typeface="Cambria Math"/>
+                          </a:rPr>
+                          <m:t>𝝈</m:t>
+                        </m:r>
+                        <m:r>
+                          <a:rPr lang="en-US" sz="3600" b="1" i="1" smtClean="0">
+                            <a:latin typeface="Cambria Math"/>
+                            <a:ea typeface="Cambria Math"/>
+                          </a:rPr>
+                          <m:t>𝑺</m:t>
+                        </m:r>
+                        <m:r>
+                          <a:rPr lang="en-US" sz="3600" b="1" i="1" smtClean="0">
+                            <a:latin typeface="Cambria Math"/>
+                            <a:ea typeface="Cambria Math"/>
+                          </a:rPr>
+                          <m:t>+ </m:t>
+                        </m:r>
+                        <m:sSubSup>
+                          <m:sSubSupPr>
+                            <m:ctrlPr>
+                              <a:rPr lang="en-US" sz="3600" b="1" i="1" smtClean="0">
+                                <a:latin typeface="Cambria Math"/>
+                                <a:ea typeface="Cambria Math"/>
+                              </a:rPr>
+                            </m:ctrlPr>
+                          </m:sSubSupPr>
+                          <m:e>
+                            <m:r>
+                              <a:rPr lang="en-US" sz="3600" b="1" i="1" smtClean="0">
+                                <a:latin typeface="Cambria Math"/>
+                                <a:ea typeface="Cambria Math"/>
+                              </a:rPr>
+                              <m:t>𝝎</m:t>
+                            </m:r>
+                          </m:e>
+                          <m:sub>
+                            <m:r>
+                              <a:rPr lang="en-US" sz="3600" b="1" i="1" smtClean="0">
+                                <a:latin typeface="Cambria Math"/>
+                                <a:ea typeface="Cambria Math"/>
+                              </a:rPr>
+                              <m:t>𝟎</m:t>
+                            </m:r>
+                          </m:sub>
+                          <m:sup>
+                            <m:r>
+                              <a:rPr lang="en-US" sz="3600" b="1" i="1" smtClean="0">
+                                <a:latin typeface="Cambria Math"/>
+                                <a:ea typeface="Cambria Math"/>
+                              </a:rPr>
+                              <m:t>𝟐</m:t>
+                            </m:r>
+                          </m:sup>
+                        </m:sSubSup>
+                      </m:den>
+                    </m:f>
+                  </m:oMath>
+                </a14:m>
+                <a:endParaRPr lang="en-US" sz="3600" b="1" i="1" dirty="0"/>
+              </a:p>
+            </p:txBody>
+          </p:sp>
+        </mc:Choice>
+        <mc:Fallback>
+          <p:sp>
+            <p:nvSpPr>
+              <p:cNvPr id="2" name="TextBox 1"/>
+              <p:cNvSpPr txBox="1">
+                <a:spLocks noRot="1" noChangeAspect="1" noMove="1" noResize="1" noEditPoints="1" noAdjustHandles="1" noChangeArrowheads="1" noChangeShapeType="1" noTextEdit="1"/>
+              </p:cNvSpPr>
+              <p:nvPr/>
+            </p:nvSpPr>
+            <p:spPr>
+              <a:xfrm>
+                <a:off x="1473735" y="2243663"/>
+                <a:ext cx="5056742" cy="1100751"/>
+              </a:xfrm>
+              <a:prstGeom prst="rect">
+                <a:avLst/>
+              </a:prstGeom>
+              <a:blipFill rotWithShape="1">
+                <a:blip r:embed="rId7"/>
+                <a:stretch>
+                  <a:fillRect l="-3739" b="-552"/>
+                </a:stretch>
+              </a:blipFill>
+            </p:spPr>
+            <p:txBody>
+              <a:bodyPr/>
+              <a:lstStyle/>
+              <a:p>
+                <a:r>
+                  <a:rPr lang="en-US">
+                    <a:noFill/>
+                  </a:rPr>
+                  <a:t> </a:t>
+                </a:r>
+              </a:p>
+            </p:txBody>
+          </p:sp>
+        </mc:Fallback>
+      </mc:AlternateContent>
+      <p:sp>
+        <p:nvSpPr>
+          <p:cNvPr id="3" name="TextBox 2"/>
+          <p:cNvSpPr txBox="1"/>
+          <p:nvPr/>
+        </p:nvSpPr>
+        <p:spPr>
+          <a:xfrm>
+            <a:off x="955046" y="110169"/>
+            <a:ext cx="2504250" cy="369332"/>
+          </a:xfrm>
+          <a:prstGeom prst="rect">
+            <a:avLst/>
+          </a:prstGeom>
+          <a:noFill/>
+        </p:spPr>
+        <p:txBody>
+          <a:bodyPr wrap="square" rtlCol="0">
+            <a:spAutoFit/>
+          </a:bodyPr>
+          <a:lstStyle/>
+          <a:p>
+            <a:r>
+              <a:rPr lang="en-US" dirty="0" err="1" smtClean="0"/>
+              <a:t>salman</a:t>
+            </a:r>
+            <a:endParaRPr lang="en-US" dirty="0"/>
+          </a:p>
+        </p:txBody>
+      </p:sp>
+    </p:spTree>
+    <p:extLst>
+      <p:ext uri="{BB962C8B-B14F-4D97-AF65-F5344CB8AC3E}">
+        <p14:creationId xmlns:p14="http://schemas.microsoft.com/office/powerpoint/2010/main" val="1635496264"/>
+      </p:ext>
+    </p:extLst>
+  </p:cSld>
+  <p:clrMapOvr>
+    <a:masterClrMapping/>
+  </p:clrMapOvr>
+</p:sld>
+</file>
+
+<file path=ppt/slides/slide13.xml><?xml version="1.0" encoding="utf-8"?>
+<p:sld xmlns:a="http://schemas.openxmlformats.org/drawingml/2006/main" xmlns:r="http://schemas.openxmlformats.org/officeDocument/2006/relationships" xmlns:p="http://schemas.openxmlformats.org/presentationml/2006/main">
+  <p:cSld>
+    <p:spTree>
+      <p:nvGrpSpPr>
+        <p:cNvPr id="1" name=""/>
+        <p:cNvGrpSpPr/>
+        <p:nvPr/>
+      </p:nvGrpSpPr>
+      <p:grpSpPr>
+        <a:xfrm>
+          <a:off x="0" y="0"/>
+          <a:ext cx="0" cy="0"/>
+          <a:chOff x="0" y="0"/>
+          <a:chExt cx="0" cy="0"/>
+        </a:xfrm>
+      </p:grpSpPr>
       <p:pic>
         <p:nvPicPr>
           <p:cNvPr id="5" name="Picture 4"/>
@@ -5967,7 +7308,7 @@
                             <a:solidFill>
                               <a:schemeClr val="tx1"/>
                             </a:solidFill>
-                            <a:latin typeface="Cambria Math" panose="02040503050406030204" pitchFamily="18" charset="0"/>
+                            <a:latin typeface="Cambria Math"/>
                           </a:rPr>
                         </m:ctrlPr>
                       </m:dPr>
@@ -6011,7 +7352,7 @@
                             <a:solidFill>
                               <a:schemeClr val="tx1"/>
                             </a:solidFill>
-                            <a:latin typeface="Cambria Math" panose="02040503050406030204" pitchFamily="18" charset="0"/>
+                            <a:latin typeface="Cambria Math"/>
                           </a:rPr>
                         </m:ctrlPr>
                       </m:fPr>
@@ -6032,7 +7373,7 @@
                                 <a:solidFill>
                                   <a:schemeClr val="tx1"/>
                                 </a:solidFill>
-                                <a:latin typeface="Cambria Math" panose="02040503050406030204" pitchFamily="18" charset="0"/>
+                                <a:latin typeface="Cambria Math"/>
                               </a:rPr>
                             </m:ctrlPr>
                           </m:sSubSupPr>
@@ -6091,7 +7432,7 @@
                                 <a:solidFill>
                                   <a:schemeClr val="tx1"/>
                                 </a:solidFill>
-                                <a:latin typeface="Cambria Math" panose="02040503050406030204" pitchFamily="18" charset="0"/>
+                                <a:latin typeface="Cambria Math"/>
                               </a:rPr>
                             </m:ctrlPr>
                           </m:sSupPr>
@@ -6167,7 +7508,7 @@
                                 <a:solidFill>
                                   <a:schemeClr val="tx1"/>
                                 </a:solidFill>
-                                <a:latin typeface="Cambria Math" panose="02040503050406030204" pitchFamily="18" charset="0"/>
+                                <a:latin typeface="Cambria Math"/>
                               </a:rPr>
                             </m:ctrlPr>
                           </m:sSubSupPr>
@@ -6299,7 +7640,7 @@
                           <m:endChr m:val="|"/>
                           <m:ctrlPr>
                             <a:rPr lang="en-US" sz="2200" b="0" i="1" smtClean="0">
-                              <a:latin typeface="Cambria Math" panose="02040503050406030204" pitchFamily="18" charset="0"/>
+                              <a:latin typeface="Cambria Math"/>
                             </a:rPr>
                           </m:ctrlPr>
                         </m:dPr>
@@ -6314,7 +7655,7 @@
                             <m:dPr>
                               <m:ctrlPr>
                                 <a:rPr lang="en-US" sz="2200" i="1">
-                                  <a:latin typeface="Cambria Math" panose="02040503050406030204" pitchFamily="18" charset="0"/>
+                                  <a:latin typeface="Cambria Math"/>
                                 </a:rPr>
                               </m:ctrlPr>
                             </m:dPr>
@@ -6350,7 +7691,7 @@
                           <m:endChr m:val="|"/>
                           <m:ctrlPr>
                             <a:rPr lang="en-US" sz="2200" i="1">
-                              <a:latin typeface="Cambria Math" panose="02040503050406030204" pitchFamily="18" charset="0"/>
+                              <a:latin typeface="Cambria Math"/>
                             </a:rPr>
                           </m:ctrlPr>
                         </m:dPr>
@@ -6362,7 +7703,7 @@
                                   <a:solidFill>
                                     <a:prstClr val="black"/>
                                   </a:solidFill>
-                                  <a:latin typeface="Cambria Math" panose="02040503050406030204" pitchFamily="18" charset="0"/>
+                                  <a:latin typeface="Cambria Math"/>
                                 </a:rPr>
                               </m:ctrlPr>
                             </m:fPr>
@@ -6383,7 +7724,7 @@
                                       <a:solidFill>
                                         <a:prstClr val="black"/>
                                       </a:solidFill>
-                                      <a:latin typeface="Cambria Math" panose="02040503050406030204" pitchFamily="18" charset="0"/>
+                                      <a:latin typeface="Cambria Math"/>
                                     </a:rPr>
                                   </m:ctrlPr>
                                 </m:sSubSupPr>
@@ -6439,7 +7780,7 @@
                                 <m:sSupPr>
                                   <m:ctrlPr>
                                     <a:rPr lang="en-US" sz="2200" i="1">
-                                      <a:latin typeface="Cambria Math" panose="02040503050406030204" pitchFamily="18" charset="0"/>
+                                      <a:latin typeface="Cambria Math"/>
                                     </a:rPr>
                                   </m:ctrlPr>
                                 </m:sSupPr>
@@ -6506,7 +7847,7 @@
                                       <a:solidFill>
                                         <a:prstClr val="black"/>
                                       </a:solidFill>
-                                      <a:latin typeface="Cambria Math" panose="02040503050406030204" pitchFamily="18" charset="0"/>
+                                      <a:latin typeface="Cambria Math"/>
                                     </a:rPr>
                                   </m:ctrlPr>
                                 </m:sSubSupPr>
@@ -6564,7 +7905,7 @@
                               <a:solidFill>
                                 <a:prstClr val="black"/>
                               </a:solidFill>
-                              <a:latin typeface="Cambria Math" panose="02040503050406030204" pitchFamily="18" charset="0"/>
+                              <a:latin typeface="Cambria Math"/>
                             </a:rPr>
                           </m:ctrlPr>
                         </m:fPr>
@@ -6585,7 +7926,7 @@
                                   <a:solidFill>
                                     <a:prstClr val="black"/>
                                   </a:solidFill>
-                                  <a:latin typeface="Cambria Math" panose="02040503050406030204" pitchFamily="18" charset="0"/>
+                                  <a:latin typeface="Cambria Math"/>
                                 </a:rPr>
                               </m:ctrlPr>
                             </m:sSubSupPr>
@@ -6636,7 +7977,7 @@
                                   <a:solidFill>
                                     <a:prstClr val="black"/>
                                   </a:solidFill>
-                                  <a:latin typeface="Cambria Math" panose="02040503050406030204" pitchFamily="18" charset="0"/>
+                                  <a:latin typeface="Cambria Math"/>
                                 </a:rPr>
                               </m:ctrlPr>
                             </m:radPr>
@@ -6649,7 +7990,7 @@
                                       <a:solidFill>
                                         <a:prstClr val="black"/>
                                       </a:solidFill>
-                                      <a:latin typeface="Cambria Math" panose="02040503050406030204" pitchFamily="18" charset="0"/>
+                                      <a:latin typeface="Cambria Math"/>
                                     </a:rPr>
                                   </m:ctrlPr>
                                 </m:sSupPr>
@@ -6670,7 +8011,7 @@
                                           <a:solidFill>
                                             <a:prstClr val="black"/>
                                           </a:solidFill>
-                                          <a:latin typeface="Cambria Math" panose="02040503050406030204" pitchFamily="18" charset="0"/>
+                                          <a:latin typeface="Cambria Math"/>
                                         </a:rPr>
                                       </m:ctrlPr>
                                     </m:sSubSupPr>
@@ -6727,7 +8068,7 @@
                                           <a:solidFill>
                                             <a:prstClr val="black"/>
                                           </a:solidFill>
-                                          <a:latin typeface="Cambria Math" panose="02040503050406030204" pitchFamily="18" charset="0"/>
+                                          <a:latin typeface="Cambria Math"/>
                                         </a:rPr>
                                       </m:ctrlPr>
                                     </m:sSupPr>
@@ -6795,7 +8136,7 @@
                                       <a:solidFill>
                                         <a:prstClr val="black"/>
                                       </a:solidFill>
-                                      <a:latin typeface="Cambria Math" panose="02040503050406030204" pitchFamily="18" charset="0"/>
+                                      <a:latin typeface="Cambria Math"/>
                                     </a:rPr>
                                   </m:ctrlPr>
                                 </m:sSupPr>
@@ -6830,7 +8171,7 @@
                                       <a:solidFill>
                                         <a:prstClr val="black"/>
                                       </a:solidFill>
-                                      <a:latin typeface="Cambria Math" panose="02040503050406030204" pitchFamily="18" charset="0"/>
+                                      <a:latin typeface="Cambria Math"/>
                                     </a:rPr>
                                   </m:ctrlPr>
                                 </m:sSupPr>
@@ -6892,7 +8233,7 @@
                         <m:fPr>
                           <m:ctrlPr>
                             <a:rPr lang="en-US" sz="2200" b="0" i="1" smtClean="0">
-                              <a:latin typeface="Cambria Math" panose="02040503050406030204" pitchFamily="18" charset="0"/>
+                              <a:latin typeface="Cambria Math"/>
                             </a:rPr>
                           </m:ctrlPr>
                         </m:fPr>
@@ -6910,7 +8251,7 @@
                               <m:degHide m:val="on"/>
                               <m:ctrlPr>
                                 <a:rPr lang="en-US" sz="2200" b="0" i="1" smtClean="0">
-                                  <a:latin typeface="Cambria Math" panose="02040503050406030204" pitchFamily="18" charset="0"/>
+                                  <a:latin typeface="Cambria Math"/>
                                 </a:rPr>
                               </m:ctrlPr>
                             </m:radPr>
@@ -6920,7 +8261,7 @@
                                 <m:sSupPr>
                                   <m:ctrlPr>
                                     <a:rPr lang="en-US" sz="2200" b="0" i="1" smtClean="0">
-                                      <a:latin typeface="Cambria Math" panose="02040503050406030204" pitchFamily="18" charset="0"/>
+                                      <a:latin typeface="Cambria Math"/>
                                     </a:rPr>
                                   </m:ctrlPr>
                                 </m:sSupPr>
@@ -6935,7 +8276,7 @@
                                     <m:fPr>
                                       <m:ctrlPr>
                                         <a:rPr lang="en-US" sz="2200" b="0" i="1" smtClean="0">
-                                          <a:latin typeface="Cambria Math" panose="02040503050406030204" pitchFamily="18" charset="0"/>
+                                          <a:latin typeface="Cambria Math"/>
                                         </a:rPr>
                                       </m:ctrlPr>
                                     </m:fPr>
@@ -6944,7 +8285,7 @@
                                         <m:sSupPr>
                                           <m:ctrlPr>
                                             <a:rPr lang="en-US" sz="2200" b="0" i="1" smtClean="0">
-                                              <a:latin typeface="Cambria Math" panose="02040503050406030204" pitchFamily="18" charset="0"/>
+                                              <a:latin typeface="Cambria Math"/>
                                             </a:rPr>
                                           </m:ctrlPr>
                                         </m:sSupPr>
@@ -6974,7 +8315,7 @@
                                         <m:sSubSupPr>
                                           <m:ctrlPr>
                                             <a:rPr lang="en-US" sz="2200" b="0" i="1" smtClean="0">
-                                              <a:latin typeface="Cambria Math" panose="02040503050406030204" pitchFamily="18" charset="0"/>
+                                              <a:latin typeface="Cambria Math"/>
                                             </a:rPr>
                                           </m:ctrlPr>
                                         </m:sSubSupPr>
@@ -7034,7 +8375,7 @@
                                 <m:sSupPr>
                                   <m:ctrlPr>
                                     <a:rPr lang="en-US" sz="2200" b="0" i="1" smtClean="0">
-                                      <a:latin typeface="Cambria Math" panose="02040503050406030204" pitchFamily="18" charset="0"/>
+                                      <a:latin typeface="Cambria Math"/>
                                     </a:rPr>
                                   </m:ctrlPr>
                                 </m:sSupPr>
@@ -7049,7 +8390,7 @@
                                     <m:fPr>
                                       <m:ctrlPr>
                                         <a:rPr lang="en-US" sz="2200" b="0" i="1" smtClean="0">
-                                          <a:latin typeface="Cambria Math" panose="02040503050406030204" pitchFamily="18" charset="0"/>
+                                          <a:latin typeface="Cambria Math"/>
                                         </a:rPr>
                                       </m:ctrlPr>
                                     </m:fPr>
@@ -7076,7 +8417,7 @@
                                         <m:sSubSupPr>
                                           <m:ctrlPr>
                                             <a:rPr lang="en-US" sz="2200" i="1">
-                                              <a:latin typeface="Cambria Math" panose="02040503050406030204" pitchFamily="18" charset="0"/>
+                                              <a:latin typeface="Cambria Math"/>
                                             </a:rPr>
                                           </m:ctrlPr>
                                         </m:sSubSupPr>
@@ -7272,7 +8613,7 @@
                         <m:funcPr>
                           <m:ctrlPr>
                             <a:rPr lang="en-US" sz="2200" i="1" smtClean="0">
-                              <a:latin typeface="Cambria Math" panose="02040503050406030204" pitchFamily="18" charset="0"/>
+                              <a:latin typeface="Cambria Math"/>
                             </a:rPr>
                           </m:ctrlPr>
                         </m:funcPr>
@@ -7281,7 +8622,7 @@
                             <m:sSupPr>
                               <m:ctrlPr>
                                 <a:rPr lang="en-US" sz="2200" i="1" smtClean="0">
-                                  <a:latin typeface="Cambria Math" panose="02040503050406030204" pitchFamily="18" charset="0"/>
+                                  <a:latin typeface="Cambria Math"/>
                                 </a:rPr>
                               </m:ctrlPr>
                             </m:sSupPr>
@@ -7323,7 +8664,7 @@
                             <m:fPr>
                               <m:ctrlPr>
                                 <a:rPr lang="en-US" sz="2200" i="1" smtClean="0">
-                                  <a:latin typeface="Cambria Math" panose="02040503050406030204" pitchFamily="18" charset="0"/>
+                                  <a:latin typeface="Cambria Math"/>
                                 </a:rPr>
                               </m:ctrlPr>
                             </m:fPr>
@@ -7355,7 +8696,7 @@
                                 <m:dPr>
                                   <m:ctrlPr>
                                     <a:rPr lang="en-US" sz="2200" i="1" smtClean="0">
-                                      <a:latin typeface="Cambria Math" panose="02040503050406030204" pitchFamily="18" charset="0"/>
+                                      <a:latin typeface="Cambria Math"/>
                                     </a:rPr>
                                   </m:ctrlPr>
                                 </m:dPr>
@@ -7364,7 +8705,7 @@
                                     <m:sSubSupPr>
                                       <m:ctrlPr>
                                         <a:rPr lang="en-US" sz="2200" i="1" smtClean="0">
-                                          <a:latin typeface="Cambria Math" panose="02040503050406030204" pitchFamily="18" charset="0"/>
+                                          <a:latin typeface="Cambria Math"/>
                                         </a:rPr>
                                       </m:ctrlPr>
                                     </m:sSubSupPr>
@@ -7406,7 +8747,7 @@
                                     <m:sSupPr>
                                       <m:ctrlPr>
                                         <a:rPr lang="en-US" sz="2200" i="1" smtClean="0">
-                                          <a:latin typeface="Cambria Math" panose="02040503050406030204" pitchFamily="18" charset="0"/>
+                                          <a:latin typeface="Cambria Math"/>
                                         </a:rPr>
                                       </m:ctrlPr>
                                     </m:sSupPr>
@@ -7494,7 +8835,7 @@
           <p:cNvPr id="3" name="TextBox 2">
             <a:extLst>
               <a:ext uri="{FF2B5EF4-FFF2-40B4-BE49-F238E27FC236}">
-                <a16:creationId xmlns:a16="http://schemas.microsoft.com/office/drawing/2014/main" id="{2A409909-E64B-29A0-7632-3D6839B5E206}"/>
+                <a16:creationId xmlns:a16="http://schemas.microsoft.com/office/drawing/2014/main" xmlns="" id="{2A409909-E64B-29A0-7632-3D6839B5E206}"/>
               </a:ext>
             </a:extLst>
           </p:cNvPr>
@@ -7528,7 +8869,11 @@
           </a:lstStyle>
           <a:p>
             <a:r>
-              <a:rPr lang="en-US" dirty="0"/>
+              <a:rPr lang="en-US" dirty="0">
+                <a:solidFill>
+                  <a:srgbClr val="00B050"/>
+                </a:solidFill>
+              </a:rPr>
               <a:t>Low Pass Filter (LPF)</a:t>
             </a:r>
           </a:p>
@@ -7539,7 +8884,7 @@
           <p:cNvPr id="4" name="Rectangle 3">
             <a:extLst>
               <a:ext uri="{FF2B5EF4-FFF2-40B4-BE49-F238E27FC236}">
-                <a16:creationId xmlns:a16="http://schemas.microsoft.com/office/drawing/2014/main" id="{AEB8CC15-C282-7417-C920-9371D1A5DDAB}"/>
+                <a16:creationId xmlns:a16="http://schemas.microsoft.com/office/drawing/2014/main" xmlns="" id="{AEB8CC15-C282-7417-C920-9371D1A5DDAB}"/>
               </a:ext>
             </a:extLst>
           </p:cNvPr>
@@ -7588,7 +8933,7 @@
 </p:sld>
 </file>
 
-<file path=ppt/slides/slide13.xml><?xml version="1.0" encoding="utf-8"?>
+<file path=ppt/slides/slide14.xml><?xml version="1.0" encoding="utf-8"?>
 <p:sld xmlns:a="http://schemas.openxmlformats.org/drawingml/2006/main" xmlns:r="http://schemas.openxmlformats.org/officeDocument/2006/relationships" xmlns:p="http://schemas.openxmlformats.org/presentationml/2006/main">
   <p:cSld>
     <p:spTree>
@@ -7717,7 +9062,7 @@
               <p:cNvPr id="3" name="TextBox 2">
                 <a:extLst>
                   <a:ext uri="{FF2B5EF4-FFF2-40B4-BE49-F238E27FC236}">
-                    <a16:creationId xmlns:a16="http://schemas.microsoft.com/office/drawing/2014/main" id="{5D385791-6160-445C-8A4A-8502782B9401}"/>
+                    <a16:creationId xmlns:a16="http://schemas.microsoft.com/office/drawing/2014/main" xmlns="" id="{5D385791-6160-445C-8A4A-8502782B9401}"/>
                   </a:ext>
                 </a:extLst>
               </p:cNvPr>
@@ -7746,7 +9091,7 @@
                       <m:sSubPr>
                         <m:ctrlPr>
                           <a:rPr lang="en-US" sz="2400" i="1" smtClean="0">
-                            <a:latin typeface="Cambria Math" panose="02040503050406030204" pitchFamily="18" charset="0"/>
+                            <a:latin typeface="Cambria Math"/>
                           </a:rPr>
                         </m:ctrlPr>
                       </m:sSubPr>
@@ -7818,7 +9163,7 @@
                       <m:sSubPr>
                         <m:ctrlPr>
                           <a:rPr lang="en-US" sz="2800" i="1" smtClean="0">
-                            <a:latin typeface="Cambria Math" panose="02040503050406030204" pitchFamily="18" charset="0"/>
+                            <a:latin typeface="Cambria Math"/>
                           </a:rPr>
                         </m:ctrlPr>
                       </m:sSubPr>
@@ -7849,7 +9194,7 @@
                       <m:fPr>
                         <m:ctrlPr>
                           <a:rPr lang="en-US" sz="2800" i="1" smtClean="0">
-                            <a:latin typeface="Cambria Math" panose="02040503050406030204" pitchFamily="18" charset="0"/>
+                            <a:latin typeface="Cambria Math"/>
                           </a:rPr>
                         </m:ctrlPr>
                       </m:fPr>
@@ -7880,7 +9225,7 @@
                       <m:fPr>
                         <m:ctrlPr>
                           <a:rPr lang="en-US" sz="2800" b="0" i="1" smtClean="0">
-                            <a:latin typeface="Cambria Math" panose="02040503050406030204" pitchFamily="18" charset="0"/>
+                            <a:latin typeface="Cambria Math"/>
                           </a:rPr>
                         </m:ctrlPr>
                       </m:fPr>
@@ -7966,7 +9311,7 @@
               <p:cNvPr id="5" name="TextBox 4">
                 <a:extLst>
                   <a:ext uri="{FF2B5EF4-FFF2-40B4-BE49-F238E27FC236}">
-                    <a16:creationId xmlns:a16="http://schemas.microsoft.com/office/drawing/2014/main" id="{6CD47D21-EDDA-4A8C-A8AF-72FB84F9A8FA}"/>
+                    <a16:creationId xmlns:a16="http://schemas.microsoft.com/office/drawing/2014/main" xmlns="" id="{6CD47D21-EDDA-4A8C-A8AF-72FB84F9A8FA}"/>
                   </a:ext>
                 </a:extLst>
               </p:cNvPr>
@@ -8007,7 +9352,7 @@
                       <m:fPr>
                         <m:ctrlPr>
                           <a:rPr lang="en-US" sz="2800" i="1" smtClean="0">
-                            <a:latin typeface="Cambria Math" panose="02040503050406030204" pitchFamily="18" charset="0"/>
+                            <a:latin typeface="Cambria Math"/>
                           </a:rPr>
                         </m:ctrlPr>
                       </m:fPr>
@@ -8016,7 +9361,7 @@
                           <m:sSubPr>
                             <m:ctrlPr>
                               <a:rPr lang="en-US" sz="2800" i="1" smtClean="0">
-                                <a:latin typeface="Cambria Math" panose="02040503050406030204" pitchFamily="18" charset="0"/>
+                                <a:latin typeface="Cambria Math"/>
                               </a:rPr>
                             </m:ctrlPr>
                           </m:sSubPr>
@@ -8043,7 +9388,7 @@
                           <m:sSubPr>
                             <m:ctrlPr>
                               <a:rPr lang="en-US" sz="2800" i="1" smtClean="0">
-                                <a:latin typeface="Cambria Math" panose="02040503050406030204" pitchFamily="18" charset="0"/>
+                                <a:latin typeface="Cambria Math"/>
                               </a:rPr>
                             </m:ctrlPr>
                           </m:sSubPr>
@@ -8076,7 +9421,7 @@
                       <m:fPr>
                         <m:ctrlPr>
                           <a:rPr lang="en-US" sz="2800" b="0" i="1" smtClean="0">
-                            <a:latin typeface="Cambria Math" panose="02040503050406030204" pitchFamily="18" charset="0"/>
+                            <a:latin typeface="Cambria Math"/>
                           </a:rPr>
                         </m:ctrlPr>
                       </m:fPr>
@@ -8085,7 +9430,7 @@
                           <m:sSubPr>
                             <m:ctrlPr>
                               <a:rPr lang="en-US" sz="2800" b="0" i="1" smtClean="0">
-                                <a:latin typeface="Cambria Math" panose="02040503050406030204" pitchFamily="18" charset="0"/>
+                                <a:latin typeface="Cambria Math"/>
                               </a:rPr>
                             </m:ctrlPr>
                           </m:sSubPr>
@@ -8112,7 +9457,7 @@
                           <m:sSubPr>
                             <m:ctrlPr>
                               <a:rPr lang="en-US" sz="2800" b="0" i="1" smtClean="0">
-                                <a:latin typeface="Cambria Math" panose="02040503050406030204" pitchFamily="18" charset="0"/>
+                                <a:latin typeface="Cambria Math"/>
                               </a:rPr>
                             </m:ctrlPr>
                           </m:sSubPr>
@@ -8143,7 +9488,7 @@
                           <m:sSubPr>
                             <m:ctrlPr>
                               <a:rPr lang="en-US" sz="2800" b="0" i="1" smtClean="0">
-                                <a:latin typeface="Cambria Math" panose="02040503050406030204" pitchFamily="18" charset="0"/>
+                                <a:latin typeface="Cambria Math"/>
                               </a:rPr>
                             </m:ctrlPr>
                           </m:sSubPr>
@@ -8176,7 +9521,7 @@
                       <m:fPr>
                         <m:ctrlPr>
                           <a:rPr lang="en-US" sz="2800" i="1">
-                            <a:latin typeface="Cambria Math" panose="02040503050406030204" pitchFamily="18" charset="0"/>
+                            <a:latin typeface="Cambria Math"/>
                           </a:rPr>
                         </m:ctrlPr>
                       </m:fPr>
@@ -8185,7 +9530,7 @@
                           <m:fPr>
                             <m:ctrlPr>
                               <a:rPr lang="en-US" sz="2800" i="1">
-                                <a:latin typeface="Cambria Math" panose="02040503050406030204" pitchFamily="18" charset="0"/>
+                                <a:latin typeface="Cambria Math"/>
                               </a:rPr>
                             </m:ctrlPr>
                           </m:fPr>
@@ -8237,7 +9582,7 @@
                           <m:fPr>
                             <m:ctrlPr>
                               <a:rPr lang="en-US" sz="2800" i="1">
-                                <a:latin typeface="Cambria Math" panose="02040503050406030204" pitchFamily="18" charset="0"/>
+                                <a:latin typeface="Cambria Math"/>
                               </a:rPr>
                             </m:ctrlPr>
                           </m:fPr>
@@ -8283,7 +9628,7 @@
                       <m:fPr>
                         <m:ctrlPr>
                           <a:rPr lang="en-US" sz="2800" b="0" i="1" smtClean="0">
-                            <a:latin typeface="Cambria Math" panose="02040503050406030204" pitchFamily="18" charset="0"/>
+                            <a:latin typeface="Cambria Math"/>
                           </a:rPr>
                         </m:ctrlPr>
                       </m:fPr>
@@ -8300,7 +9645,7 @@
                           <m:sSupPr>
                             <m:ctrlPr>
                               <a:rPr lang="en-US" sz="2800" b="0" i="1" smtClean="0">
-                                <a:latin typeface="Cambria Math" panose="02040503050406030204" pitchFamily="18" charset="0"/>
+                                <a:latin typeface="Cambria Math"/>
                               </a:rPr>
                             </m:ctrlPr>
                           </m:sSupPr>
@@ -8398,7 +9743,7 @@
           <p:cNvPr id="6" name="TextBox 5">
             <a:extLst>
               <a:ext uri="{FF2B5EF4-FFF2-40B4-BE49-F238E27FC236}">
-                <a16:creationId xmlns:a16="http://schemas.microsoft.com/office/drawing/2014/main" id="{A1E5C20E-908A-45C0-82D4-EE5E75BAB4B0}"/>
+                <a16:creationId xmlns:a16="http://schemas.microsoft.com/office/drawing/2014/main" xmlns="" id="{A1E5C20E-908A-45C0-82D4-EE5E75BAB4B0}"/>
               </a:ext>
             </a:extLst>
           </p:cNvPr>
@@ -8457,7 +9802,7 @@
           <p:cNvPr id="10" name="Picture 9">
             <a:extLst>
               <a:ext uri="{FF2B5EF4-FFF2-40B4-BE49-F238E27FC236}">
-                <a16:creationId xmlns:a16="http://schemas.microsoft.com/office/drawing/2014/main" id="{74818058-15DA-43DC-AF97-EC756965FA1C}"/>
+                <a16:creationId xmlns:a16="http://schemas.microsoft.com/office/drawing/2014/main" xmlns="" id="{74818058-15DA-43DC-AF97-EC756965FA1C}"/>
               </a:ext>
             </a:extLst>
           </p:cNvPr>
@@ -8491,7 +9836,7 @@
               <p:cNvPr id="4" name="TextBox 3">
                 <a:extLst>
                   <a:ext uri="{FF2B5EF4-FFF2-40B4-BE49-F238E27FC236}">
-                    <a16:creationId xmlns:a16="http://schemas.microsoft.com/office/drawing/2014/main" id="{D6B258D8-8DF5-4BDF-90DE-8E01D16C345C}"/>
+                    <a16:creationId xmlns:a16="http://schemas.microsoft.com/office/drawing/2014/main" xmlns="" id="{D6B258D8-8DF5-4BDF-90DE-8E01D16C345C}"/>
                   </a:ext>
                 </a:extLst>
               </p:cNvPr>
@@ -8524,7 +9869,7 @@
                       <m:sSubPr>
                         <m:ctrlPr>
                           <a:rPr lang="en-US" sz="2400" i="1">
-                            <a:latin typeface="Cambria Math" panose="02040503050406030204" pitchFamily="18" charset="0"/>
+                            <a:latin typeface="Cambria Math"/>
                           </a:rPr>
                         </m:ctrlPr>
                       </m:sSubPr>
@@ -8608,7 +9953,7 @@
               <p:cNvPr id="12" name="TextBox 11">
                 <a:extLst>
                   <a:ext uri="{FF2B5EF4-FFF2-40B4-BE49-F238E27FC236}">
-                    <a16:creationId xmlns:a16="http://schemas.microsoft.com/office/drawing/2014/main" id="{02686CCE-A089-4FD8-B869-C20F27B62A1C}"/>
+                    <a16:creationId xmlns:a16="http://schemas.microsoft.com/office/drawing/2014/main" xmlns="" id="{02686CCE-A089-4FD8-B869-C20F27B62A1C}"/>
                   </a:ext>
                 </a:extLst>
               </p:cNvPr>
@@ -8641,7 +9986,7 @@
                       <m:fPr>
                         <m:ctrlPr>
                           <a:rPr lang="en-US" sz="2800" i="1" smtClean="0">
-                            <a:latin typeface="Cambria Math" panose="02040503050406030204" pitchFamily="18" charset="0"/>
+                            <a:latin typeface="Cambria Math"/>
                           </a:rPr>
                         </m:ctrlPr>
                       </m:fPr>
@@ -8650,7 +9995,7 @@
                           <m:sSubPr>
                             <m:ctrlPr>
                               <a:rPr lang="en-US" sz="2800" i="1" smtClean="0">
-                                <a:latin typeface="Cambria Math" panose="02040503050406030204" pitchFamily="18" charset="0"/>
+                                <a:latin typeface="Cambria Math"/>
                               </a:rPr>
                             </m:ctrlPr>
                           </m:sSubPr>
@@ -8677,7 +10022,7 @@
                           <m:sSubPr>
                             <m:ctrlPr>
                               <a:rPr lang="en-US" sz="2800" i="1" smtClean="0">
-                                <a:latin typeface="Cambria Math" panose="02040503050406030204" pitchFamily="18" charset="0"/>
+                                <a:latin typeface="Cambria Math"/>
                               </a:rPr>
                             </m:ctrlPr>
                           </m:sSubPr>
@@ -8710,7 +10055,7 @@
                       <m:fPr>
                         <m:ctrlPr>
                           <a:rPr lang="en-US" sz="2800" b="0" i="1" smtClean="0">
-                            <a:latin typeface="Cambria Math" panose="02040503050406030204" pitchFamily="18" charset="0"/>
+                            <a:latin typeface="Cambria Math"/>
                           </a:rPr>
                         </m:ctrlPr>
                       </m:fPr>
@@ -8727,7 +10072,7 @@
                           <m:sSupPr>
                             <m:ctrlPr>
                               <a:rPr lang="en-US" sz="2800" b="0" i="1" smtClean="0">
-                                <a:latin typeface="Cambria Math" panose="02040503050406030204" pitchFamily="18" charset="0"/>
+                                <a:latin typeface="Cambria Math"/>
                               </a:rPr>
                             </m:ctrlPr>
                           </m:sSupPr>
@@ -8825,7 +10170,7 @@
           <p:cNvPr id="13" name="TextBox 12">
             <a:extLst>
               <a:ext uri="{FF2B5EF4-FFF2-40B4-BE49-F238E27FC236}">
-                <a16:creationId xmlns:a16="http://schemas.microsoft.com/office/drawing/2014/main" id="{DB72AC74-4513-4EDE-9341-2F9A70007A94}"/>
+                <a16:creationId xmlns:a16="http://schemas.microsoft.com/office/drawing/2014/main" xmlns="" id="{DB72AC74-4513-4EDE-9341-2F9A70007A94}"/>
               </a:ext>
             </a:extLst>
           </p:cNvPr>
@@ -8860,7 +10205,7 @@
           <p:cNvPr id="7" name="TextBox 6">
             <a:extLst>
               <a:ext uri="{FF2B5EF4-FFF2-40B4-BE49-F238E27FC236}">
-                <a16:creationId xmlns:a16="http://schemas.microsoft.com/office/drawing/2014/main" id="{7768ACAF-152C-BA9C-0C89-9B1B916F31DB}"/>
+                <a16:creationId xmlns:a16="http://schemas.microsoft.com/office/drawing/2014/main" xmlns="" id="{7768ACAF-152C-BA9C-0C89-9B1B916F31DB}"/>
               </a:ext>
             </a:extLst>
           </p:cNvPr>
@@ -8894,7 +10239,11 @@
           </a:lstStyle>
           <a:p>
             <a:r>
-              <a:rPr lang="en-US" dirty="0"/>
+              <a:rPr lang="en-US" dirty="0">
+                <a:solidFill>
+                  <a:srgbClr val="00B050"/>
+                </a:solidFill>
+              </a:rPr>
               <a:t>Example - Low Pass Filter (LPF)</a:t>
             </a:r>
           </a:p>
@@ -8913,7 +10262,1547 @@
 </p:sld>
 </file>
 
-<file path=ppt/slides/slide14.xml><?xml version="1.0" encoding="utf-8"?>
+<file path=ppt/slides/slide15.xml><?xml version="1.0" encoding="utf-8"?>
+<p:sld xmlns:a="http://schemas.openxmlformats.org/drawingml/2006/main" xmlns:r="http://schemas.openxmlformats.org/officeDocument/2006/relationships" xmlns:p="http://schemas.openxmlformats.org/presentationml/2006/main">
+  <p:cSld>
+    <p:spTree>
+      <p:nvGrpSpPr>
+        <p:cNvPr id="1" name=""/>
+        <p:cNvGrpSpPr/>
+        <p:nvPr/>
+      </p:nvGrpSpPr>
+      <p:grpSpPr>
+        <a:xfrm>
+          <a:off x="0" y="0"/>
+          <a:ext cx="0" cy="0"/>
+          <a:chOff x="0" y="0"/>
+          <a:chExt cx="0" cy="0"/>
+        </a:xfrm>
+      </p:grpSpPr>
+      <p:pic>
+        <p:nvPicPr>
+          <p:cNvPr id="11" name="Picture 10"/>
+          <p:cNvPicPr>
+            <a:picLocks noChangeAspect="1"/>
+          </p:cNvPicPr>
+          <p:nvPr/>
+        </p:nvPicPr>
+        <p:blipFill rotWithShape="1">
+          <a:blip r:embed="rId3"/>
+          <a:srcRect l="4986" t="7602" r="8522" b="3336"/>
+          <a:stretch/>
+        </p:blipFill>
+        <p:spPr>
+          <a:xfrm>
+            <a:off x="8649161" y="1211829"/>
+            <a:ext cx="3134994" cy="1784002"/>
+          </a:xfrm>
+          <a:prstGeom prst="rect">
+            <a:avLst/>
+          </a:prstGeom>
+        </p:spPr>
+      </p:pic>
+      <p:sp>
+        <p:nvSpPr>
+          <p:cNvPr id="9" name="Rectangle 8"/>
+          <p:cNvSpPr/>
+          <p:nvPr/>
+        </p:nvSpPr>
+        <p:spPr>
+          <a:xfrm>
+            <a:off x="1101166" y="1075889"/>
+            <a:ext cx="8065035" cy="1200329"/>
+          </a:xfrm>
+          <a:prstGeom prst="rect">
+            <a:avLst/>
+          </a:prstGeom>
+        </p:spPr>
+        <p:txBody>
+          <a:bodyPr wrap="square">
+            <a:spAutoFit/>
+          </a:bodyPr>
+          <a:lstStyle/>
+          <a:p>
+            <a:r>
+              <a:rPr lang="en-US" sz="2400" dirty="0">
+                <a:solidFill>
+                  <a:srgbClr val="C00000"/>
+                </a:solidFill>
+                <a:latin typeface="Cambria" panose="02040503050406030204" pitchFamily="18" charset="0"/>
+              </a:rPr>
+              <a:t>1-Find the transfer function of the shown circuit.</a:t>
+            </a:r>
+          </a:p>
+          <a:p>
+            <a:r>
+              <a:rPr lang="en-US" sz="2400" dirty="0">
+                <a:solidFill>
+                  <a:srgbClr val="C00000"/>
+                </a:solidFill>
+                <a:latin typeface="Cambria" panose="02040503050406030204" pitchFamily="18" charset="0"/>
+              </a:rPr>
+              <a:t>2-What kind of filter does it represent ?</a:t>
+            </a:r>
+          </a:p>
+          <a:p>
+            <a:r>
+              <a:rPr lang="en-US" sz="2400" dirty="0">
+                <a:solidFill>
+                  <a:srgbClr val="C00000"/>
+                </a:solidFill>
+                <a:latin typeface="Cambria" panose="02040503050406030204" pitchFamily="18" charset="0"/>
+              </a:rPr>
+              <a:t>3-Find the peak frequency (</a:t>
+            </a:r>
+            <a:r>
+              <a:rPr lang="el-GR" sz="2400" dirty="0">
+                <a:solidFill>
+                  <a:srgbClr val="C00000"/>
+                </a:solidFill>
+                <a:latin typeface="Cambria" panose="02040503050406030204" pitchFamily="18" charset="0"/>
+              </a:rPr>
+              <a:t>ω</a:t>
+            </a:r>
+            <a:r>
+              <a:rPr lang="en-US" sz="2400" baseline="-25000" dirty="0">
+                <a:solidFill>
+                  <a:srgbClr val="C00000"/>
+                </a:solidFill>
+                <a:latin typeface="Cambria" panose="02040503050406030204" pitchFamily="18" charset="0"/>
+              </a:rPr>
+              <a:t>o</a:t>
+            </a:r>
+            <a:r>
+              <a:rPr lang="en-US" sz="2400" dirty="0">
+                <a:solidFill>
+                  <a:srgbClr val="C00000"/>
+                </a:solidFill>
+                <a:latin typeface="Cambria" panose="02040503050406030204" pitchFamily="18" charset="0"/>
+              </a:rPr>
+              <a:t>) and the gain factor “K”.</a:t>
+            </a:r>
+          </a:p>
+        </p:txBody>
+      </p:sp>
+      <mc:AlternateContent xmlns:mc="http://schemas.openxmlformats.org/markup-compatibility/2006" xmlns:a14="http://schemas.microsoft.com/office/drawing/2010/main">
+        <mc:Choice Requires="a14">
+          <p:sp>
+            <p:nvSpPr>
+              <p:cNvPr id="3" name="TextBox 2">
+                <a:extLst>
+                  <a:ext uri="{FF2B5EF4-FFF2-40B4-BE49-F238E27FC236}">
+                    <a16:creationId xmlns:a16="http://schemas.microsoft.com/office/drawing/2014/main" xmlns="" id="{5D385791-6160-445C-8A4A-8502782B9401}"/>
+                  </a:ext>
+                </a:extLst>
+              </p:cNvPr>
+              <p:cNvSpPr txBox="1"/>
+              <p:nvPr/>
+            </p:nvSpPr>
+            <p:spPr>
+              <a:xfrm>
+                <a:off x="1101166" y="2222464"/>
+                <a:ext cx="6913239" cy="703526"/>
+              </a:xfrm>
+              <a:prstGeom prst="rect">
+                <a:avLst/>
+              </a:prstGeom>
+              <a:noFill/>
+            </p:spPr>
+            <p:txBody>
+              <a:bodyPr wrap="none" rtlCol="0">
+                <a:spAutoFit/>
+              </a:bodyPr>
+              <a:lstStyle/>
+              <a:p>
+                <a14:m>
+                  <m:oMath xmlns:m="http://schemas.openxmlformats.org/officeDocument/2006/math">
+                    <m:sSub>
+                      <m:sSubPr>
+                        <m:ctrlPr>
+                          <a:rPr lang="en-US" sz="2400" i="1" smtClean="0">
+                            <a:latin typeface="Cambria Math"/>
+                          </a:rPr>
+                        </m:ctrlPr>
+                      </m:sSubPr>
+                      <m:e>
+                        <m:r>
+                          <m:rPr>
+                            <m:sty m:val="p"/>
+                          </m:rPr>
+                          <a:rPr lang="en-US" sz="2400" b="0" i="0" smtClean="0">
+                            <a:latin typeface="Cambria Math" panose="02040503050406030204" pitchFamily="18" charset="0"/>
+                          </a:rPr>
+                          <m:t>Consider</m:t>
+                        </m:r>
+                        <m:r>
+                          <a:rPr lang="en-US" sz="2400" b="0" i="1" smtClean="0">
+                            <a:latin typeface="Cambria Math" panose="02040503050406030204" pitchFamily="18" charset="0"/>
+                          </a:rPr>
+                          <m:t> </m:t>
+                        </m:r>
+                        <m:r>
+                          <a:rPr lang="en-US" sz="2400" b="0" i="1" smtClean="0">
+                            <a:latin typeface="Cambria Math" panose="02040503050406030204" pitchFamily="18" charset="0"/>
+                          </a:rPr>
+                          <m:t>𝑍</m:t>
+                        </m:r>
+                      </m:e>
+                      <m:sub>
+                        <m:r>
+                          <a:rPr lang="en-US" sz="2400" b="0" i="1" smtClean="0">
+                            <a:latin typeface="Cambria Math" panose="02040503050406030204" pitchFamily="18" charset="0"/>
+                          </a:rPr>
+                          <m:t>𝑖𝑛</m:t>
+                        </m:r>
+                      </m:sub>
+                    </m:sSub>
+                    <m:r>
+                      <a:rPr lang="en-US" sz="2400" b="0" i="1" smtClean="0">
+                        <a:latin typeface="Cambria Math" panose="02040503050406030204" pitchFamily="18" charset="0"/>
+                      </a:rPr>
+                      <m:t>=</m:t>
+                    </m:r>
+                    <m:r>
+                      <a:rPr lang="en-US" sz="2400" b="0" i="1" smtClean="0">
+                        <a:latin typeface="Cambria Math" panose="02040503050406030204" pitchFamily="18" charset="0"/>
+                      </a:rPr>
+                      <m:t>𝑠𝐿</m:t>
+                    </m:r>
+                    <m:r>
+                      <a:rPr lang="en-US" sz="2400" b="0" i="1" smtClean="0">
+                        <a:latin typeface="Cambria Math" panose="02040503050406030204" pitchFamily="18" charset="0"/>
+                      </a:rPr>
+                      <m:t>=</m:t>
+                    </m:r>
+                    <m:r>
+                      <a:rPr lang="en-US" sz="2400" b="0" i="1" smtClean="0">
+                        <a:latin typeface="Cambria Math" panose="02040503050406030204" pitchFamily="18" charset="0"/>
+                      </a:rPr>
+                      <m:t>𝑆</m:t>
+                    </m:r>
+                  </m:oMath>
+                </a14:m>
+                <a:r>
+                  <a:rPr lang="en-US" sz="2800" dirty="0"/>
+                  <a:t>,  and  </a:t>
+                </a:r>
+                <a14:m>
+                  <m:oMath xmlns:m="http://schemas.openxmlformats.org/officeDocument/2006/math">
+                    <m:sSub>
+                      <m:sSubPr>
+                        <m:ctrlPr>
+                          <a:rPr lang="en-US" sz="2800" i="1" smtClean="0">
+                            <a:latin typeface="Cambria Math"/>
+                          </a:rPr>
+                        </m:ctrlPr>
+                      </m:sSubPr>
+                      <m:e>
+                        <m:r>
+                          <a:rPr lang="en-US" sz="2800" b="0" i="1" smtClean="0">
+                            <a:latin typeface="Cambria Math" panose="02040503050406030204" pitchFamily="18" charset="0"/>
+                          </a:rPr>
+                          <m:t>𝑍</m:t>
+                        </m:r>
+                      </m:e>
+                      <m:sub>
+                        <m:r>
+                          <a:rPr lang="en-US" sz="2800" b="0" i="1" smtClean="0">
+                            <a:latin typeface="Cambria Math" panose="02040503050406030204" pitchFamily="18" charset="0"/>
+                          </a:rPr>
+                          <m:t>𝑜𝑢𝑡</m:t>
+                        </m:r>
+                      </m:sub>
+                    </m:sSub>
+                    <m:r>
+                      <a:rPr lang="en-US" sz="2800" b="0" i="1" smtClean="0">
+                        <a:latin typeface="Cambria Math" panose="02040503050406030204" pitchFamily="18" charset="0"/>
+                      </a:rPr>
+                      <m:t>=</m:t>
+                    </m:r>
+                    <m:f>
+                      <m:fPr>
+                        <m:ctrlPr>
+                          <a:rPr lang="en-US" sz="2800" i="1" smtClean="0">
+                            <a:latin typeface="Cambria Math"/>
+                          </a:rPr>
+                        </m:ctrlPr>
+                      </m:fPr>
+                      <m:num>
+                        <m:r>
+                          <a:rPr lang="en-US" sz="2800" b="0" i="1" smtClean="0">
+                            <a:latin typeface="Cambria Math" panose="02040503050406030204" pitchFamily="18" charset="0"/>
+                          </a:rPr>
+                          <m:t>1</m:t>
+                        </m:r>
+                      </m:num>
+                      <m:den>
+                        <m:r>
+                          <a:rPr lang="en-US" sz="2800" b="0" i="1" smtClean="0">
+                            <a:latin typeface="Cambria Math" panose="02040503050406030204" pitchFamily="18" charset="0"/>
+                          </a:rPr>
+                          <m:t>𝑠</m:t>
+                        </m:r>
+                      </m:den>
+                    </m:f>
+                    <m:r>
+                      <a:rPr lang="en-US" sz="2800" b="0" i="0" smtClean="0">
+                        <a:latin typeface="Cambria Math" panose="02040503050406030204" pitchFamily="18" charset="0"/>
+                      </a:rPr>
+                      <m:t>||1=</m:t>
+                    </m:r>
+                    <m:f>
+                      <m:fPr>
+                        <m:ctrlPr>
+                          <a:rPr lang="en-US" sz="2800" b="0" i="1" smtClean="0">
+                            <a:latin typeface="Cambria Math"/>
+                          </a:rPr>
+                        </m:ctrlPr>
+                      </m:fPr>
+                      <m:num>
+                        <m:r>
+                          <a:rPr lang="en-US" sz="2800" b="0" i="1" smtClean="0">
+                            <a:latin typeface="Cambria Math" panose="02040503050406030204" pitchFamily="18" charset="0"/>
+                          </a:rPr>
+                          <m:t>1</m:t>
+                        </m:r>
+                      </m:num>
+                      <m:den>
+                        <m:r>
+                          <a:rPr lang="en-US" sz="2800" b="0" i="1" smtClean="0">
+                            <a:latin typeface="Cambria Math" panose="02040503050406030204" pitchFamily="18" charset="0"/>
+                          </a:rPr>
+                          <m:t>𝑆</m:t>
+                        </m:r>
+                        <m:r>
+                          <a:rPr lang="en-US" sz="2800" b="0" i="1" smtClean="0">
+                            <a:latin typeface="Cambria Math" panose="02040503050406030204" pitchFamily="18" charset="0"/>
+                          </a:rPr>
+                          <m:t>+1</m:t>
+                        </m:r>
+                      </m:den>
+                    </m:f>
+                  </m:oMath>
+                </a14:m>
+                <a:endParaRPr lang="en-US" sz="2800" dirty="0"/>
+              </a:p>
+            </p:txBody>
+          </p:sp>
+        </mc:Choice>
+        <mc:Fallback xmlns="">
+          <p:sp>
+            <p:nvSpPr>
+              <p:cNvPr id="3" name="TextBox 2">
+                <a:extLst>
+                  <a:ext uri="{FF2B5EF4-FFF2-40B4-BE49-F238E27FC236}">
+                    <a16:creationId xmlns:a16="http://schemas.microsoft.com/office/drawing/2014/main" id="{5D385791-6160-445C-8A4A-8502782B9401}"/>
+                  </a:ext>
+                </a:extLst>
+              </p:cNvPr>
+              <p:cNvSpPr txBox="1">
+                <a:spLocks noRot="1" noChangeAspect="1" noMove="1" noResize="1" noEditPoints="1" noAdjustHandles="1" noChangeArrowheads="1" noChangeShapeType="1" noTextEdit="1"/>
+              </p:cNvSpPr>
+              <p:nvPr/>
+            </p:nvSpPr>
+            <p:spPr>
+              <a:xfrm>
+                <a:off x="1101166" y="2222464"/>
+                <a:ext cx="6913239" cy="703526"/>
+              </a:xfrm>
+              <a:prstGeom prst="rect">
+                <a:avLst/>
+              </a:prstGeom>
+              <a:blipFill>
+                <a:blip r:embed="rId4"/>
+                <a:stretch>
+                  <a:fillRect b="-12174"/>
+                </a:stretch>
+              </a:blipFill>
+            </p:spPr>
+            <p:txBody>
+              <a:bodyPr/>
+              <a:lstStyle/>
+              <a:p>
+                <a:r>
+                  <a:rPr lang="en-GB">
+                    <a:noFill/>
+                  </a:rPr>
+                  <a:t> </a:t>
+                </a:r>
+              </a:p>
+            </p:txBody>
+          </p:sp>
+        </mc:Fallback>
+      </mc:AlternateContent>
+      <mc:AlternateContent xmlns:mc="http://schemas.openxmlformats.org/markup-compatibility/2006" xmlns:a14="http://schemas.microsoft.com/office/drawing/2010/main">
+        <mc:Choice Requires="a14">
+          <p:sp>
+            <p:nvSpPr>
+              <p:cNvPr id="5" name="TextBox 4">
+                <a:extLst>
+                  <a:ext uri="{FF2B5EF4-FFF2-40B4-BE49-F238E27FC236}">
+                    <a16:creationId xmlns:a16="http://schemas.microsoft.com/office/drawing/2014/main" xmlns="" id="{6CD47D21-EDDA-4A8C-A8AF-72FB84F9A8FA}"/>
+                  </a:ext>
+                </a:extLst>
+              </p:cNvPr>
+              <p:cNvSpPr txBox="1"/>
+              <p:nvPr/>
+            </p:nvSpPr>
+            <p:spPr>
+              <a:xfrm>
+                <a:off x="1088729" y="2622040"/>
+                <a:ext cx="7625504" cy="1051057"/>
+              </a:xfrm>
+              <a:prstGeom prst="rect">
+                <a:avLst/>
+              </a:prstGeom>
+              <a:noFill/>
+            </p:spPr>
+            <p:txBody>
+              <a:bodyPr wrap="square" rtlCol="0">
+                <a:spAutoFit/>
+              </a:bodyPr>
+              <a:lstStyle/>
+              <a:p>
+                <a:r>
+                  <a:rPr lang="en-US" sz="2400" dirty="0"/>
+                  <a:t>Then the TF will be:</a:t>
+                </a:r>
+                <a:r>
+                  <a:rPr lang="en-US" sz="2800" dirty="0"/>
+                  <a:t> </a:t>
+                </a:r>
+                <a:r>
+                  <a:rPr lang="en-US" sz="2400" dirty="0"/>
+                  <a:t> </a:t>
+                </a:r>
+                <a14:m>
+                  <m:oMath xmlns:m="http://schemas.openxmlformats.org/officeDocument/2006/math">
+                    <m:f>
+                      <m:fPr>
+                        <m:ctrlPr>
+                          <a:rPr lang="en-US" sz="2800" i="1" smtClean="0">
+                            <a:latin typeface="Cambria Math"/>
+                          </a:rPr>
+                        </m:ctrlPr>
+                      </m:fPr>
+                      <m:num>
+                        <m:sSub>
+                          <m:sSubPr>
+                            <m:ctrlPr>
+                              <a:rPr lang="en-US" sz="2800" i="1" smtClean="0">
+                                <a:latin typeface="Cambria Math"/>
+                              </a:rPr>
+                            </m:ctrlPr>
+                          </m:sSubPr>
+                          <m:e>
+                            <m:r>
+                              <a:rPr lang="en-US" sz="2800" b="0" i="1" smtClean="0">
+                                <a:latin typeface="Cambria Math" panose="02040503050406030204" pitchFamily="18" charset="0"/>
+                              </a:rPr>
+                              <m:t>𝑉</m:t>
+                            </m:r>
+                          </m:e>
+                          <m:sub>
+                            <m:r>
+                              <a:rPr lang="en-US" sz="2800" b="0" i="1" smtClean="0">
+                                <a:latin typeface="Cambria Math" panose="02040503050406030204" pitchFamily="18" charset="0"/>
+                              </a:rPr>
+                              <m:t>𝑜𝑢𝑡</m:t>
+                            </m:r>
+                          </m:sub>
+                        </m:sSub>
+                      </m:num>
+                      <m:den>
+                        <m:sSub>
+                          <m:sSubPr>
+                            <m:ctrlPr>
+                              <a:rPr lang="en-US" sz="2800" i="1" smtClean="0">
+                                <a:latin typeface="Cambria Math"/>
+                              </a:rPr>
+                            </m:ctrlPr>
+                          </m:sSubPr>
+                          <m:e>
+                            <m:r>
+                              <a:rPr lang="en-US" sz="2800" b="0" i="1" smtClean="0">
+                                <a:latin typeface="Cambria Math" panose="02040503050406030204" pitchFamily="18" charset="0"/>
+                              </a:rPr>
+                              <m:t>𝑉</m:t>
+                            </m:r>
+                          </m:e>
+                          <m:sub>
+                            <m:r>
+                              <a:rPr lang="en-US" sz="2800" b="0" i="1" smtClean="0">
+                                <a:latin typeface="Cambria Math" panose="02040503050406030204" pitchFamily="18" charset="0"/>
+                              </a:rPr>
+                              <m:t>𝑖𝑛</m:t>
+                            </m:r>
+                          </m:sub>
+                        </m:sSub>
+                      </m:den>
+                    </m:f>
+                    <m:r>
+                      <a:rPr lang="en-US" sz="2800" b="0" i="1" smtClean="0">
+                        <a:latin typeface="Cambria Math" panose="02040503050406030204" pitchFamily="18" charset="0"/>
+                      </a:rPr>
+                      <m:t>=</m:t>
+                    </m:r>
+                    <m:f>
+                      <m:fPr>
+                        <m:ctrlPr>
+                          <a:rPr lang="en-US" sz="2800" b="0" i="1" smtClean="0">
+                            <a:latin typeface="Cambria Math"/>
+                          </a:rPr>
+                        </m:ctrlPr>
+                      </m:fPr>
+                      <m:num>
+                        <m:sSub>
+                          <m:sSubPr>
+                            <m:ctrlPr>
+                              <a:rPr lang="en-US" sz="2800" b="0" i="1" smtClean="0">
+                                <a:latin typeface="Cambria Math"/>
+                              </a:rPr>
+                            </m:ctrlPr>
+                          </m:sSubPr>
+                          <m:e>
+                            <m:r>
+                              <a:rPr lang="en-US" sz="2800" b="0" i="1" smtClean="0">
+                                <a:latin typeface="Cambria Math" panose="02040503050406030204" pitchFamily="18" charset="0"/>
+                              </a:rPr>
+                              <m:t>𝑍</m:t>
+                            </m:r>
+                          </m:e>
+                          <m:sub>
+                            <m:r>
+                              <a:rPr lang="en-US" sz="2800" b="0" i="1" smtClean="0">
+                                <a:latin typeface="Cambria Math" panose="02040503050406030204" pitchFamily="18" charset="0"/>
+                              </a:rPr>
+                              <m:t>𝑜𝑢𝑡</m:t>
+                            </m:r>
+                          </m:sub>
+                        </m:sSub>
+                      </m:num>
+                      <m:den>
+                        <m:sSub>
+                          <m:sSubPr>
+                            <m:ctrlPr>
+                              <a:rPr lang="en-US" sz="2800" b="0" i="1" smtClean="0">
+                                <a:latin typeface="Cambria Math"/>
+                              </a:rPr>
+                            </m:ctrlPr>
+                          </m:sSubPr>
+                          <m:e>
+                            <m:r>
+                              <a:rPr lang="en-US" sz="2800" b="0" i="1" smtClean="0">
+                                <a:latin typeface="Cambria Math" panose="02040503050406030204" pitchFamily="18" charset="0"/>
+                              </a:rPr>
+                              <m:t>𝑍</m:t>
+                            </m:r>
+                          </m:e>
+                          <m:sub>
+                            <m:r>
+                              <a:rPr lang="en-US" sz="2800" b="0" i="1" smtClean="0">
+                                <a:latin typeface="Cambria Math" panose="02040503050406030204" pitchFamily="18" charset="0"/>
+                              </a:rPr>
+                              <m:t>𝑖𝑛</m:t>
+                            </m:r>
+                          </m:sub>
+                        </m:sSub>
+                        <m:r>
+                          <a:rPr lang="en-US" sz="2800" b="0" i="1" smtClean="0">
+                            <a:latin typeface="Cambria Math" panose="02040503050406030204" pitchFamily="18" charset="0"/>
+                          </a:rPr>
+                          <m:t>+</m:t>
+                        </m:r>
+                        <m:sSub>
+                          <m:sSubPr>
+                            <m:ctrlPr>
+                              <a:rPr lang="en-US" sz="2800" b="0" i="1" smtClean="0">
+                                <a:latin typeface="Cambria Math"/>
+                              </a:rPr>
+                            </m:ctrlPr>
+                          </m:sSubPr>
+                          <m:e>
+                            <m:r>
+                              <a:rPr lang="en-US" sz="2800" b="0" i="1" smtClean="0">
+                                <a:latin typeface="Cambria Math" panose="02040503050406030204" pitchFamily="18" charset="0"/>
+                              </a:rPr>
+                              <m:t>𝑍</m:t>
+                            </m:r>
+                          </m:e>
+                          <m:sub>
+                            <m:r>
+                              <a:rPr lang="en-US" sz="2800" b="0" i="1" smtClean="0">
+                                <a:latin typeface="Cambria Math" panose="02040503050406030204" pitchFamily="18" charset="0"/>
+                              </a:rPr>
+                              <m:t>𝑜𝑢𝑡</m:t>
+                            </m:r>
+                          </m:sub>
+                        </m:sSub>
+                      </m:den>
+                    </m:f>
+                    <m:r>
+                      <a:rPr lang="en-US" sz="2800" b="0" i="0" smtClean="0">
+                        <a:latin typeface="Cambria Math" panose="02040503050406030204" pitchFamily="18" charset="0"/>
+                      </a:rPr>
+                      <m:t>=</m:t>
+                    </m:r>
+                    <m:f>
+                      <m:fPr>
+                        <m:ctrlPr>
+                          <a:rPr lang="en-US" sz="2800" i="1">
+                            <a:latin typeface="Cambria Math"/>
+                          </a:rPr>
+                        </m:ctrlPr>
+                      </m:fPr>
+                      <m:num>
+                        <m:f>
+                          <m:fPr>
+                            <m:ctrlPr>
+                              <a:rPr lang="en-US" sz="2800" i="1">
+                                <a:latin typeface="Cambria Math"/>
+                              </a:rPr>
+                            </m:ctrlPr>
+                          </m:fPr>
+                          <m:num>
+                            <m:r>
+                              <a:rPr lang="en-US" sz="2800" i="1">
+                                <a:latin typeface="Cambria Math" panose="02040503050406030204" pitchFamily="18" charset="0"/>
+                              </a:rPr>
+                              <m:t>1</m:t>
+                            </m:r>
+                          </m:num>
+                          <m:den>
+                            <m:r>
+                              <a:rPr lang="en-US" sz="2800" i="1">
+                                <a:latin typeface="Cambria Math" panose="02040503050406030204" pitchFamily="18" charset="0"/>
+                              </a:rPr>
+                              <m:t>𝑆</m:t>
+                            </m:r>
+                            <m:r>
+                              <a:rPr lang="en-US" sz="2800" i="1">
+                                <a:latin typeface="Cambria Math" panose="02040503050406030204" pitchFamily="18" charset="0"/>
+                              </a:rPr>
+                              <m:t>+1</m:t>
+                            </m:r>
+                          </m:den>
+                        </m:f>
+                        <m:r>
+                          <m:rPr>
+                            <m:nor/>
+                          </m:rPr>
+                          <a:rPr lang="en-US" sz="2800" dirty="0"/>
+                          <m:t> </m:t>
+                        </m:r>
+                      </m:num>
+                      <m:den>
+                        <m:r>
+                          <a:rPr lang="en-US" sz="2800" b="0" i="1" smtClean="0">
+                            <a:latin typeface="Cambria Math" panose="02040503050406030204" pitchFamily="18" charset="0"/>
+                          </a:rPr>
+                          <m:t>𝑠</m:t>
+                        </m:r>
+                        <m:r>
+                          <a:rPr lang="en-US" sz="2800" b="0" i="1" smtClean="0">
+                            <a:latin typeface="Cambria Math" panose="02040503050406030204" pitchFamily="18" charset="0"/>
+                          </a:rPr>
+                          <m:t>+</m:t>
+                        </m:r>
+                        <m:f>
+                          <m:fPr>
+                            <m:ctrlPr>
+                              <a:rPr lang="en-US" sz="2800" i="1">
+                                <a:latin typeface="Cambria Math"/>
+                              </a:rPr>
+                            </m:ctrlPr>
+                          </m:fPr>
+                          <m:num>
+                            <m:r>
+                              <a:rPr lang="en-US" sz="2800" i="1">
+                                <a:latin typeface="Cambria Math" panose="02040503050406030204" pitchFamily="18" charset="0"/>
+                              </a:rPr>
+                              <m:t>1</m:t>
+                            </m:r>
+                          </m:num>
+                          <m:den>
+                            <m:r>
+                              <a:rPr lang="en-US" sz="2800" i="1">
+                                <a:latin typeface="Cambria Math" panose="02040503050406030204" pitchFamily="18" charset="0"/>
+                              </a:rPr>
+                              <m:t>𝑆</m:t>
+                            </m:r>
+                            <m:r>
+                              <a:rPr lang="en-US" sz="2800" i="1">
+                                <a:latin typeface="Cambria Math" panose="02040503050406030204" pitchFamily="18" charset="0"/>
+                              </a:rPr>
+                              <m:t>+1</m:t>
+                            </m:r>
+                          </m:den>
+                        </m:f>
+                        <m:r>
+                          <m:rPr>
+                            <m:nor/>
+                          </m:rPr>
+                          <a:rPr lang="en-US" sz="2800" dirty="0"/>
+                          <m:t> </m:t>
+                        </m:r>
+                      </m:den>
+                    </m:f>
+                    <m:r>
+                      <a:rPr lang="en-US" sz="2800" b="0" i="1" smtClean="0">
+                        <a:latin typeface="Cambria Math" panose="02040503050406030204" pitchFamily="18" charset="0"/>
+                      </a:rPr>
+                      <m:t>=</m:t>
+                    </m:r>
+                    <m:f>
+                      <m:fPr>
+                        <m:ctrlPr>
+                          <a:rPr lang="en-US" sz="2800" b="0" i="1" smtClean="0">
+                            <a:latin typeface="Cambria Math"/>
+                          </a:rPr>
+                        </m:ctrlPr>
+                      </m:fPr>
+                      <m:num>
+                        <m:r>
+                          <a:rPr lang="en-US" sz="2800" b="0" i="1" smtClean="0">
+                            <a:latin typeface="Cambria Math" panose="02040503050406030204" pitchFamily="18" charset="0"/>
+                          </a:rPr>
+                          <m:t>1</m:t>
+                        </m:r>
+                      </m:num>
+                      <m:den>
+                        <m:sSup>
+                          <m:sSupPr>
+                            <m:ctrlPr>
+                              <a:rPr lang="en-US" sz="2800" b="0" i="1" smtClean="0">
+                                <a:latin typeface="Cambria Math"/>
+                              </a:rPr>
+                            </m:ctrlPr>
+                          </m:sSupPr>
+                          <m:e>
+                            <m:r>
+                              <a:rPr lang="en-US" sz="2800" b="0" i="1" smtClean="0">
+                                <a:latin typeface="Cambria Math" panose="02040503050406030204" pitchFamily="18" charset="0"/>
+                              </a:rPr>
+                              <m:t>𝑠</m:t>
+                            </m:r>
+                          </m:e>
+                          <m:sup>
+                            <m:r>
+                              <a:rPr lang="en-US" sz="2800" b="0" i="1" smtClean="0">
+                                <a:latin typeface="Cambria Math" panose="02040503050406030204" pitchFamily="18" charset="0"/>
+                              </a:rPr>
+                              <m:t>2</m:t>
+                            </m:r>
+                          </m:sup>
+                        </m:sSup>
+                        <m:r>
+                          <a:rPr lang="en-US" sz="2800" b="0" i="1" smtClean="0">
+                            <a:latin typeface="Cambria Math" panose="02040503050406030204" pitchFamily="18" charset="0"/>
+                          </a:rPr>
+                          <m:t>+</m:t>
+                        </m:r>
+                        <m:r>
+                          <a:rPr lang="en-US" sz="2800" b="0" i="1" smtClean="0">
+                            <a:latin typeface="Cambria Math" panose="02040503050406030204" pitchFamily="18" charset="0"/>
+                          </a:rPr>
+                          <m:t>𝑠</m:t>
+                        </m:r>
+                        <m:r>
+                          <a:rPr lang="en-US" sz="2800" b="0" i="1" smtClean="0">
+                            <a:latin typeface="Cambria Math" panose="02040503050406030204" pitchFamily="18" charset="0"/>
+                          </a:rPr>
+                          <m:t>+1</m:t>
+                        </m:r>
+                      </m:den>
+                    </m:f>
+                  </m:oMath>
+                </a14:m>
+                <a:endParaRPr lang="en-US" sz="2800" dirty="0"/>
+              </a:p>
+            </p:txBody>
+          </p:sp>
+        </mc:Choice>
+        <mc:Fallback xmlns="">
+          <p:sp>
+            <p:nvSpPr>
+              <p:cNvPr id="5" name="TextBox 4">
+                <a:extLst>
+                  <a:ext uri="{FF2B5EF4-FFF2-40B4-BE49-F238E27FC236}">
+                    <a16:creationId xmlns:a16="http://schemas.microsoft.com/office/drawing/2014/main" id="{6CD47D21-EDDA-4A8C-A8AF-72FB84F9A8FA}"/>
+                  </a:ext>
+                </a:extLst>
+              </p:cNvPr>
+              <p:cNvSpPr txBox="1">
+                <a:spLocks noRot="1" noChangeAspect="1" noMove="1" noResize="1" noEditPoints="1" noAdjustHandles="1" noChangeArrowheads="1" noChangeShapeType="1" noTextEdit="1"/>
+              </p:cNvSpPr>
+              <p:nvPr/>
+            </p:nvSpPr>
+            <p:spPr>
+              <a:xfrm>
+                <a:off x="1088729" y="2622040"/>
+                <a:ext cx="7625504" cy="1051057"/>
+              </a:xfrm>
+              <a:prstGeom prst="rect">
+                <a:avLst/>
+              </a:prstGeom>
+              <a:blipFill>
+                <a:blip r:embed="rId5"/>
+                <a:stretch>
+                  <a:fillRect l="-1279"/>
+                </a:stretch>
+              </a:blipFill>
+            </p:spPr>
+            <p:txBody>
+              <a:bodyPr/>
+              <a:lstStyle/>
+              <a:p>
+                <a:r>
+                  <a:rPr lang="en-GB">
+                    <a:noFill/>
+                  </a:rPr>
+                  <a:t> </a:t>
+                </a:r>
+              </a:p>
+            </p:txBody>
+          </p:sp>
+        </mc:Fallback>
+      </mc:AlternateContent>
+      <p:sp>
+        <p:nvSpPr>
+          <p:cNvPr id="6" name="TextBox 5">
+            <a:extLst>
+              <a:ext uri="{FF2B5EF4-FFF2-40B4-BE49-F238E27FC236}">
+                <a16:creationId xmlns:a16="http://schemas.microsoft.com/office/drawing/2014/main" xmlns="" id="{A1E5C20E-908A-45C0-82D4-EE5E75BAB4B0}"/>
+              </a:ext>
+            </a:extLst>
+          </p:cNvPr>
+          <p:cNvSpPr txBox="1"/>
+          <p:nvPr/>
+        </p:nvSpPr>
+        <p:spPr>
+          <a:xfrm>
+            <a:off x="1079439" y="3703731"/>
+            <a:ext cx="8449942" cy="461665"/>
+          </a:xfrm>
+          <a:prstGeom prst="rect">
+            <a:avLst/>
+          </a:prstGeom>
+          <a:noFill/>
+        </p:spPr>
+        <p:txBody>
+          <a:bodyPr wrap="none" rtlCol="0">
+            <a:spAutoFit/>
+          </a:bodyPr>
+          <a:lstStyle/>
+          <a:p>
+            <a:r>
+              <a:rPr lang="en-US" dirty="0"/>
+              <a:t> </a:t>
+            </a:r>
+            <a:r>
+              <a:rPr lang="en-US" sz="2400" dirty="0">
+                <a:latin typeface="Cambria" panose="02040503050406030204" pitchFamily="18" charset="0"/>
+                <a:ea typeface="Cambria" panose="02040503050406030204" pitchFamily="18" charset="0"/>
+              </a:rPr>
+              <a:t>There is no “s” on the numerator, then this is a </a:t>
+            </a:r>
+            <a:r>
+              <a:rPr lang="en-US" sz="2400" b="1" dirty="0">
+                <a:solidFill>
+                  <a:srgbClr val="FF0000"/>
+                </a:solidFill>
+                <a:latin typeface="Cambria" panose="02040503050406030204" pitchFamily="18" charset="0"/>
+                <a:ea typeface="Cambria" panose="02040503050406030204" pitchFamily="18" charset="0"/>
+              </a:rPr>
+              <a:t>Low Pass Filter</a:t>
+            </a:r>
+            <a:r>
+              <a:rPr lang="en-US" sz="2400" dirty="0">
+                <a:latin typeface="Cambria" panose="02040503050406030204" pitchFamily="18" charset="0"/>
+                <a:ea typeface="Cambria" panose="02040503050406030204" pitchFamily="18" charset="0"/>
+              </a:rPr>
+              <a:t>.</a:t>
+            </a:r>
+          </a:p>
+        </p:txBody>
+      </p:sp>
+      <mc:AlternateContent xmlns:mc="http://schemas.openxmlformats.org/markup-compatibility/2006" xmlns:a14="http://schemas.microsoft.com/office/drawing/2010/main">
+        <mc:Choice Requires="a14">
+          <p:sp>
+            <p:nvSpPr>
+              <p:cNvPr id="4" name="TextBox 3">
+                <a:extLst>
+                  <a:ext uri="{FF2B5EF4-FFF2-40B4-BE49-F238E27FC236}">
+                    <a16:creationId xmlns:a16="http://schemas.microsoft.com/office/drawing/2014/main" xmlns="" id="{D6B258D8-8DF5-4BDF-90DE-8E01D16C345C}"/>
+                  </a:ext>
+                </a:extLst>
+              </p:cNvPr>
+              <p:cNvSpPr txBox="1"/>
+              <p:nvPr/>
+            </p:nvSpPr>
+            <p:spPr>
+              <a:xfrm>
+                <a:off x="1117892" y="4324672"/>
+                <a:ext cx="8958030" cy="461665"/>
+              </a:xfrm>
+              <a:prstGeom prst="rect">
+                <a:avLst/>
+              </a:prstGeom>
+              <a:noFill/>
+            </p:spPr>
+            <p:txBody>
+              <a:bodyPr wrap="none" rtlCol="0">
+                <a:spAutoFit/>
+              </a:bodyPr>
+              <a:lstStyle/>
+              <a:p>
+                <a:r>
+                  <a:rPr lang="en-US" sz="2400" dirty="0"/>
+                  <a:t>By matching the below 2 equations, we can easily find </a:t>
+                </a:r>
+                <a14:m>
+                  <m:oMath xmlns:m="http://schemas.openxmlformats.org/officeDocument/2006/math">
+                    <m:sSub>
+                      <m:sSubPr>
+                        <m:ctrlPr>
+                          <a:rPr lang="en-US" sz="2400" i="1">
+                            <a:latin typeface="Cambria Math"/>
+                          </a:rPr>
+                        </m:ctrlPr>
+                      </m:sSubPr>
+                      <m:e>
+                        <m:r>
+                          <a:rPr lang="en-US" sz="2400" i="1">
+                            <a:latin typeface="Cambria Math" panose="02040503050406030204" pitchFamily="18" charset="0"/>
+                            <a:ea typeface="Cambria Math" panose="02040503050406030204" pitchFamily="18" charset="0"/>
+                          </a:rPr>
+                          <m:t>𝜔</m:t>
+                        </m:r>
+                      </m:e>
+                      <m:sub>
+                        <m:r>
+                          <a:rPr lang="en-US" sz="2400" i="1">
+                            <a:latin typeface="Cambria Math" panose="02040503050406030204" pitchFamily="18" charset="0"/>
+                          </a:rPr>
+                          <m:t>0</m:t>
+                        </m:r>
+                      </m:sub>
+                    </m:sSub>
+                  </m:oMath>
+                </a14:m>
+                <a:r>
+                  <a:rPr lang="en-US" sz="2400" dirty="0"/>
+                  <a:t>=1, and K =1 </a:t>
+                </a:r>
+              </a:p>
+            </p:txBody>
+          </p:sp>
+        </mc:Choice>
+        <mc:Fallback xmlns="">
+          <p:sp>
+            <p:nvSpPr>
+              <p:cNvPr id="4" name="TextBox 3">
+                <a:extLst>
+                  <a:ext uri="{FF2B5EF4-FFF2-40B4-BE49-F238E27FC236}">
+                    <a16:creationId xmlns:a16="http://schemas.microsoft.com/office/drawing/2014/main" id="{D6B258D8-8DF5-4BDF-90DE-8E01D16C345C}"/>
+                  </a:ext>
+                </a:extLst>
+              </p:cNvPr>
+              <p:cNvSpPr txBox="1">
+                <a:spLocks noRot="1" noChangeAspect="1" noMove="1" noResize="1" noEditPoints="1" noAdjustHandles="1" noChangeArrowheads="1" noChangeShapeType="1" noTextEdit="1"/>
+              </p:cNvSpPr>
+              <p:nvPr/>
+            </p:nvSpPr>
+            <p:spPr>
+              <a:xfrm>
+                <a:off x="1117892" y="4324672"/>
+                <a:ext cx="8958030" cy="461665"/>
+              </a:xfrm>
+              <a:prstGeom prst="rect">
+                <a:avLst/>
+              </a:prstGeom>
+              <a:blipFill>
+                <a:blip r:embed="rId7"/>
+                <a:stretch>
+                  <a:fillRect l="-1020" t="-10526" r="-68" b="-28947"/>
+                </a:stretch>
+              </a:blipFill>
+            </p:spPr>
+            <p:txBody>
+              <a:bodyPr/>
+              <a:lstStyle/>
+              <a:p>
+                <a:r>
+                  <a:rPr lang="en-GB">
+                    <a:noFill/>
+                  </a:rPr>
+                  <a:t> </a:t>
+                </a:r>
+              </a:p>
+            </p:txBody>
+          </p:sp>
+        </mc:Fallback>
+      </mc:AlternateContent>
+      <mc:AlternateContent xmlns:mc="http://schemas.openxmlformats.org/markup-compatibility/2006" xmlns:a14="http://schemas.microsoft.com/office/drawing/2010/main">
+        <mc:Choice Requires="a14">
+          <p:sp>
+            <p:nvSpPr>
+              <p:cNvPr id="12" name="TextBox 11">
+                <a:extLst>
+                  <a:ext uri="{FF2B5EF4-FFF2-40B4-BE49-F238E27FC236}">
+                    <a16:creationId xmlns:a16="http://schemas.microsoft.com/office/drawing/2014/main" xmlns="" id="{02686CCE-A089-4FD8-B869-C20F27B62A1C}"/>
+                  </a:ext>
+                </a:extLst>
+              </p:cNvPr>
+              <p:cNvSpPr txBox="1"/>
+              <p:nvPr/>
+            </p:nvSpPr>
+            <p:spPr>
+              <a:xfrm>
+                <a:off x="5596907" y="5267232"/>
+                <a:ext cx="2650037" cy="760336"/>
+              </a:xfrm>
+              <a:prstGeom prst="rect">
+                <a:avLst/>
+              </a:prstGeom>
+              <a:noFill/>
+            </p:spPr>
+            <p:txBody>
+              <a:bodyPr wrap="square" rtlCol="0">
+                <a:spAutoFit/>
+              </a:bodyPr>
+              <a:lstStyle/>
+              <a:p>
+                <a:r>
+                  <a:rPr lang="en-US" sz="2400" dirty="0"/>
+                  <a:t> </a:t>
+                </a:r>
+                <a14:m>
+                  <m:oMath xmlns:m="http://schemas.openxmlformats.org/officeDocument/2006/math">
+                    <m:f>
+                      <m:fPr>
+                        <m:ctrlPr>
+                          <a:rPr lang="en-US" sz="2800" i="1" smtClean="0">
+                            <a:latin typeface="Cambria Math"/>
+                          </a:rPr>
+                        </m:ctrlPr>
+                      </m:fPr>
+                      <m:num>
+                        <m:sSub>
+                          <m:sSubPr>
+                            <m:ctrlPr>
+                              <a:rPr lang="en-US" sz="2800" i="1" smtClean="0">
+                                <a:latin typeface="Cambria Math"/>
+                              </a:rPr>
+                            </m:ctrlPr>
+                          </m:sSubPr>
+                          <m:e>
+                            <m:r>
+                              <a:rPr lang="en-US" sz="2800" b="0" i="1" smtClean="0">
+                                <a:latin typeface="Cambria Math" panose="02040503050406030204" pitchFamily="18" charset="0"/>
+                              </a:rPr>
+                              <m:t>𝑉</m:t>
+                            </m:r>
+                          </m:e>
+                          <m:sub>
+                            <m:r>
+                              <a:rPr lang="en-US" sz="2800" b="0" i="1" smtClean="0">
+                                <a:latin typeface="Cambria Math" panose="02040503050406030204" pitchFamily="18" charset="0"/>
+                              </a:rPr>
+                              <m:t>𝑜𝑢𝑡</m:t>
+                            </m:r>
+                          </m:sub>
+                        </m:sSub>
+                      </m:num>
+                      <m:den>
+                        <m:sSub>
+                          <m:sSubPr>
+                            <m:ctrlPr>
+                              <a:rPr lang="en-US" sz="2800" i="1" smtClean="0">
+                                <a:latin typeface="Cambria Math"/>
+                              </a:rPr>
+                            </m:ctrlPr>
+                          </m:sSubPr>
+                          <m:e>
+                            <m:r>
+                              <a:rPr lang="en-US" sz="2800" b="0" i="1" smtClean="0">
+                                <a:latin typeface="Cambria Math" panose="02040503050406030204" pitchFamily="18" charset="0"/>
+                              </a:rPr>
+                              <m:t>𝑉</m:t>
+                            </m:r>
+                          </m:e>
+                          <m:sub>
+                            <m:r>
+                              <a:rPr lang="en-US" sz="2800" b="0" i="1" smtClean="0">
+                                <a:latin typeface="Cambria Math" panose="02040503050406030204" pitchFamily="18" charset="0"/>
+                              </a:rPr>
+                              <m:t>𝑖𝑛</m:t>
+                            </m:r>
+                          </m:sub>
+                        </m:sSub>
+                      </m:den>
+                    </m:f>
+                    <m:r>
+                      <a:rPr lang="en-US" sz="2800" b="0" i="0" smtClean="0">
+                        <a:latin typeface="Cambria Math" panose="02040503050406030204" pitchFamily="18" charset="0"/>
+                      </a:rPr>
+                      <m:t>=</m:t>
+                    </m:r>
+                    <m:f>
+                      <m:fPr>
+                        <m:ctrlPr>
+                          <a:rPr lang="en-US" sz="2800" b="0" i="1" smtClean="0">
+                            <a:latin typeface="Cambria Math"/>
+                          </a:rPr>
+                        </m:ctrlPr>
+                      </m:fPr>
+                      <m:num>
+                        <m:r>
+                          <a:rPr lang="en-US" sz="2800" b="0" i="1" smtClean="0">
+                            <a:latin typeface="Cambria Math" panose="02040503050406030204" pitchFamily="18" charset="0"/>
+                          </a:rPr>
+                          <m:t>1</m:t>
+                        </m:r>
+                      </m:num>
+                      <m:den>
+                        <m:sSup>
+                          <m:sSupPr>
+                            <m:ctrlPr>
+                              <a:rPr lang="en-US" sz="2800" b="0" i="1" smtClean="0">
+                                <a:latin typeface="Cambria Math"/>
+                              </a:rPr>
+                            </m:ctrlPr>
+                          </m:sSupPr>
+                          <m:e>
+                            <m:r>
+                              <a:rPr lang="en-US" sz="2800" b="0" i="1" smtClean="0">
+                                <a:latin typeface="Cambria Math" panose="02040503050406030204" pitchFamily="18" charset="0"/>
+                              </a:rPr>
+                              <m:t>𝑠</m:t>
+                            </m:r>
+                          </m:e>
+                          <m:sup>
+                            <m:r>
+                              <a:rPr lang="en-US" sz="2800" b="0" i="1" smtClean="0">
+                                <a:latin typeface="Cambria Math" panose="02040503050406030204" pitchFamily="18" charset="0"/>
+                              </a:rPr>
+                              <m:t>2</m:t>
+                            </m:r>
+                          </m:sup>
+                        </m:sSup>
+                        <m:r>
+                          <a:rPr lang="en-US" sz="2800" b="0" i="1" smtClean="0">
+                            <a:latin typeface="Cambria Math" panose="02040503050406030204" pitchFamily="18" charset="0"/>
+                          </a:rPr>
+                          <m:t>+</m:t>
+                        </m:r>
+                        <m:r>
+                          <a:rPr lang="en-US" sz="2800" b="0" i="1" smtClean="0">
+                            <a:latin typeface="Cambria Math" panose="02040503050406030204" pitchFamily="18" charset="0"/>
+                          </a:rPr>
+                          <m:t>𝑠</m:t>
+                        </m:r>
+                        <m:r>
+                          <a:rPr lang="en-US" sz="2800" b="0" i="1" smtClean="0">
+                            <a:latin typeface="Cambria Math" panose="02040503050406030204" pitchFamily="18" charset="0"/>
+                          </a:rPr>
+                          <m:t>+1</m:t>
+                        </m:r>
+                      </m:den>
+                    </m:f>
+                  </m:oMath>
+                </a14:m>
+                <a:endParaRPr lang="en-US" sz="2800" dirty="0"/>
+              </a:p>
+            </p:txBody>
+          </p:sp>
+        </mc:Choice>
+        <mc:Fallback xmlns="">
+          <p:sp>
+            <p:nvSpPr>
+              <p:cNvPr id="12" name="TextBox 11">
+                <a:extLst>
+                  <a:ext uri="{FF2B5EF4-FFF2-40B4-BE49-F238E27FC236}">
+                    <a16:creationId xmlns:a16="http://schemas.microsoft.com/office/drawing/2014/main" id="{02686CCE-A089-4FD8-B869-C20F27B62A1C}"/>
+                  </a:ext>
+                </a:extLst>
+              </p:cNvPr>
+              <p:cNvSpPr txBox="1">
+                <a:spLocks noRot="1" noChangeAspect="1" noMove="1" noResize="1" noEditPoints="1" noAdjustHandles="1" noChangeArrowheads="1" noChangeShapeType="1" noTextEdit="1"/>
+              </p:cNvSpPr>
+              <p:nvPr/>
+            </p:nvSpPr>
+            <p:spPr>
+              <a:xfrm>
+                <a:off x="5596907" y="5267232"/>
+                <a:ext cx="2650037" cy="760336"/>
+              </a:xfrm>
+              <a:prstGeom prst="rect">
+                <a:avLst/>
+              </a:prstGeom>
+              <a:blipFill>
+                <a:blip r:embed="rId8"/>
+                <a:stretch>
+                  <a:fillRect/>
+                </a:stretch>
+              </a:blipFill>
+            </p:spPr>
+            <p:txBody>
+              <a:bodyPr/>
+              <a:lstStyle/>
+              <a:p>
+                <a:r>
+                  <a:rPr lang="en-GB">
+                    <a:noFill/>
+                  </a:rPr>
+                  <a:t> </a:t>
+                </a:r>
+              </a:p>
+            </p:txBody>
+          </p:sp>
+        </mc:Fallback>
+      </mc:AlternateContent>
+      <p:sp>
+        <p:nvSpPr>
+          <p:cNvPr id="13" name="TextBox 12">
+            <a:extLst>
+              <a:ext uri="{FF2B5EF4-FFF2-40B4-BE49-F238E27FC236}">
+                <a16:creationId xmlns:a16="http://schemas.microsoft.com/office/drawing/2014/main" xmlns="" id="{DB72AC74-4513-4EDE-9341-2F9A70007A94}"/>
+              </a:ext>
+            </a:extLst>
+          </p:cNvPr>
+          <p:cNvSpPr txBox="1"/>
+          <p:nvPr/>
+        </p:nvSpPr>
+        <p:spPr>
+          <a:xfrm>
+            <a:off x="4901481" y="5385790"/>
+            <a:ext cx="429926" cy="523220"/>
+          </a:xfrm>
+          <a:prstGeom prst="rect">
+            <a:avLst/>
+          </a:prstGeom>
+          <a:noFill/>
+        </p:spPr>
+        <p:txBody>
+          <a:bodyPr wrap="none" rtlCol="0">
+            <a:spAutoFit/>
+          </a:bodyPr>
+          <a:lstStyle/>
+          <a:p>
+            <a:r>
+              <a:rPr lang="en-US" sz="2800" dirty="0"/>
+              <a:t>&amp;</a:t>
+            </a:r>
+          </a:p>
+        </p:txBody>
+      </p:sp>
+      <p:sp>
+        <p:nvSpPr>
+          <p:cNvPr id="7" name="TextBox 6">
+            <a:extLst>
+              <a:ext uri="{FF2B5EF4-FFF2-40B4-BE49-F238E27FC236}">
+                <a16:creationId xmlns:a16="http://schemas.microsoft.com/office/drawing/2014/main" xmlns="" id="{7768ACAF-152C-BA9C-0C89-9B1B916F31DB}"/>
+              </a:ext>
+            </a:extLst>
+          </p:cNvPr>
+          <p:cNvSpPr txBox="1"/>
+          <p:nvPr/>
+        </p:nvSpPr>
+        <p:spPr>
+          <a:xfrm>
+            <a:off x="1227076" y="377148"/>
+            <a:ext cx="8154668" cy="615553"/>
+          </a:xfrm>
+          <a:prstGeom prst="rect">
+            <a:avLst/>
+          </a:prstGeom>
+        </p:spPr>
+        <p:txBody>
+          <a:bodyPr wrap="square" lIns="0" tIns="0" rIns="0" bIns="0">
+            <a:spAutoFit/>
+          </a:bodyPr>
+          <a:lstStyle>
+            <a:lvl1pPr>
+              <a:defRPr sz="4000" b="1">
+                <a:solidFill>
+                  <a:srgbClr val="0033CC"/>
+                </a:solidFill>
+                <a:latin typeface="Cambria" panose="02040503050406030204" pitchFamily="18" charset="0"/>
+                <a:ea typeface="Cambria" panose="02040503050406030204" pitchFamily="18" charset="0"/>
+                <a:cs typeface="+mj-cs"/>
+              </a:defRPr>
+            </a:lvl1pPr>
+          </a:lstStyle>
+          <a:p>
+            <a:r>
+              <a:rPr lang="en-US" dirty="0">
+                <a:solidFill>
+                  <a:srgbClr val="00B050"/>
+                </a:solidFill>
+              </a:rPr>
+              <a:t>Example - Low Pass Filter (LPF)</a:t>
+            </a:r>
+          </a:p>
+        </p:txBody>
+      </p:sp>
+      <mc:AlternateContent xmlns:mc="http://schemas.openxmlformats.org/markup-compatibility/2006">
+        <mc:Choice xmlns:a14="http://schemas.microsoft.com/office/drawing/2010/main" Requires="a14">
+          <p:sp>
+            <p:nvSpPr>
+              <p:cNvPr id="2" name="Rectangle 1"/>
+              <p:cNvSpPr/>
+              <p:nvPr/>
+            </p:nvSpPr>
+            <p:spPr>
+              <a:xfrm>
+                <a:off x="1387635" y="4891424"/>
+                <a:ext cx="3042436" cy="988732"/>
+              </a:xfrm>
+              <a:prstGeom prst="rect">
+                <a:avLst/>
+              </a:prstGeom>
+            </p:spPr>
+            <p:txBody>
+              <a:bodyPr wrap="none">
+                <a:spAutoFit/>
+              </a:bodyPr>
+              <a:lstStyle/>
+              <a:p>
+                <a:r>
+                  <a:rPr lang="en-US" sz="3200" b="1" i="1" dirty="0"/>
+                  <a:t>H(s) = </a:t>
+                </a:r>
+                <a14:m>
+                  <m:oMath xmlns:m="http://schemas.openxmlformats.org/officeDocument/2006/math">
+                    <m:f>
+                      <m:fPr>
+                        <m:ctrlPr>
+                          <a:rPr lang="en-US" sz="3200" b="1" i="1">
+                            <a:latin typeface="Cambria Math"/>
+                          </a:rPr>
+                        </m:ctrlPr>
+                      </m:fPr>
+                      <m:num>
+                        <m:r>
+                          <a:rPr lang="en-US" sz="3200" b="1" i="1">
+                            <a:latin typeface="Cambria Math"/>
+                          </a:rPr>
+                          <m:t>𝑲</m:t>
+                        </m:r>
+                        <m:sSubSup>
+                          <m:sSubSupPr>
+                            <m:ctrlPr>
+                              <a:rPr lang="en-US" sz="3200" b="1" i="1">
+                                <a:latin typeface="Cambria Math"/>
+                                <a:ea typeface="Cambria Math"/>
+                              </a:rPr>
+                            </m:ctrlPr>
+                          </m:sSubSupPr>
+                          <m:e>
+                            <m:r>
+                              <a:rPr lang="en-US" sz="3200" b="1" i="1">
+                                <a:latin typeface="Cambria Math"/>
+                                <a:ea typeface="Cambria Math"/>
+                              </a:rPr>
+                              <m:t>𝝎</m:t>
+                            </m:r>
+                          </m:e>
+                          <m:sub>
+                            <m:r>
+                              <a:rPr lang="en-US" sz="3200" b="1" i="1">
+                                <a:latin typeface="Cambria Math"/>
+                                <a:ea typeface="Cambria Math"/>
+                              </a:rPr>
+                              <m:t>𝟎</m:t>
+                            </m:r>
+                          </m:sub>
+                          <m:sup>
+                            <m:r>
+                              <a:rPr lang="en-US" sz="3200" b="1" i="1">
+                                <a:latin typeface="Cambria Math"/>
+                                <a:ea typeface="Cambria Math"/>
+                              </a:rPr>
+                              <m:t>𝟐</m:t>
+                            </m:r>
+                          </m:sup>
+                        </m:sSubSup>
+                      </m:num>
+                      <m:den>
+                        <m:r>
+                          <a:rPr lang="en-US" sz="3200" b="1" i="1">
+                            <a:latin typeface="Cambria Math"/>
+                          </a:rPr>
+                          <m:t>𝑺</m:t>
+                        </m:r>
+                        <m:r>
+                          <a:rPr lang="en-US" sz="3200" b="1" i="1">
+                            <a:latin typeface="Cambria Math"/>
+                          </a:rPr>
+                          <m:t>𝟐</m:t>
+                        </m:r>
+                        <m:r>
+                          <a:rPr lang="en-US" sz="3200" b="1" i="1">
+                            <a:latin typeface="Cambria Math"/>
+                          </a:rPr>
+                          <m:t>+</m:t>
+                        </m:r>
+                        <m:r>
+                          <a:rPr lang="en-US" sz="3200" b="1" i="1">
+                            <a:latin typeface="Cambria Math"/>
+                          </a:rPr>
+                          <m:t>𝟐</m:t>
+                        </m:r>
+                        <m:r>
+                          <a:rPr lang="en-US" sz="3200" b="1" i="1">
+                            <a:latin typeface="Cambria Math"/>
+                            <a:ea typeface="Cambria Math"/>
+                          </a:rPr>
+                          <m:t>𝝈</m:t>
+                        </m:r>
+                        <m:r>
+                          <a:rPr lang="en-US" sz="3200" b="1" i="1">
+                            <a:latin typeface="Cambria Math"/>
+                            <a:ea typeface="Cambria Math"/>
+                          </a:rPr>
+                          <m:t>𝑺</m:t>
+                        </m:r>
+                        <m:r>
+                          <a:rPr lang="en-US" sz="3200" b="1" i="1">
+                            <a:latin typeface="Cambria Math"/>
+                            <a:ea typeface="Cambria Math"/>
+                          </a:rPr>
+                          <m:t>+ </m:t>
+                        </m:r>
+                        <m:sSubSup>
+                          <m:sSubSupPr>
+                            <m:ctrlPr>
+                              <a:rPr lang="en-US" sz="3200" b="1" i="1">
+                                <a:latin typeface="Cambria Math"/>
+                                <a:ea typeface="Cambria Math"/>
+                              </a:rPr>
+                            </m:ctrlPr>
+                          </m:sSubSupPr>
+                          <m:e>
+                            <m:r>
+                              <a:rPr lang="en-US" sz="3200" b="1" i="1">
+                                <a:latin typeface="Cambria Math"/>
+                                <a:ea typeface="Cambria Math"/>
+                              </a:rPr>
+                              <m:t>𝝎</m:t>
+                            </m:r>
+                          </m:e>
+                          <m:sub>
+                            <m:r>
+                              <a:rPr lang="en-US" sz="3200" b="1" i="1">
+                                <a:latin typeface="Cambria Math"/>
+                                <a:ea typeface="Cambria Math"/>
+                              </a:rPr>
+                              <m:t>𝟎</m:t>
+                            </m:r>
+                          </m:sub>
+                          <m:sup>
+                            <m:r>
+                              <a:rPr lang="en-US" sz="3200" b="1" i="1">
+                                <a:latin typeface="Cambria Math"/>
+                                <a:ea typeface="Cambria Math"/>
+                              </a:rPr>
+                              <m:t>𝟐</m:t>
+                            </m:r>
+                          </m:sup>
+                        </m:sSubSup>
+                      </m:den>
+                    </m:f>
+                  </m:oMath>
+                </a14:m>
+                <a:endParaRPr lang="en-US" sz="3200" b="1" i="1" dirty="0"/>
+              </a:p>
+            </p:txBody>
+          </p:sp>
+        </mc:Choice>
+        <mc:Fallback>
+          <p:sp>
+            <p:nvSpPr>
+              <p:cNvPr id="2" name="Rectangle 1"/>
+              <p:cNvSpPr>
+                <a:spLocks noRot="1" noChangeAspect="1" noMove="1" noResize="1" noEditPoints="1" noAdjustHandles="1" noChangeArrowheads="1" noChangeShapeType="1" noTextEdit="1"/>
+              </p:cNvSpPr>
+              <p:nvPr/>
+            </p:nvSpPr>
+            <p:spPr>
+              <a:xfrm>
+                <a:off x="1387635" y="4891424"/>
+                <a:ext cx="3042436" cy="988732"/>
+              </a:xfrm>
+              <a:prstGeom prst="rect">
+                <a:avLst/>
+              </a:prstGeom>
+              <a:blipFill rotWithShape="1">
+                <a:blip r:embed="rId9"/>
+                <a:stretch>
+                  <a:fillRect l="-5210"/>
+                </a:stretch>
+              </a:blipFill>
+            </p:spPr>
+            <p:txBody>
+              <a:bodyPr/>
+              <a:lstStyle/>
+              <a:p>
+                <a:r>
+                  <a:rPr lang="en-US">
+                    <a:noFill/>
+                  </a:rPr>
+                  <a:t> </a:t>
+                </a:r>
+              </a:p>
+            </p:txBody>
+          </p:sp>
+        </mc:Fallback>
+      </mc:AlternateContent>
+      <p:sp>
+        <p:nvSpPr>
+          <p:cNvPr id="8" name="TextBox 7"/>
+          <p:cNvSpPr txBox="1"/>
+          <p:nvPr/>
+        </p:nvSpPr>
+        <p:spPr>
+          <a:xfrm>
+            <a:off x="330506" y="220337"/>
+            <a:ext cx="1531345" cy="369332"/>
+          </a:xfrm>
+          <a:prstGeom prst="rect">
+            <a:avLst/>
+          </a:prstGeom>
+          <a:noFill/>
+        </p:spPr>
+        <p:txBody>
+          <a:bodyPr wrap="square" rtlCol="0">
+            <a:spAutoFit/>
+          </a:bodyPr>
+          <a:lstStyle/>
+          <a:p>
+            <a:r>
+              <a:rPr lang="en-US" dirty="0" err="1" smtClean="0"/>
+              <a:t>salman</a:t>
+            </a:r>
+            <a:endParaRPr lang="en-US" dirty="0"/>
+          </a:p>
+        </p:txBody>
+      </p:sp>
+    </p:spTree>
+    <p:extLst>
+      <p:ext uri="{BB962C8B-B14F-4D97-AF65-F5344CB8AC3E}">
+        <p14:creationId xmlns:p14="http://schemas.microsoft.com/office/powerpoint/2010/main" val="3706508610"/>
+      </p:ext>
+    </p:extLst>
+  </p:cSld>
+  <p:clrMapOvr>
+    <a:masterClrMapping/>
+  </p:clrMapOvr>
+</p:sld>
+</file>
+
+<file path=ppt/slides/slide16.xml><?xml version="1.0" encoding="utf-8"?>
 <p:sld xmlns:a="http://schemas.openxmlformats.org/drawingml/2006/main" xmlns:r="http://schemas.openxmlformats.org/officeDocument/2006/relationships" xmlns:p="http://schemas.openxmlformats.org/presentationml/2006/main">
   <p:cSld>
     <p:spTree>
@@ -8935,7 +11824,7 @@
           <p:cNvPr id="5" name="Group 4">
             <a:extLst>
               <a:ext uri="{FF2B5EF4-FFF2-40B4-BE49-F238E27FC236}">
-                <a16:creationId xmlns:a16="http://schemas.microsoft.com/office/drawing/2014/main" id="{5ADEFB7E-5C71-2F20-9DA6-0FC45CDA751B}"/>
+                <a16:creationId xmlns:a16="http://schemas.microsoft.com/office/drawing/2014/main" xmlns="" id="{5ADEFB7E-5C71-2F20-9DA6-0FC45CDA751B}"/>
               </a:ext>
             </a:extLst>
           </p:cNvPr>
@@ -9129,7 +12018,7 @@
                               <a:solidFill>
                                 <a:prstClr val="black"/>
                               </a:solidFill>
-                              <a:latin typeface="Cambria Math" panose="02040503050406030204" pitchFamily="18" charset="0"/>
+                              <a:latin typeface="Cambria Math"/>
                             </a:rPr>
                           </m:ctrlPr>
                         </m:dPr>
@@ -9161,7 +12050,7 @@
                               <a:solidFill>
                                 <a:prstClr val="black"/>
                               </a:solidFill>
-                              <a:latin typeface="Cambria Math" panose="02040503050406030204" pitchFamily="18" charset="0"/>
+                              <a:latin typeface="Cambria Math"/>
                             </a:rPr>
                           </m:ctrlPr>
                         </m:fPr>
@@ -9173,7 +12062,7 @@
                                   <a:solidFill>
                                     <a:prstClr val="black"/>
                                   </a:solidFill>
-                                  <a:latin typeface="Cambria Math" panose="02040503050406030204" pitchFamily="18" charset="0"/>
+                                  <a:latin typeface="Cambria Math"/>
                                 </a:rPr>
                               </m:ctrlPr>
                             </m:fPr>
@@ -9245,7 +12134,7 @@
                                   <a:solidFill>
                                     <a:prstClr val="black"/>
                                   </a:solidFill>
-                                  <a:latin typeface="Cambria Math" panose="02040503050406030204" pitchFamily="18" charset="0"/>
+                                  <a:latin typeface="Cambria Math"/>
                                 </a:rPr>
                               </m:ctrlPr>
                             </m:fPr>
@@ -9299,7 +12188,7 @@
                               <a:solidFill>
                                 <a:prstClr val="black"/>
                               </a:solidFill>
-                              <a:latin typeface="Cambria Math" panose="02040503050406030204" pitchFamily="18" charset="0"/>
+                              <a:latin typeface="Cambria Math"/>
                             </a:rPr>
                           </m:ctrlPr>
                         </m:fPr>
@@ -9331,7 +12220,7 @@
                                   <a:solidFill>
                                     <a:prstClr val="black"/>
                                   </a:solidFill>
-                                  <a:latin typeface="Cambria Math" panose="02040503050406030204" pitchFamily="18" charset="0"/>
+                                  <a:latin typeface="Cambria Math"/>
                                 </a:rPr>
                               </m:ctrlPr>
                             </m:sSupPr>
@@ -9598,7 +12487,7 @@
                               <a:solidFill>
                                 <a:prstClr val="black"/>
                               </a:solidFill>
-                              <a:latin typeface="Cambria Math" panose="02040503050406030204" pitchFamily="18" charset="0"/>
+                              <a:latin typeface="Cambria Math"/>
                             </a:rPr>
                           </m:ctrlPr>
                         </m:fPr>
@@ -9610,7 +12499,7 @@
                                   <a:solidFill>
                                     <a:prstClr val="black"/>
                                   </a:solidFill>
-                                  <a:latin typeface="Cambria Math" panose="02040503050406030204" pitchFamily="18" charset="0"/>
+                                  <a:latin typeface="Cambria Math"/>
                                 </a:rPr>
                               </m:ctrlPr>
                             </m:fPr>
@@ -9646,7 +12535,7 @@
                                   <a:solidFill>
                                     <a:prstClr val="black"/>
                                   </a:solidFill>
-                                  <a:latin typeface="Cambria Math" panose="02040503050406030204" pitchFamily="18" charset="0"/>
+                                  <a:latin typeface="Cambria Math"/>
                                 </a:rPr>
                               </m:ctrlPr>
                             </m:sSupPr>
@@ -9689,7 +12578,7 @@
                                   <a:solidFill>
                                     <a:prstClr val="black"/>
                                   </a:solidFill>
-                                  <a:latin typeface="Cambria Math" panose="02040503050406030204" pitchFamily="18" charset="0"/>
+                                  <a:latin typeface="Cambria Math"/>
                                 </a:rPr>
                               </m:ctrlPr>
                             </m:fPr>
@@ -9732,7 +12621,7 @@
                                   <a:solidFill>
                                     <a:prstClr val="black"/>
                                   </a:solidFill>
-                                  <a:latin typeface="Cambria Math" panose="02040503050406030204" pitchFamily="18" charset="0"/>
+                                  <a:latin typeface="Cambria Math"/>
                                 </a:rPr>
                               </m:ctrlPr>
                             </m:fPr>
@@ -9777,7 +12666,7 @@
                               <a:solidFill>
                                 <a:prstClr val="black"/>
                               </a:solidFill>
-                              <a:latin typeface="Cambria Math" panose="02040503050406030204" pitchFamily="18" charset="0"/>
+                              <a:latin typeface="Cambria Math"/>
                             </a:rPr>
                           </m:ctrlPr>
                         </m:fPr>
@@ -9789,7 +12678,7 @@
                                   <a:solidFill>
                                     <a:prstClr val="black"/>
                                   </a:solidFill>
-                                  <a:latin typeface="Cambria Math" panose="02040503050406030204" pitchFamily="18" charset="0"/>
+                                  <a:latin typeface="Cambria Math"/>
                                 </a:rPr>
                               </m:ctrlPr>
                             </m:fPr>
@@ -9825,7 +12714,7 @@
                                   <a:solidFill>
                                     <a:prstClr val="black"/>
                                   </a:solidFill>
-                                  <a:latin typeface="Cambria Math" panose="02040503050406030204" pitchFamily="18" charset="0"/>
+                                  <a:latin typeface="Cambria Math"/>
                                 </a:rPr>
                               </m:ctrlPr>
                             </m:sSupPr>
@@ -9868,7 +12757,7 @@
                                   <a:solidFill>
                                     <a:prstClr val="black"/>
                                   </a:solidFill>
-                                  <a:latin typeface="Cambria Math" panose="02040503050406030204" pitchFamily="18" charset="0"/>
+                                  <a:latin typeface="Cambria Math"/>
                                 </a:rPr>
                               </m:ctrlPr>
                             </m:fPr>
@@ -9911,7 +12800,7 @@
                                   <a:solidFill>
                                     <a:prstClr val="black"/>
                                   </a:solidFill>
-                                  <a:latin typeface="Cambria Math" panose="02040503050406030204" pitchFamily="18" charset="0"/>
+                                  <a:latin typeface="Cambria Math"/>
                                 </a:rPr>
                               </m:ctrlPr>
                             </m:fPr>
@@ -9992,7 +12881,7 @@
           <p:cNvPr id="2" name="TextBox 1">
             <a:extLst>
               <a:ext uri="{FF2B5EF4-FFF2-40B4-BE49-F238E27FC236}">
-                <a16:creationId xmlns:a16="http://schemas.microsoft.com/office/drawing/2014/main" id="{0AF8C8E0-AF66-44C7-BCDA-2DE23155DB16}"/>
+                <a16:creationId xmlns:a16="http://schemas.microsoft.com/office/drawing/2014/main" xmlns="" id="{0AF8C8E0-AF66-44C7-BCDA-2DE23155DB16}"/>
               </a:ext>
             </a:extLst>
           </p:cNvPr>
@@ -10029,7 +12918,7 @@
               <p:cNvPr id="3" name="TextBox 2">
                 <a:extLst>
                   <a:ext uri="{FF2B5EF4-FFF2-40B4-BE49-F238E27FC236}">
-                    <a16:creationId xmlns:a16="http://schemas.microsoft.com/office/drawing/2014/main" id="{1C8A59F6-0335-4B48-B56D-B6603430BC20}"/>
+                    <a16:creationId xmlns:a16="http://schemas.microsoft.com/office/drawing/2014/main" xmlns="" id="{1C8A59F6-0335-4B48-B56D-B6603430BC20}"/>
                   </a:ext>
                 </a:extLst>
               </p:cNvPr>
@@ -10062,7 +12951,7 @@
                       <m:fPr>
                         <m:ctrlPr>
                           <a:rPr lang="en-US" sz="2400" i="1">
-                            <a:latin typeface="Cambria Math" panose="02040503050406030204" pitchFamily="18" charset="0"/>
+                            <a:latin typeface="Cambria Math"/>
                           </a:rPr>
                         </m:ctrlPr>
                       </m:fPr>
@@ -10071,7 +12960,7 @@
                           <m:sSubPr>
                             <m:ctrlPr>
                               <a:rPr lang="en-US" sz="2400" i="1">
-                                <a:latin typeface="Cambria Math" panose="02040503050406030204" pitchFamily="18" charset="0"/>
+                                <a:latin typeface="Cambria Math"/>
                               </a:rPr>
                             </m:ctrlPr>
                           </m:sSubPr>
@@ -10098,7 +12987,7 @@
                           <m:sSubPr>
                             <m:ctrlPr>
                               <a:rPr lang="en-US" sz="2400" i="1">
-                                <a:latin typeface="Cambria Math" panose="02040503050406030204" pitchFamily="18" charset="0"/>
+                                <a:latin typeface="Cambria Math"/>
                               </a:rPr>
                             </m:ctrlPr>
                           </m:sSubPr>
@@ -10181,7 +13070,7 @@
           <p:cNvPr id="4" name="TextBox 3">
             <a:extLst>
               <a:ext uri="{FF2B5EF4-FFF2-40B4-BE49-F238E27FC236}">
-                <a16:creationId xmlns:a16="http://schemas.microsoft.com/office/drawing/2014/main" id="{354EB5C2-2903-8019-30D9-5FDD7A5703E1}"/>
+                <a16:creationId xmlns:a16="http://schemas.microsoft.com/office/drawing/2014/main" xmlns="" id="{354EB5C2-2903-8019-30D9-5FDD7A5703E1}"/>
               </a:ext>
             </a:extLst>
           </p:cNvPr>
@@ -10215,7 +13104,11 @@
           </a:lstStyle>
           <a:p>
             <a:r>
-              <a:rPr lang="en-US" dirty="0"/>
+              <a:rPr lang="en-US" dirty="0">
+                <a:solidFill>
+                  <a:srgbClr val="00B050"/>
+                </a:solidFill>
+              </a:rPr>
               <a:t>Example - Low Pass Filter (LPF)</a:t>
             </a:r>
           </a:p>
@@ -10234,7 +13127,1549 @@
 </p:sld>
 </file>
 
-<file path=ppt/slides/slide15.xml><?xml version="1.0" encoding="utf-8"?>
+<file path=ppt/slides/slide17.xml><?xml version="1.0" encoding="utf-8"?>
+<p:sld xmlns:a="http://schemas.openxmlformats.org/drawingml/2006/main" xmlns:r="http://schemas.openxmlformats.org/officeDocument/2006/relationships" xmlns:p="http://schemas.openxmlformats.org/presentationml/2006/main">
+  <p:cSld>
+    <p:spTree>
+      <p:nvGrpSpPr>
+        <p:cNvPr id="1" name=""/>
+        <p:cNvGrpSpPr/>
+        <p:nvPr/>
+      </p:nvGrpSpPr>
+      <p:grpSpPr>
+        <a:xfrm>
+          <a:off x="0" y="0"/>
+          <a:ext cx="0" cy="0"/>
+          <a:chOff x="0" y="0"/>
+          <a:chExt cx="0" cy="0"/>
+        </a:xfrm>
+      </p:grpSpPr>
+      <p:grpSp>
+        <p:nvGrpSpPr>
+          <p:cNvPr id="5" name="Group 4">
+            <a:extLst>
+              <a:ext uri="{FF2B5EF4-FFF2-40B4-BE49-F238E27FC236}">
+                <a16:creationId xmlns:a16="http://schemas.microsoft.com/office/drawing/2014/main" xmlns="" id="{5ADEFB7E-5C71-2F20-9DA6-0FC45CDA751B}"/>
+              </a:ext>
+            </a:extLst>
+          </p:cNvPr>
+          <p:cNvGrpSpPr/>
+          <p:nvPr/>
+        </p:nvGrpSpPr>
+        <p:grpSpPr>
+          <a:xfrm>
+            <a:off x="8405445" y="751632"/>
+            <a:ext cx="3516787" cy="2121864"/>
+            <a:chOff x="8405445" y="751632"/>
+            <a:chExt cx="3516787" cy="2121864"/>
+          </a:xfrm>
+        </p:grpSpPr>
+        <p:pic>
+          <p:nvPicPr>
+            <p:cNvPr id="6" name="Picture 5"/>
+            <p:cNvPicPr>
+              <a:picLocks noChangeAspect="1"/>
+            </p:cNvPicPr>
+            <p:nvPr/>
+          </p:nvPicPr>
+          <p:blipFill>
+            <a:blip r:embed="rId2" cstate="print">
+              <a:extLst>
+                <a:ext uri="{28A0092B-C50C-407E-A947-70E740481C1C}">
+                  <a14:useLocalDpi xmlns:a14="http://schemas.microsoft.com/office/drawing/2010/main" val="0"/>
+                </a:ext>
+              </a:extLst>
+            </a:blip>
+            <a:stretch>
+              <a:fillRect/>
+            </a:stretch>
+          </p:blipFill>
+          <p:spPr>
+            <a:xfrm>
+              <a:off x="8405445" y="934105"/>
+              <a:ext cx="3516787" cy="1939391"/>
+            </a:xfrm>
+            <a:prstGeom prst="rect">
+              <a:avLst/>
+            </a:prstGeom>
+          </p:spPr>
+        </p:pic>
+        <p:sp>
+          <p:nvSpPr>
+            <p:cNvPr id="7" name="TextBox 6"/>
+            <p:cNvSpPr txBox="1"/>
+            <p:nvPr/>
+          </p:nvSpPr>
+          <p:spPr>
+            <a:xfrm>
+              <a:off x="9214343" y="751632"/>
+              <a:ext cx="354584" cy="461665"/>
+            </a:xfrm>
+            <a:prstGeom prst="rect">
+              <a:avLst/>
+            </a:prstGeom>
+            <a:noFill/>
+          </p:spPr>
+          <p:txBody>
+            <a:bodyPr wrap="none" rtlCol="0">
+              <a:spAutoFit/>
+            </a:bodyPr>
+            <a:lstStyle/>
+            <a:p>
+              <a:r>
+                <a:rPr lang="en-US" sz="2400" b="1" dirty="0">
+                  <a:solidFill>
+                    <a:srgbClr val="D60093"/>
+                  </a:solidFill>
+                  <a:latin typeface="Cambria" panose="02040503050406030204" pitchFamily="18" charset="0"/>
+                </a:rPr>
+                <a:t>L</a:t>
+              </a:r>
+            </a:p>
+          </p:txBody>
+        </p:sp>
+        <p:sp>
+          <p:nvSpPr>
+            <p:cNvPr id="17" name="TextBox 16"/>
+            <p:cNvSpPr txBox="1"/>
+            <p:nvPr/>
+          </p:nvSpPr>
+          <p:spPr>
+            <a:xfrm>
+              <a:off x="9391635" y="1850369"/>
+              <a:ext cx="360996" cy="461665"/>
+            </a:xfrm>
+            <a:prstGeom prst="rect">
+              <a:avLst/>
+            </a:prstGeom>
+            <a:noFill/>
+          </p:spPr>
+          <p:txBody>
+            <a:bodyPr wrap="none" rtlCol="0">
+              <a:spAutoFit/>
+            </a:bodyPr>
+            <a:lstStyle/>
+            <a:p>
+              <a:r>
+                <a:rPr lang="en-US" sz="2400" b="1" dirty="0">
+                  <a:solidFill>
+                    <a:srgbClr val="D60093"/>
+                  </a:solidFill>
+                  <a:latin typeface="Cambria" panose="02040503050406030204" pitchFamily="18" charset="0"/>
+                </a:rPr>
+                <a:t>C</a:t>
+              </a:r>
+            </a:p>
+          </p:txBody>
+        </p:sp>
+        <p:sp>
+          <p:nvSpPr>
+            <p:cNvPr id="18" name="TextBox 17"/>
+            <p:cNvSpPr txBox="1"/>
+            <p:nvPr/>
+          </p:nvSpPr>
+          <p:spPr>
+            <a:xfrm>
+              <a:off x="10639347" y="1850370"/>
+              <a:ext cx="388248" cy="461665"/>
+            </a:xfrm>
+            <a:prstGeom prst="rect">
+              <a:avLst/>
+            </a:prstGeom>
+            <a:noFill/>
+          </p:spPr>
+          <p:txBody>
+            <a:bodyPr wrap="none" rtlCol="0">
+              <a:spAutoFit/>
+            </a:bodyPr>
+            <a:lstStyle/>
+            <a:p>
+              <a:r>
+                <a:rPr lang="en-US" sz="2400" b="1" dirty="0">
+                  <a:solidFill>
+                    <a:srgbClr val="D60093"/>
+                  </a:solidFill>
+                  <a:latin typeface="Cambria" panose="02040503050406030204" pitchFamily="18" charset="0"/>
+                </a:rPr>
+                <a:t>R</a:t>
+              </a:r>
+            </a:p>
+          </p:txBody>
+        </p:sp>
+      </p:grpSp>
+      <mc:AlternateContent xmlns:mc="http://schemas.openxmlformats.org/markup-compatibility/2006" xmlns:a14="http://schemas.microsoft.com/office/drawing/2010/main">
+        <mc:Choice Requires="a14">
+          <p:sp>
+            <p:nvSpPr>
+              <p:cNvPr id="9" name="Rectangle 8"/>
+              <p:cNvSpPr/>
+              <p:nvPr/>
+            </p:nvSpPr>
+            <p:spPr>
+              <a:xfrm>
+                <a:off x="921518" y="3717835"/>
+                <a:ext cx="5630452" cy="1702582"/>
+              </a:xfrm>
+              <a:prstGeom prst="rect">
+                <a:avLst/>
+              </a:prstGeom>
+            </p:spPr>
+            <p:txBody>
+              <a:bodyPr wrap="none">
+                <a:spAutoFit/>
+              </a:bodyPr>
+              <a:lstStyle/>
+              <a:p>
+                <a:pPr lvl="0"/>
+                <a14:m>
+                  <m:oMathPara xmlns:m="http://schemas.openxmlformats.org/officeDocument/2006/math">
+                    <m:oMathParaPr>
+                      <m:jc m:val="centerGroup"/>
+                    </m:oMathParaPr>
+                    <m:oMath xmlns:m="http://schemas.openxmlformats.org/officeDocument/2006/math">
+                      <m:r>
+                        <a:rPr lang="en-US" sz="2400" b="0" i="1" smtClean="0">
+                          <a:solidFill>
+                            <a:prstClr val="black"/>
+                          </a:solidFill>
+                          <a:latin typeface="Cambria Math" panose="02040503050406030204" pitchFamily="18" charset="0"/>
+                        </a:rPr>
+                        <m:t>𝐻</m:t>
+                      </m:r>
+                      <m:d>
+                        <m:dPr>
+                          <m:ctrlPr>
+                            <a:rPr lang="en-US" sz="2400" b="0" i="1" smtClean="0">
+                              <a:solidFill>
+                                <a:prstClr val="black"/>
+                              </a:solidFill>
+                              <a:latin typeface="Cambria Math"/>
+                            </a:rPr>
+                          </m:ctrlPr>
+                        </m:dPr>
+                        <m:e>
+                          <m:r>
+                            <a:rPr lang="en-US" sz="2400" b="0" i="1" smtClean="0">
+                              <a:solidFill>
+                                <a:prstClr val="black"/>
+                              </a:solidFill>
+                              <a:latin typeface="Cambria Math" panose="02040503050406030204" pitchFamily="18" charset="0"/>
+                            </a:rPr>
+                            <m:t>𝑠</m:t>
+                          </m:r>
+                        </m:e>
+                      </m:d>
+                      <m:r>
+                        <a:rPr lang="en-US" sz="2400" b="0" i="1" smtClean="0">
+                          <a:solidFill>
+                            <a:prstClr val="black"/>
+                          </a:solidFill>
+                          <a:latin typeface="Cambria Math" panose="02040503050406030204" pitchFamily="18" charset="0"/>
+                        </a:rPr>
+                        <m:t>=</m:t>
+                      </m:r>
+                      <m:f>
+                        <m:fPr>
+                          <m:ctrlPr>
+                            <a:rPr lang="en-US" sz="2400" i="1">
+                              <a:solidFill>
+                                <a:prstClr val="black"/>
+                              </a:solidFill>
+                              <a:latin typeface="Cambria Math"/>
+                            </a:rPr>
+                          </m:ctrlPr>
+                        </m:fPr>
+                        <m:num>
+                          <m:f>
+                            <m:fPr>
+                              <m:ctrlPr>
+                                <a:rPr lang="en-US" sz="2400" i="1">
+                                  <a:solidFill>
+                                    <a:prstClr val="black"/>
+                                  </a:solidFill>
+                                  <a:latin typeface="Cambria Math"/>
+                                </a:rPr>
+                              </m:ctrlPr>
+                            </m:fPr>
+                            <m:num>
+                              <m:r>
+                                <a:rPr lang="en-US" sz="2400" b="0" i="1" smtClean="0">
+                                  <a:solidFill>
+                                    <a:prstClr val="black"/>
+                                  </a:solidFill>
+                                  <a:latin typeface="Cambria Math" panose="02040503050406030204" pitchFamily="18" charset="0"/>
+                                </a:rPr>
+                                <m:t>𝑅</m:t>
+                              </m:r>
+                            </m:num>
+                            <m:den>
+                              <m:r>
+                                <a:rPr lang="en-US" sz="2400" b="0" i="1" smtClean="0">
+                                  <a:solidFill>
+                                    <a:prstClr val="black"/>
+                                  </a:solidFill>
+                                  <a:latin typeface="Cambria Math" panose="02040503050406030204" pitchFamily="18" charset="0"/>
+                                </a:rPr>
+                                <m:t>𝑅𝐶𝑠</m:t>
+                              </m:r>
+                              <m:r>
+                                <a:rPr lang="en-US" sz="2400" b="0" i="1" smtClean="0">
+                                  <a:solidFill>
+                                    <a:prstClr val="black"/>
+                                  </a:solidFill>
+                                  <a:latin typeface="Cambria Math" panose="02040503050406030204" pitchFamily="18" charset="0"/>
+                                </a:rPr>
+                                <m:t>+1</m:t>
+                              </m:r>
+                            </m:den>
+                          </m:f>
+                        </m:num>
+                        <m:den>
+                          <m:r>
+                            <a:rPr lang="en-US" sz="2400" b="0" i="1" smtClean="0">
+                              <a:solidFill>
+                                <a:prstClr val="black"/>
+                              </a:solidFill>
+                              <a:latin typeface="Cambria Math" panose="02040503050406030204" pitchFamily="18" charset="0"/>
+                            </a:rPr>
+                            <m:t>𝐿</m:t>
+                          </m:r>
+                          <m:r>
+                            <a:rPr lang="en-US" sz="2400" i="1">
+                              <a:solidFill>
+                                <a:prstClr val="black"/>
+                              </a:solidFill>
+                              <a:latin typeface="Cambria Math" panose="02040503050406030204" pitchFamily="18" charset="0"/>
+                            </a:rPr>
+                            <m:t>𝑠</m:t>
+                          </m:r>
+                          <m:r>
+                            <a:rPr lang="en-US" sz="2400" i="1">
+                              <a:solidFill>
+                                <a:prstClr val="black"/>
+                              </a:solidFill>
+                              <a:latin typeface="Cambria Math" panose="02040503050406030204" pitchFamily="18" charset="0"/>
+                            </a:rPr>
+                            <m:t>+</m:t>
+                          </m:r>
+                          <m:f>
+                            <m:fPr>
+                              <m:ctrlPr>
+                                <a:rPr lang="en-US" sz="2400" i="1">
+                                  <a:solidFill>
+                                    <a:prstClr val="black"/>
+                                  </a:solidFill>
+                                  <a:latin typeface="Cambria Math"/>
+                                </a:rPr>
+                              </m:ctrlPr>
+                            </m:fPr>
+                            <m:num>
+                              <m:r>
+                                <a:rPr lang="en-US" sz="2400" b="0" i="1" smtClean="0">
+                                  <a:solidFill>
+                                    <a:prstClr val="black"/>
+                                  </a:solidFill>
+                                  <a:latin typeface="Cambria Math" panose="02040503050406030204" pitchFamily="18" charset="0"/>
+                                </a:rPr>
+                                <m:t>𝑅</m:t>
+                              </m:r>
+                            </m:num>
+                            <m:den>
+                              <m:r>
+                                <a:rPr lang="en-US" sz="2400" b="0" i="1" smtClean="0">
+                                  <a:solidFill>
+                                    <a:prstClr val="black"/>
+                                  </a:solidFill>
+                                  <a:latin typeface="Cambria Math" panose="02040503050406030204" pitchFamily="18" charset="0"/>
+                                </a:rPr>
+                                <m:t>𝑅𝐶𝑠</m:t>
+                              </m:r>
+                              <m:r>
+                                <a:rPr lang="en-US" sz="2400" b="0" i="1" smtClean="0">
+                                  <a:solidFill>
+                                    <a:prstClr val="black"/>
+                                  </a:solidFill>
+                                  <a:latin typeface="Cambria Math" panose="02040503050406030204" pitchFamily="18" charset="0"/>
+                                </a:rPr>
+                                <m:t>+1</m:t>
+                              </m:r>
+                            </m:den>
+                          </m:f>
+                        </m:den>
+                      </m:f>
+                      <m:r>
+                        <a:rPr lang="en-US" sz="2400" b="0" i="1" smtClean="0">
+                          <a:solidFill>
+                            <a:prstClr val="black"/>
+                          </a:solidFill>
+                          <a:latin typeface="Cambria Math" panose="02040503050406030204" pitchFamily="18" charset="0"/>
+                        </a:rPr>
+                        <m:t>=</m:t>
+                      </m:r>
+                      <m:f>
+                        <m:fPr>
+                          <m:ctrlPr>
+                            <a:rPr lang="en-US" sz="2400" b="0" i="1" smtClean="0">
+                              <a:solidFill>
+                                <a:prstClr val="black"/>
+                              </a:solidFill>
+                              <a:latin typeface="Cambria Math"/>
+                            </a:rPr>
+                          </m:ctrlPr>
+                        </m:fPr>
+                        <m:num>
+                          <m:r>
+                            <a:rPr lang="en-US" sz="2400" b="0" i="1" smtClean="0">
+                              <a:solidFill>
+                                <a:prstClr val="black"/>
+                              </a:solidFill>
+                              <a:latin typeface="Cambria Math" panose="02040503050406030204" pitchFamily="18" charset="0"/>
+                            </a:rPr>
+                            <m:t>𝑅</m:t>
+                          </m:r>
+                        </m:num>
+                        <m:den>
+                          <m:r>
+                            <a:rPr lang="en-US" sz="2400" b="0" i="1" smtClean="0">
+                              <a:solidFill>
+                                <a:prstClr val="black"/>
+                              </a:solidFill>
+                              <a:latin typeface="Cambria Math" panose="02040503050406030204" pitchFamily="18" charset="0"/>
+                            </a:rPr>
+                            <m:t>𝐿𝑅𝐶</m:t>
+                          </m:r>
+                          <m:sSup>
+                            <m:sSupPr>
+                              <m:ctrlPr>
+                                <a:rPr lang="en-US" sz="2400" b="0" i="1" smtClean="0">
+                                  <a:solidFill>
+                                    <a:prstClr val="black"/>
+                                  </a:solidFill>
+                                  <a:latin typeface="Cambria Math"/>
+                                </a:rPr>
+                              </m:ctrlPr>
+                            </m:sSupPr>
+                            <m:e>
+                              <m:r>
+                                <a:rPr lang="en-US" sz="2400" b="0" i="1" smtClean="0">
+                                  <a:solidFill>
+                                    <a:prstClr val="black"/>
+                                  </a:solidFill>
+                                  <a:latin typeface="Cambria Math" panose="02040503050406030204" pitchFamily="18" charset="0"/>
+                                </a:rPr>
+                                <m:t>𝑠</m:t>
+                              </m:r>
+                            </m:e>
+                            <m:sup>
+                              <m:r>
+                                <a:rPr lang="en-US" sz="2400" b="0" i="1" smtClean="0">
+                                  <a:solidFill>
+                                    <a:prstClr val="black"/>
+                                  </a:solidFill>
+                                  <a:latin typeface="Cambria Math" panose="02040503050406030204" pitchFamily="18" charset="0"/>
+                                </a:rPr>
+                                <m:t>2</m:t>
+                              </m:r>
+                            </m:sup>
+                          </m:sSup>
+                          <m:r>
+                            <a:rPr lang="en-US" sz="2400" b="0" i="1" smtClean="0">
+                              <a:solidFill>
+                                <a:prstClr val="black"/>
+                              </a:solidFill>
+                              <a:latin typeface="Cambria Math" panose="02040503050406030204" pitchFamily="18" charset="0"/>
+                            </a:rPr>
+                            <m:t>+</m:t>
+                          </m:r>
+                          <m:r>
+                            <a:rPr lang="en-US" sz="2400" b="0" i="1" smtClean="0">
+                              <a:solidFill>
+                                <a:prstClr val="black"/>
+                              </a:solidFill>
+                              <a:latin typeface="Cambria Math" panose="02040503050406030204" pitchFamily="18" charset="0"/>
+                            </a:rPr>
+                            <m:t>𝐿𝑠</m:t>
+                          </m:r>
+                          <m:r>
+                            <a:rPr lang="en-US" sz="2400" b="0" i="1" smtClean="0">
+                              <a:solidFill>
+                                <a:prstClr val="black"/>
+                              </a:solidFill>
+                              <a:latin typeface="Cambria Math" panose="02040503050406030204" pitchFamily="18" charset="0"/>
+                            </a:rPr>
+                            <m:t>+</m:t>
+                          </m:r>
+                          <m:r>
+                            <a:rPr lang="en-US" sz="2400" b="0" i="1" smtClean="0">
+                              <a:solidFill>
+                                <a:prstClr val="black"/>
+                              </a:solidFill>
+                              <a:latin typeface="Cambria Math" panose="02040503050406030204" pitchFamily="18" charset="0"/>
+                            </a:rPr>
+                            <m:t>𝑅</m:t>
+                          </m:r>
+                        </m:den>
+                      </m:f>
+                    </m:oMath>
+                  </m:oMathPara>
+                </a14:m>
+                <a:endParaRPr lang="en-US" sz="2400" b="0" i="1" dirty="0">
+                  <a:solidFill>
+                    <a:prstClr val="black"/>
+                  </a:solidFill>
+                  <a:latin typeface="Cambria Math" panose="02040503050406030204" pitchFamily="18" charset="0"/>
+                </a:endParaRPr>
+              </a:p>
+              <a:p>
+                <a:pPr lvl="0"/>
+                <a:r>
+                  <a:rPr lang="en-US" sz="2400" b="0" dirty="0">
+                    <a:solidFill>
+                      <a:prstClr val="black"/>
+                    </a:solidFill>
+                  </a:rPr>
+                  <a:t>	</a:t>
+                </a:r>
+                <a:endParaRPr lang="en-US" sz="2400" dirty="0">
+                  <a:solidFill>
+                    <a:prstClr val="black"/>
+                  </a:solidFill>
+                </a:endParaRPr>
+              </a:p>
+            </p:txBody>
+          </p:sp>
+        </mc:Choice>
+        <mc:Fallback xmlns="">
+          <p:sp>
+            <p:nvSpPr>
+              <p:cNvPr id="9" name="Rectangle 8"/>
+              <p:cNvSpPr>
+                <a:spLocks noRot="1" noChangeAspect="1" noMove="1" noResize="1" noEditPoints="1" noAdjustHandles="1" noChangeArrowheads="1" noChangeShapeType="1" noTextEdit="1"/>
+              </p:cNvSpPr>
+              <p:nvPr/>
+            </p:nvSpPr>
+            <p:spPr>
+              <a:xfrm>
+                <a:off x="921518" y="3717835"/>
+                <a:ext cx="5630452" cy="1702582"/>
+              </a:xfrm>
+              <a:prstGeom prst="rect">
+                <a:avLst/>
+              </a:prstGeom>
+              <a:blipFill>
+                <a:blip r:embed="rId3"/>
+                <a:stretch>
+                  <a:fillRect/>
+                </a:stretch>
+              </a:blipFill>
+            </p:spPr>
+            <p:txBody>
+              <a:bodyPr/>
+              <a:lstStyle/>
+              <a:p>
+                <a:r>
+                  <a:rPr lang="en-GB">
+                    <a:noFill/>
+                  </a:rPr>
+                  <a:t> </a:t>
+                </a:r>
+              </a:p>
+            </p:txBody>
+          </p:sp>
+        </mc:Fallback>
+      </mc:AlternateContent>
+      <p:sp>
+        <p:nvSpPr>
+          <p:cNvPr id="25" name="TextBox 24"/>
+          <p:cNvSpPr txBox="1"/>
+          <p:nvPr/>
+        </p:nvSpPr>
+        <p:spPr>
+          <a:xfrm>
+            <a:off x="835395" y="1112526"/>
+            <a:ext cx="7570049" cy="707886"/>
+          </a:xfrm>
+          <a:prstGeom prst="rect">
+            <a:avLst/>
+          </a:prstGeom>
+          <a:noFill/>
+        </p:spPr>
+        <p:txBody>
+          <a:bodyPr wrap="square" rtlCol="0">
+            <a:spAutoFit/>
+          </a:bodyPr>
+          <a:lstStyle/>
+          <a:p>
+            <a:pPr algn="just"/>
+            <a:r>
+              <a:rPr lang="en-US" sz="2000" dirty="0">
+                <a:solidFill>
+                  <a:srgbClr val="C00000"/>
+                </a:solidFill>
+                <a:latin typeface="Cambria" panose="02040503050406030204" pitchFamily="18" charset="0"/>
+              </a:rPr>
+              <a:t>Design the filter shown in the figure so that the peak frequency “</a:t>
+            </a:r>
+            <a:r>
+              <a:rPr lang="en-US" sz="2000" i="1" dirty="0" err="1">
+                <a:solidFill>
+                  <a:srgbClr val="C00000"/>
+                </a:solidFill>
+                <a:latin typeface="Cambria" panose="02040503050406030204" pitchFamily="18" charset="0"/>
+              </a:rPr>
+              <a:t>f</a:t>
+            </a:r>
+            <a:r>
+              <a:rPr lang="en-US" sz="2000" i="1" baseline="-25000" dirty="0" err="1">
+                <a:solidFill>
+                  <a:srgbClr val="C00000"/>
+                </a:solidFill>
+                <a:latin typeface="Cambria" panose="02040503050406030204" pitchFamily="18" charset="0"/>
+              </a:rPr>
+              <a:t>o</a:t>
+            </a:r>
+            <a:r>
+              <a:rPr lang="en-US" sz="2000" dirty="0">
+                <a:solidFill>
+                  <a:srgbClr val="C00000"/>
+                </a:solidFill>
+                <a:latin typeface="Cambria" panose="02040503050406030204" pitchFamily="18" charset="0"/>
+              </a:rPr>
+              <a:t>” is  1000 Hz.</a:t>
+            </a:r>
+          </a:p>
+        </p:txBody>
+      </p:sp>
+      <mc:AlternateContent xmlns:mc="http://schemas.openxmlformats.org/markup-compatibility/2006" xmlns:a14="http://schemas.microsoft.com/office/drawing/2010/main">
+        <mc:Choice Requires="a14">
+          <p:sp>
+            <p:nvSpPr>
+              <p:cNvPr id="13" name="Rectangle 12"/>
+              <p:cNvSpPr/>
+              <p:nvPr/>
+            </p:nvSpPr>
+            <p:spPr>
+              <a:xfrm>
+                <a:off x="1624780" y="5124848"/>
+                <a:ext cx="4901085" cy="1325684"/>
+              </a:xfrm>
+              <a:prstGeom prst="rect">
+                <a:avLst/>
+              </a:prstGeom>
+            </p:spPr>
+            <p:txBody>
+              <a:bodyPr wrap="none">
+                <a:spAutoFit/>
+              </a:bodyPr>
+              <a:lstStyle/>
+              <a:p>
+                <a:pPr/>
+                <a14:m>
+                  <m:oMathPara xmlns:m="http://schemas.openxmlformats.org/officeDocument/2006/math">
+                    <m:oMathParaPr>
+                      <m:jc m:val="centerGroup"/>
+                    </m:oMathParaPr>
+                    <m:oMath xmlns:m="http://schemas.openxmlformats.org/officeDocument/2006/math">
+                      <m:r>
+                        <a:rPr lang="en-US" sz="2400" i="1">
+                          <a:solidFill>
+                            <a:prstClr val="black"/>
+                          </a:solidFill>
+                          <a:latin typeface="Cambria Math" panose="02040503050406030204" pitchFamily="18" charset="0"/>
+                        </a:rPr>
+                        <m:t>=</m:t>
+                      </m:r>
+                      <m:f>
+                        <m:fPr>
+                          <m:ctrlPr>
+                            <a:rPr lang="en-US" sz="2400" i="1">
+                              <a:solidFill>
+                                <a:prstClr val="black"/>
+                              </a:solidFill>
+                              <a:latin typeface="Cambria Math"/>
+                            </a:rPr>
+                          </m:ctrlPr>
+                        </m:fPr>
+                        <m:num>
+                          <m:f>
+                            <m:fPr>
+                              <m:ctrlPr>
+                                <a:rPr lang="en-US" sz="2400" i="1">
+                                  <a:solidFill>
+                                    <a:prstClr val="black"/>
+                                  </a:solidFill>
+                                  <a:latin typeface="Cambria Math"/>
+                                </a:rPr>
+                              </m:ctrlPr>
+                            </m:fPr>
+                            <m:num>
+                              <m:r>
+                                <a:rPr lang="en-US" sz="2400" i="1">
+                                  <a:solidFill>
+                                    <a:prstClr val="black"/>
+                                  </a:solidFill>
+                                  <a:latin typeface="Cambria Math" panose="02040503050406030204" pitchFamily="18" charset="0"/>
+                                </a:rPr>
+                                <m:t>𝑅</m:t>
+                              </m:r>
+                            </m:num>
+                            <m:den>
+                              <m:r>
+                                <a:rPr lang="en-US" sz="2400" i="1">
+                                  <a:solidFill>
+                                    <a:prstClr val="black"/>
+                                  </a:solidFill>
+                                  <a:latin typeface="Cambria Math" panose="02040503050406030204" pitchFamily="18" charset="0"/>
+                                </a:rPr>
+                                <m:t>𝐿𝑅𝐶</m:t>
+                              </m:r>
+                            </m:den>
+                          </m:f>
+                        </m:num>
+                        <m:den>
+                          <m:sSup>
+                            <m:sSupPr>
+                              <m:ctrlPr>
+                                <a:rPr lang="en-US" sz="2400" i="1">
+                                  <a:solidFill>
+                                    <a:prstClr val="black"/>
+                                  </a:solidFill>
+                                  <a:latin typeface="Cambria Math"/>
+                                </a:rPr>
+                              </m:ctrlPr>
+                            </m:sSupPr>
+                            <m:e>
+                              <m:r>
+                                <a:rPr lang="en-US" sz="2400" i="1">
+                                  <a:solidFill>
+                                    <a:prstClr val="black"/>
+                                  </a:solidFill>
+                                  <a:latin typeface="Cambria Math" panose="02040503050406030204" pitchFamily="18" charset="0"/>
+                                </a:rPr>
+                                <m:t>𝑠</m:t>
+                              </m:r>
+                            </m:e>
+                            <m:sup>
+                              <m:r>
+                                <a:rPr lang="en-US" sz="2400" i="1">
+                                  <a:solidFill>
+                                    <a:prstClr val="black"/>
+                                  </a:solidFill>
+                                  <a:latin typeface="Cambria Math" panose="02040503050406030204" pitchFamily="18" charset="0"/>
+                                </a:rPr>
+                                <m:t>2</m:t>
+                              </m:r>
+                            </m:sup>
+                          </m:sSup>
+                          <m:r>
+                            <a:rPr lang="en-US" sz="2400" i="1">
+                              <a:solidFill>
+                                <a:prstClr val="black"/>
+                              </a:solidFill>
+                              <a:latin typeface="Cambria Math" panose="02040503050406030204" pitchFamily="18" charset="0"/>
+                            </a:rPr>
+                            <m:t>+</m:t>
+                          </m:r>
+                          <m:f>
+                            <m:fPr>
+                              <m:ctrlPr>
+                                <a:rPr lang="en-US" sz="2400" i="1">
+                                  <a:solidFill>
+                                    <a:prstClr val="black"/>
+                                  </a:solidFill>
+                                  <a:latin typeface="Cambria Math"/>
+                                </a:rPr>
+                              </m:ctrlPr>
+                            </m:fPr>
+                            <m:num>
+                              <m:r>
+                                <a:rPr lang="en-US" sz="2400" i="1">
+                                  <a:solidFill>
+                                    <a:prstClr val="black"/>
+                                  </a:solidFill>
+                                  <a:latin typeface="Cambria Math" panose="02040503050406030204" pitchFamily="18" charset="0"/>
+                                </a:rPr>
+                                <m:t>𝐿𝑠</m:t>
+                              </m:r>
+                            </m:num>
+                            <m:den>
+                              <m:r>
+                                <a:rPr lang="en-US" sz="2400" i="1">
+                                  <a:solidFill>
+                                    <a:prstClr val="black"/>
+                                  </a:solidFill>
+                                  <a:latin typeface="Cambria Math" panose="02040503050406030204" pitchFamily="18" charset="0"/>
+                                </a:rPr>
+                                <m:t>𝐿𝑅𝐶</m:t>
+                              </m:r>
+                            </m:den>
+                          </m:f>
+                          <m:r>
+                            <a:rPr lang="en-US" sz="2400" i="1">
+                              <a:solidFill>
+                                <a:prstClr val="black"/>
+                              </a:solidFill>
+                              <a:latin typeface="Cambria Math" panose="02040503050406030204" pitchFamily="18" charset="0"/>
+                            </a:rPr>
+                            <m:t>+</m:t>
+                          </m:r>
+                          <m:f>
+                            <m:fPr>
+                              <m:ctrlPr>
+                                <a:rPr lang="en-US" sz="2400" i="1">
+                                  <a:solidFill>
+                                    <a:prstClr val="black"/>
+                                  </a:solidFill>
+                                  <a:latin typeface="Cambria Math"/>
+                                </a:rPr>
+                              </m:ctrlPr>
+                            </m:fPr>
+                            <m:num>
+                              <m:r>
+                                <a:rPr lang="en-US" sz="2400" i="1">
+                                  <a:solidFill>
+                                    <a:prstClr val="black"/>
+                                  </a:solidFill>
+                                  <a:latin typeface="Cambria Math" panose="02040503050406030204" pitchFamily="18" charset="0"/>
+                                </a:rPr>
+                                <m:t>𝑅</m:t>
+                              </m:r>
+                            </m:num>
+                            <m:den>
+                              <m:r>
+                                <a:rPr lang="en-US" sz="2400" i="1">
+                                  <a:solidFill>
+                                    <a:prstClr val="black"/>
+                                  </a:solidFill>
+                                  <a:latin typeface="Cambria Math" panose="02040503050406030204" pitchFamily="18" charset="0"/>
+                                </a:rPr>
+                                <m:t>𝐿𝑅𝐶</m:t>
+                              </m:r>
+                            </m:den>
+                          </m:f>
+                        </m:den>
+                      </m:f>
+                      <m:r>
+                        <a:rPr lang="en-US" sz="2400" i="1">
+                          <a:solidFill>
+                            <a:prstClr val="black"/>
+                          </a:solidFill>
+                          <a:latin typeface="Cambria Math" panose="02040503050406030204" pitchFamily="18" charset="0"/>
+                        </a:rPr>
+                        <m:t>=</m:t>
+                      </m:r>
+                      <m:f>
+                        <m:fPr>
+                          <m:ctrlPr>
+                            <a:rPr lang="en-US" sz="2400" i="1">
+                              <a:solidFill>
+                                <a:prstClr val="black"/>
+                              </a:solidFill>
+                              <a:latin typeface="Cambria Math"/>
+                            </a:rPr>
+                          </m:ctrlPr>
+                        </m:fPr>
+                        <m:num>
+                          <m:f>
+                            <m:fPr>
+                              <m:ctrlPr>
+                                <a:rPr lang="en-US" sz="2400" i="1">
+                                  <a:solidFill>
+                                    <a:prstClr val="black"/>
+                                  </a:solidFill>
+                                  <a:latin typeface="Cambria Math"/>
+                                </a:rPr>
+                              </m:ctrlPr>
+                            </m:fPr>
+                            <m:num>
+                              <m:r>
+                                <a:rPr lang="en-US" sz="2400" i="1">
+                                  <a:solidFill>
+                                    <a:prstClr val="black"/>
+                                  </a:solidFill>
+                                  <a:latin typeface="Cambria Math" panose="02040503050406030204" pitchFamily="18" charset="0"/>
+                                </a:rPr>
+                                <m:t>1</m:t>
+                              </m:r>
+                            </m:num>
+                            <m:den>
+                              <m:r>
+                                <a:rPr lang="en-US" sz="2400" i="1">
+                                  <a:solidFill>
+                                    <a:prstClr val="black"/>
+                                  </a:solidFill>
+                                  <a:latin typeface="Cambria Math" panose="02040503050406030204" pitchFamily="18" charset="0"/>
+                                </a:rPr>
+                                <m:t>𝐿𝐶</m:t>
+                              </m:r>
+                            </m:den>
+                          </m:f>
+                        </m:num>
+                        <m:den>
+                          <m:sSup>
+                            <m:sSupPr>
+                              <m:ctrlPr>
+                                <a:rPr lang="en-US" sz="2400" i="1">
+                                  <a:solidFill>
+                                    <a:prstClr val="black"/>
+                                  </a:solidFill>
+                                  <a:latin typeface="Cambria Math"/>
+                                </a:rPr>
+                              </m:ctrlPr>
+                            </m:sSupPr>
+                            <m:e>
+                              <m:r>
+                                <a:rPr lang="en-US" sz="2400" i="1">
+                                  <a:solidFill>
+                                    <a:prstClr val="black"/>
+                                  </a:solidFill>
+                                  <a:latin typeface="Cambria Math" panose="02040503050406030204" pitchFamily="18" charset="0"/>
+                                </a:rPr>
+                                <m:t>𝑠</m:t>
+                              </m:r>
+                            </m:e>
+                            <m:sup>
+                              <m:r>
+                                <a:rPr lang="en-US" sz="2400" i="1">
+                                  <a:solidFill>
+                                    <a:prstClr val="black"/>
+                                  </a:solidFill>
+                                  <a:latin typeface="Cambria Math" panose="02040503050406030204" pitchFamily="18" charset="0"/>
+                                </a:rPr>
+                                <m:t>2</m:t>
+                              </m:r>
+                            </m:sup>
+                          </m:sSup>
+                          <m:r>
+                            <a:rPr lang="en-US" sz="2400" i="1">
+                              <a:solidFill>
+                                <a:prstClr val="black"/>
+                              </a:solidFill>
+                              <a:latin typeface="Cambria Math" panose="02040503050406030204" pitchFamily="18" charset="0"/>
+                            </a:rPr>
+                            <m:t>+</m:t>
+                          </m:r>
+                          <m:f>
+                            <m:fPr>
+                              <m:ctrlPr>
+                                <a:rPr lang="en-US" sz="2400" i="1">
+                                  <a:solidFill>
+                                    <a:prstClr val="black"/>
+                                  </a:solidFill>
+                                  <a:latin typeface="Cambria Math"/>
+                                </a:rPr>
+                              </m:ctrlPr>
+                            </m:fPr>
+                            <m:num>
+                              <m:r>
+                                <a:rPr lang="en-US" sz="2400" i="1">
+                                  <a:solidFill>
+                                    <a:prstClr val="black"/>
+                                  </a:solidFill>
+                                  <a:latin typeface="Cambria Math" panose="02040503050406030204" pitchFamily="18" charset="0"/>
+                                </a:rPr>
+                                <m:t>𝑠</m:t>
+                              </m:r>
+                            </m:num>
+                            <m:den>
+                              <m:r>
+                                <a:rPr lang="en-US" sz="2400" i="1">
+                                  <a:solidFill>
+                                    <a:prstClr val="black"/>
+                                  </a:solidFill>
+                                  <a:latin typeface="Cambria Math" panose="02040503050406030204" pitchFamily="18" charset="0"/>
+                                </a:rPr>
+                                <m:t>𝑅𝐶</m:t>
+                              </m:r>
+                            </m:den>
+                          </m:f>
+                          <m:r>
+                            <a:rPr lang="en-US" sz="2400" i="1">
+                              <a:solidFill>
+                                <a:prstClr val="black"/>
+                              </a:solidFill>
+                              <a:latin typeface="Cambria Math" panose="02040503050406030204" pitchFamily="18" charset="0"/>
+                            </a:rPr>
+                            <m:t>+</m:t>
+                          </m:r>
+                          <m:f>
+                            <m:fPr>
+                              <m:ctrlPr>
+                                <a:rPr lang="en-US" sz="2400" i="1">
+                                  <a:solidFill>
+                                    <a:prstClr val="black"/>
+                                  </a:solidFill>
+                                  <a:latin typeface="Cambria Math"/>
+                                </a:rPr>
+                              </m:ctrlPr>
+                            </m:fPr>
+                            <m:num>
+                              <m:r>
+                                <a:rPr lang="en-US" sz="2400" i="1">
+                                  <a:solidFill>
+                                    <a:prstClr val="black"/>
+                                  </a:solidFill>
+                                  <a:latin typeface="Cambria Math" panose="02040503050406030204" pitchFamily="18" charset="0"/>
+                                </a:rPr>
+                                <m:t>1</m:t>
+                              </m:r>
+                            </m:num>
+                            <m:den>
+                              <m:r>
+                                <a:rPr lang="en-US" sz="2400" i="1">
+                                  <a:solidFill>
+                                    <a:prstClr val="black"/>
+                                  </a:solidFill>
+                                  <a:latin typeface="Cambria Math" panose="02040503050406030204" pitchFamily="18" charset="0"/>
+                                </a:rPr>
+                                <m:t>𝐿𝐶</m:t>
+                              </m:r>
+                            </m:den>
+                          </m:f>
+                        </m:den>
+                      </m:f>
+                    </m:oMath>
+                  </m:oMathPara>
+                </a14:m>
+                <a:endParaRPr lang="en-US" dirty="0"/>
+              </a:p>
+            </p:txBody>
+          </p:sp>
+        </mc:Choice>
+        <mc:Fallback xmlns="">
+          <p:sp>
+            <p:nvSpPr>
+              <p:cNvPr id="13" name="Rectangle 12"/>
+              <p:cNvSpPr>
+                <a:spLocks noRot="1" noChangeAspect="1" noMove="1" noResize="1" noEditPoints="1" noAdjustHandles="1" noChangeArrowheads="1" noChangeShapeType="1" noTextEdit="1"/>
+              </p:cNvSpPr>
+              <p:nvPr/>
+            </p:nvSpPr>
+            <p:spPr>
+              <a:xfrm>
+                <a:off x="1624780" y="5124848"/>
+                <a:ext cx="4901085" cy="1325684"/>
+              </a:xfrm>
+              <a:prstGeom prst="rect">
+                <a:avLst/>
+              </a:prstGeom>
+              <a:blipFill>
+                <a:blip r:embed="rId5"/>
+                <a:stretch>
+                  <a:fillRect/>
+                </a:stretch>
+              </a:blipFill>
+            </p:spPr>
+            <p:txBody>
+              <a:bodyPr/>
+              <a:lstStyle/>
+              <a:p>
+                <a:r>
+                  <a:rPr lang="en-GB">
+                    <a:noFill/>
+                  </a:rPr>
+                  <a:t> </a:t>
+                </a:r>
+              </a:p>
+            </p:txBody>
+          </p:sp>
+        </mc:Fallback>
+      </mc:AlternateContent>
+      <p:sp>
+        <p:nvSpPr>
+          <p:cNvPr id="2" name="TextBox 1">
+            <a:extLst>
+              <a:ext uri="{FF2B5EF4-FFF2-40B4-BE49-F238E27FC236}">
+                <a16:creationId xmlns:a16="http://schemas.microsoft.com/office/drawing/2014/main" xmlns="" id="{0AF8C8E0-AF66-44C7-BCDA-2DE23155DB16}"/>
+              </a:ext>
+            </a:extLst>
+          </p:cNvPr>
+          <p:cNvSpPr txBox="1"/>
+          <p:nvPr/>
+        </p:nvSpPr>
+        <p:spPr>
+          <a:xfrm>
+            <a:off x="842782" y="1899448"/>
+            <a:ext cx="5421036" cy="461665"/>
+          </a:xfrm>
+          <a:prstGeom prst="rect">
+            <a:avLst/>
+          </a:prstGeom>
+          <a:noFill/>
+        </p:spPr>
+        <p:txBody>
+          <a:bodyPr wrap="none" rtlCol="0">
+            <a:spAutoFit/>
+          </a:bodyPr>
+          <a:lstStyle/>
+          <a:p>
+            <a:r>
+              <a:rPr lang="en-US" sz="2400" dirty="0"/>
+              <a:t>This is a LPF with the following generic TF:</a:t>
+            </a:r>
+          </a:p>
+        </p:txBody>
+      </p:sp>
+      <mc:AlternateContent xmlns:mc="http://schemas.openxmlformats.org/markup-compatibility/2006" xmlns:a14="http://schemas.microsoft.com/office/drawing/2010/main">
+        <mc:Choice Requires="a14">
+          <p:sp>
+            <p:nvSpPr>
+              <p:cNvPr id="3" name="TextBox 2">
+                <a:extLst>
+                  <a:ext uri="{FF2B5EF4-FFF2-40B4-BE49-F238E27FC236}">
+                    <a16:creationId xmlns:a16="http://schemas.microsoft.com/office/drawing/2014/main" xmlns="" id="{1C8A59F6-0335-4B48-B56D-B6603430BC20}"/>
+                  </a:ext>
+                </a:extLst>
+              </p:cNvPr>
+              <p:cNvSpPr txBox="1"/>
+              <p:nvPr/>
+            </p:nvSpPr>
+            <p:spPr>
+              <a:xfrm>
+                <a:off x="913759" y="3075037"/>
+                <a:ext cx="5005601" cy="664926"/>
+              </a:xfrm>
+              <a:prstGeom prst="rect">
+                <a:avLst/>
+              </a:prstGeom>
+              <a:noFill/>
+            </p:spPr>
+            <p:txBody>
+              <a:bodyPr wrap="none" rtlCol="0">
+                <a:spAutoFit/>
+              </a:bodyPr>
+              <a:lstStyle/>
+              <a:p>
+                <a:r>
+                  <a:rPr lang="en-US" sz="2400" dirty="0"/>
+                  <a:t>Using circuit to calculate  </a:t>
+                </a:r>
+                <a14:m>
+                  <m:oMath xmlns:m="http://schemas.openxmlformats.org/officeDocument/2006/math">
+                    <m:f>
+                      <m:fPr>
+                        <m:ctrlPr>
+                          <a:rPr lang="en-US" sz="2400" i="1">
+                            <a:latin typeface="Cambria Math"/>
+                          </a:rPr>
+                        </m:ctrlPr>
+                      </m:fPr>
+                      <m:num>
+                        <m:sSub>
+                          <m:sSubPr>
+                            <m:ctrlPr>
+                              <a:rPr lang="en-US" sz="2400" i="1">
+                                <a:latin typeface="Cambria Math"/>
+                              </a:rPr>
+                            </m:ctrlPr>
+                          </m:sSubPr>
+                          <m:e>
+                            <m:r>
+                              <a:rPr lang="en-US" sz="2400" i="1">
+                                <a:latin typeface="Cambria Math" panose="02040503050406030204" pitchFamily="18" charset="0"/>
+                              </a:rPr>
+                              <m:t>𝑉</m:t>
+                            </m:r>
+                          </m:e>
+                          <m:sub>
+                            <m:r>
+                              <a:rPr lang="en-US" sz="2400" i="1">
+                                <a:latin typeface="Cambria Math" panose="02040503050406030204" pitchFamily="18" charset="0"/>
+                              </a:rPr>
+                              <m:t>𝑜𝑢𝑡</m:t>
+                            </m:r>
+                          </m:sub>
+                        </m:sSub>
+                      </m:num>
+                      <m:den>
+                        <m:sSub>
+                          <m:sSubPr>
+                            <m:ctrlPr>
+                              <a:rPr lang="en-US" sz="2400" i="1">
+                                <a:latin typeface="Cambria Math"/>
+                              </a:rPr>
+                            </m:ctrlPr>
+                          </m:sSubPr>
+                          <m:e>
+                            <m:r>
+                              <a:rPr lang="en-US" sz="2400" i="1">
+                                <a:latin typeface="Cambria Math" panose="02040503050406030204" pitchFamily="18" charset="0"/>
+                              </a:rPr>
+                              <m:t>𝑉</m:t>
+                            </m:r>
+                          </m:e>
+                          <m:sub>
+                            <m:r>
+                              <a:rPr lang="en-US" sz="2400" i="1">
+                                <a:latin typeface="Cambria Math" panose="02040503050406030204" pitchFamily="18" charset="0"/>
+                              </a:rPr>
+                              <m:t>𝑖𝑛</m:t>
+                            </m:r>
+                          </m:sub>
+                        </m:sSub>
+                      </m:den>
+                    </m:f>
+                  </m:oMath>
+                </a14:m>
+                <a:r>
+                  <a:rPr lang="en-US" sz="2400" dirty="0"/>
+                  <a:t>  we get:  </a:t>
+                </a:r>
+              </a:p>
+            </p:txBody>
+          </p:sp>
+        </mc:Choice>
+        <mc:Fallback xmlns="">
+          <p:sp>
+            <p:nvSpPr>
+              <p:cNvPr id="3" name="TextBox 2">
+                <a:extLst>
+                  <a:ext uri="{FF2B5EF4-FFF2-40B4-BE49-F238E27FC236}">
+                    <a16:creationId xmlns:a16="http://schemas.microsoft.com/office/drawing/2014/main" id="{1C8A59F6-0335-4B48-B56D-B6603430BC20}"/>
+                  </a:ext>
+                </a:extLst>
+              </p:cNvPr>
+              <p:cNvSpPr txBox="1">
+                <a:spLocks noRot="1" noChangeAspect="1" noMove="1" noResize="1" noEditPoints="1" noAdjustHandles="1" noChangeArrowheads="1" noChangeShapeType="1" noTextEdit="1"/>
+              </p:cNvSpPr>
+              <p:nvPr/>
+            </p:nvSpPr>
+            <p:spPr>
+              <a:xfrm>
+                <a:off x="913759" y="3075037"/>
+                <a:ext cx="5005601" cy="664926"/>
+              </a:xfrm>
+              <a:prstGeom prst="rect">
+                <a:avLst/>
+              </a:prstGeom>
+              <a:blipFill>
+                <a:blip r:embed="rId6"/>
+                <a:stretch>
+                  <a:fillRect l="-1949" r="-853" b="-909"/>
+                </a:stretch>
+              </a:blipFill>
+            </p:spPr>
+            <p:txBody>
+              <a:bodyPr/>
+              <a:lstStyle/>
+              <a:p>
+                <a:r>
+                  <a:rPr lang="en-GB">
+                    <a:noFill/>
+                  </a:rPr>
+                  <a:t> </a:t>
+                </a:r>
+              </a:p>
+            </p:txBody>
+          </p:sp>
+        </mc:Fallback>
+      </mc:AlternateContent>
+      <p:sp>
+        <p:nvSpPr>
+          <p:cNvPr id="4" name="TextBox 3">
+            <a:extLst>
+              <a:ext uri="{FF2B5EF4-FFF2-40B4-BE49-F238E27FC236}">
+                <a16:creationId xmlns:a16="http://schemas.microsoft.com/office/drawing/2014/main" xmlns="" id="{354EB5C2-2903-8019-30D9-5FDD7A5703E1}"/>
+              </a:ext>
+            </a:extLst>
+          </p:cNvPr>
+          <p:cNvSpPr txBox="1"/>
+          <p:nvPr/>
+        </p:nvSpPr>
+        <p:spPr>
+          <a:xfrm>
+            <a:off x="835396" y="456847"/>
+            <a:ext cx="7842436" cy="615553"/>
+          </a:xfrm>
+          <a:prstGeom prst="rect">
+            <a:avLst/>
+          </a:prstGeom>
+        </p:spPr>
+        <p:txBody>
+          <a:bodyPr wrap="square" lIns="0" tIns="0" rIns="0" bIns="0">
+            <a:spAutoFit/>
+          </a:bodyPr>
+          <a:lstStyle>
+            <a:lvl1pPr>
+              <a:defRPr sz="4000" b="1">
+                <a:solidFill>
+                  <a:srgbClr val="0033CC"/>
+                </a:solidFill>
+                <a:latin typeface="Cambria" panose="02040503050406030204" pitchFamily="18" charset="0"/>
+                <a:ea typeface="Cambria" panose="02040503050406030204" pitchFamily="18" charset="0"/>
+                <a:cs typeface="+mj-cs"/>
+              </a:defRPr>
+            </a:lvl1pPr>
+          </a:lstStyle>
+          <a:p>
+            <a:r>
+              <a:rPr lang="en-US" dirty="0">
+                <a:solidFill>
+                  <a:srgbClr val="00B050"/>
+                </a:solidFill>
+              </a:rPr>
+              <a:t>Example - Low Pass Filter (LPF)</a:t>
+            </a:r>
+          </a:p>
+        </p:txBody>
+      </p:sp>
+      <mc:AlternateContent xmlns:mc="http://schemas.openxmlformats.org/markup-compatibility/2006">
+        <mc:Choice xmlns:a14="http://schemas.microsoft.com/office/drawing/2010/main" Requires="a14">
+          <p:sp>
+            <p:nvSpPr>
+              <p:cNvPr id="8" name="Rectangle 7"/>
+              <p:cNvSpPr/>
+              <p:nvPr/>
+            </p:nvSpPr>
+            <p:spPr>
+              <a:xfrm>
+                <a:off x="2157036" y="2305042"/>
+                <a:ext cx="2684966" cy="876587"/>
+              </a:xfrm>
+              <a:prstGeom prst="rect">
+                <a:avLst/>
+              </a:prstGeom>
+            </p:spPr>
+            <p:txBody>
+              <a:bodyPr wrap="none">
+                <a:spAutoFit/>
+              </a:bodyPr>
+              <a:lstStyle/>
+              <a:p>
+                <a:r>
+                  <a:rPr lang="en-US" sz="2800" b="1" i="1" dirty="0"/>
+                  <a:t>H(s) = </a:t>
+                </a:r>
+                <a14:m>
+                  <m:oMath xmlns:m="http://schemas.openxmlformats.org/officeDocument/2006/math">
+                    <m:f>
+                      <m:fPr>
+                        <m:ctrlPr>
+                          <a:rPr lang="en-US" sz="2800" b="1" i="1">
+                            <a:latin typeface="Cambria Math"/>
+                          </a:rPr>
+                        </m:ctrlPr>
+                      </m:fPr>
+                      <m:num>
+                        <m:r>
+                          <a:rPr lang="en-US" sz="2800" b="1" i="1">
+                            <a:latin typeface="Cambria Math"/>
+                          </a:rPr>
+                          <m:t>𝑲</m:t>
+                        </m:r>
+                        <m:sSubSup>
+                          <m:sSubSupPr>
+                            <m:ctrlPr>
+                              <a:rPr lang="en-US" sz="2800" b="1" i="1">
+                                <a:latin typeface="Cambria Math"/>
+                                <a:ea typeface="Cambria Math"/>
+                              </a:rPr>
+                            </m:ctrlPr>
+                          </m:sSubSupPr>
+                          <m:e>
+                            <m:r>
+                              <a:rPr lang="en-US" sz="2800" b="1" i="1">
+                                <a:latin typeface="Cambria Math"/>
+                                <a:ea typeface="Cambria Math"/>
+                              </a:rPr>
+                              <m:t>𝝎</m:t>
+                            </m:r>
+                          </m:e>
+                          <m:sub>
+                            <m:r>
+                              <a:rPr lang="en-US" sz="2800" b="1" i="1">
+                                <a:latin typeface="Cambria Math"/>
+                                <a:ea typeface="Cambria Math"/>
+                              </a:rPr>
+                              <m:t>𝟎</m:t>
+                            </m:r>
+                          </m:sub>
+                          <m:sup>
+                            <m:r>
+                              <a:rPr lang="en-US" sz="2800" b="1" i="1">
+                                <a:latin typeface="Cambria Math"/>
+                                <a:ea typeface="Cambria Math"/>
+                              </a:rPr>
+                              <m:t>𝟐</m:t>
+                            </m:r>
+                          </m:sup>
+                        </m:sSubSup>
+                      </m:num>
+                      <m:den>
+                        <m:r>
+                          <a:rPr lang="en-US" sz="2800" b="1" i="1">
+                            <a:latin typeface="Cambria Math"/>
+                          </a:rPr>
+                          <m:t>𝑺</m:t>
+                        </m:r>
+                        <m:r>
+                          <a:rPr lang="en-US" sz="2800" b="1" i="1">
+                            <a:latin typeface="Cambria Math"/>
+                          </a:rPr>
+                          <m:t>𝟐</m:t>
+                        </m:r>
+                        <m:r>
+                          <a:rPr lang="en-US" sz="2800" b="1" i="1">
+                            <a:latin typeface="Cambria Math"/>
+                          </a:rPr>
+                          <m:t>+</m:t>
+                        </m:r>
+                        <m:r>
+                          <a:rPr lang="en-US" sz="2800" b="1" i="1">
+                            <a:latin typeface="Cambria Math"/>
+                          </a:rPr>
+                          <m:t>𝟐</m:t>
+                        </m:r>
+                        <m:r>
+                          <a:rPr lang="en-US" sz="2800" b="1" i="1">
+                            <a:latin typeface="Cambria Math"/>
+                            <a:ea typeface="Cambria Math"/>
+                          </a:rPr>
+                          <m:t>𝝈</m:t>
+                        </m:r>
+                        <m:r>
+                          <a:rPr lang="en-US" sz="2800" b="1" i="1">
+                            <a:latin typeface="Cambria Math"/>
+                            <a:ea typeface="Cambria Math"/>
+                          </a:rPr>
+                          <m:t>𝑺</m:t>
+                        </m:r>
+                        <m:r>
+                          <a:rPr lang="en-US" sz="2800" b="1" i="1">
+                            <a:latin typeface="Cambria Math"/>
+                            <a:ea typeface="Cambria Math"/>
+                          </a:rPr>
+                          <m:t>+ </m:t>
+                        </m:r>
+                        <m:sSubSup>
+                          <m:sSubSupPr>
+                            <m:ctrlPr>
+                              <a:rPr lang="en-US" sz="2800" b="1" i="1">
+                                <a:latin typeface="Cambria Math"/>
+                                <a:ea typeface="Cambria Math"/>
+                              </a:rPr>
+                            </m:ctrlPr>
+                          </m:sSubSupPr>
+                          <m:e>
+                            <m:r>
+                              <a:rPr lang="en-US" sz="2800" b="1" i="1">
+                                <a:latin typeface="Cambria Math"/>
+                                <a:ea typeface="Cambria Math"/>
+                              </a:rPr>
+                              <m:t>𝝎</m:t>
+                            </m:r>
+                          </m:e>
+                          <m:sub>
+                            <m:r>
+                              <a:rPr lang="en-US" sz="2800" b="1" i="1">
+                                <a:latin typeface="Cambria Math"/>
+                                <a:ea typeface="Cambria Math"/>
+                              </a:rPr>
+                              <m:t>𝟎</m:t>
+                            </m:r>
+                          </m:sub>
+                          <m:sup>
+                            <m:r>
+                              <a:rPr lang="en-US" sz="2800" b="1" i="1">
+                                <a:latin typeface="Cambria Math"/>
+                                <a:ea typeface="Cambria Math"/>
+                              </a:rPr>
+                              <m:t>𝟐</m:t>
+                            </m:r>
+                          </m:sup>
+                        </m:sSubSup>
+                      </m:den>
+                    </m:f>
+                  </m:oMath>
+                </a14:m>
+                <a:endParaRPr lang="en-US" sz="2800" b="1" i="1" dirty="0"/>
+              </a:p>
+            </p:txBody>
+          </p:sp>
+        </mc:Choice>
+        <mc:Fallback>
+          <p:sp>
+            <p:nvSpPr>
+              <p:cNvPr id="8" name="Rectangle 7"/>
+              <p:cNvSpPr>
+                <a:spLocks noRot="1" noChangeAspect="1" noMove="1" noResize="1" noEditPoints="1" noAdjustHandles="1" noChangeArrowheads="1" noChangeShapeType="1" noTextEdit="1"/>
+              </p:cNvSpPr>
+              <p:nvPr/>
+            </p:nvSpPr>
+            <p:spPr>
+              <a:xfrm>
+                <a:off x="2157036" y="2305042"/>
+                <a:ext cx="2684966" cy="876587"/>
+              </a:xfrm>
+              <a:prstGeom prst="rect">
+                <a:avLst/>
+              </a:prstGeom>
+              <a:blipFill rotWithShape="1">
+                <a:blip r:embed="rId7"/>
+                <a:stretch>
+                  <a:fillRect l="-4773"/>
+                </a:stretch>
+              </a:blipFill>
+            </p:spPr>
+            <p:txBody>
+              <a:bodyPr/>
+              <a:lstStyle/>
+              <a:p>
+                <a:r>
+                  <a:rPr lang="en-US">
+                    <a:noFill/>
+                  </a:rPr>
+                  <a:t> </a:t>
+                </a:r>
+              </a:p>
+            </p:txBody>
+          </p:sp>
+        </mc:Fallback>
+      </mc:AlternateContent>
+      <p:sp>
+        <p:nvSpPr>
+          <p:cNvPr id="10" name="TextBox 9"/>
+          <p:cNvSpPr txBox="1"/>
+          <p:nvPr/>
+        </p:nvSpPr>
+        <p:spPr>
+          <a:xfrm>
+            <a:off x="1277957" y="176270"/>
+            <a:ext cx="1696597" cy="369332"/>
+          </a:xfrm>
+          <a:prstGeom prst="rect">
+            <a:avLst/>
+          </a:prstGeom>
+          <a:noFill/>
+        </p:spPr>
+        <p:txBody>
+          <a:bodyPr wrap="square" rtlCol="0">
+            <a:spAutoFit/>
+          </a:bodyPr>
+          <a:lstStyle/>
+          <a:p>
+            <a:r>
+              <a:rPr lang="en-US" dirty="0" err="1" smtClean="0"/>
+              <a:t>salman</a:t>
+            </a:r>
+            <a:endParaRPr lang="en-US" dirty="0"/>
+          </a:p>
+        </p:txBody>
+      </p:sp>
+    </p:spTree>
+    <p:extLst>
+      <p:ext uri="{BB962C8B-B14F-4D97-AF65-F5344CB8AC3E}">
+        <p14:creationId xmlns:p14="http://schemas.microsoft.com/office/powerpoint/2010/main" val="1153485754"/>
+      </p:ext>
+    </p:extLst>
+  </p:cSld>
+  <p:clrMapOvr>
+    <a:masterClrMapping/>
+  </p:clrMapOvr>
+</p:sld>
+</file>
+
+<file path=ppt/slides/slide18.xml><?xml version="1.0" encoding="utf-8"?>
 <p:sld xmlns:a="http://schemas.openxmlformats.org/drawingml/2006/main" xmlns:r="http://schemas.openxmlformats.org/officeDocument/2006/relationships" xmlns:p="http://schemas.openxmlformats.org/presentationml/2006/main">
   <p:cSld>
     <p:spTree>
@@ -10293,7 +14728,7 @@
                         <m:fPr>
                           <m:ctrlPr>
                             <a:rPr lang="en-US" sz="2400" b="0" i="1" smtClean="0">
-                              <a:latin typeface="Cambria Math" panose="02040503050406030204" pitchFamily="18" charset="0"/>
+                              <a:latin typeface="Cambria Math"/>
                             </a:rPr>
                           </m:ctrlPr>
                         </m:fPr>
@@ -10331,7 +14766,7 @@
                         <m:sSupPr>
                           <m:ctrlPr>
                             <a:rPr lang="en-US" sz="2400" b="0" i="1" smtClean="0">
-                              <a:latin typeface="Cambria Math" panose="02040503050406030204" pitchFamily="18" charset="0"/>
+                              <a:latin typeface="Cambria Math"/>
                               <a:ea typeface="Cambria Math" panose="02040503050406030204" pitchFamily="18" charset="0"/>
                             </a:rPr>
                           </m:ctrlPr>
@@ -10552,7 +14987,7 @@
                               <a:solidFill>
                                 <a:prstClr val="black"/>
                               </a:solidFill>
-                              <a:latin typeface="Cambria Math" panose="02040503050406030204" pitchFamily="18" charset="0"/>
+                              <a:latin typeface="Cambria Math"/>
                             </a:rPr>
                           </m:ctrlPr>
                         </m:fPr>
@@ -10564,7 +14999,7 @@
                                   <a:solidFill>
                                     <a:prstClr val="black"/>
                                   </a:solidFill>
-                                  <a:latin typeface="Cambria Math" panose="02040503050406030204" pitchFamily="18" charset="0"/>
+                                  <a:latin typeface="Cambria Math"/>
                                 </a:rPr>
                               </m:ctrlPr>
                             </m:fPr>
@@ -10600,7 +15035,7 @@
                                   <a:solidFill>
                                     <a:prstClr val="black"/>
                                   </a:solidFill>
-                                  <a:latin typeface="Cambria Math" panose="02040503050406030204" pitchFamily="18" charset="0"/>
+                                  <a:latin typeface="Cambria Math"/>
                                 </a:rPr>
                               </m:ctrlPr>
                             </m:sSupPr>
@@ -10643,7 +15078,7 @@
                                   <a:solidFill>
                                     <a:prstClr val="black"/>
                                   </a:solidFill>
-                                  <a:latin typeface="Cambria Math" panose="02040503050406030204" pitchFamily="18" charset="0"/>
+                                  <a:latin typeface="Cambria Math"/>
                                 </a:rPr>
                               </m:ctrlPr>
                             </m:fPr>
@@ -10686,7 +15121,7 @@
                                   <a:solidFill>
                                     <a:prstClr val="black"/>
                                   </a:solidFill>
-                                  <a:latin typeface="Cambria Math" panose="02040503050406030204" pitchFamily="18" charset="0"/>
+                                  <a:latin typeface="Cambria Math"/>
                                 </a:rPr>
                               </m:ctrlPr>
                             </m:fPr>
@@ -10837,7 +15272,7 @@
                               <a:solidFill>
                                 <a:prstClr val="black"/>
                               </a:solidFill>
-                              <a:latin typeface="Cambria Math" panose="02040503050406030204" pitchFamily="18" charset="0"/>
+                              <a:latin typeface="Cambria Math"/>
                             </a:rPr>
                           </m:ctrlPr>
                         </m:sSubSupPr>
@@ -10894,7 +15329,7 @@
                               <a:solidFill>
                                 <a:prstClr val="black"/>
                               </a:solidFill>
-                              <a:latin typeface="Cambria Math" panose="02040503050406030204" pitchFamily="18" charset="0"/>
+                              <a:latin typeface="Cambria Math"/>
                             </a:rPr>
                           </m:ctrlPr>
                         </m:fPr>
@@ -10957,7 +15392,7 @@
                               <a:solidFill>
                                 <a:prstClr val="black"/>
                               </a:solidFill>
-                              <a:latin typeface="Cambria Math" panose="02040503050406030204" pitchFamily="18" charset="0"/>
+                              <a:latin typeface="Cambria Math"/>
                               <a:ea typeface="Cambria Math" panose="02040503050406030204" pitchFamily="18" charset="0"/>
                             </a:rPr>
                           </m:ctrlPr>
@@ -11154,7 +15589,7 @@
           <p:cNvPr id="2" name="TextBox 1">
             <a:extLst>
               <a:ext uri="{FF2B5EF4-FFF2-40B4-BE49-F238E27FC236}">
-                <a16:creationId xmlns:a16="http://schemas.microsoft.com/office/drawing/2014/main" id="{F7BB13D1-3D49-4FFC-BC38-3943546C3A33}"/>
+                <a16:creationId xmlns:a16="http://schemas.microsoft.com/office/drawing/2014/main" xmlns="" id="{F7BB13D1-3D49-4FFC-BC38-3943546C3A33}"/>
               </a:ext>
             </a:extLst>
           </p:cNvPr>
@@ -11189,7 +15624,7 @@
           <p:cNvPr id="3" name="TextBox 2">
             <a:extLst>
               <a:ext uri="{FF2B5EF4-FFF2-40B4-BE49-F238E27FC236}">
-                <a16:creationId xmlns:a16="http://schemas.microsoft.com/office/drawing/2014/main" id="{EB2BB863-01A4-43BF-B2F3-EAB521A1E210}"/>
+                <a16:creationId xmlns:a16="http://schemas.microsoft.com/office/drawing/2014/main" xmlns="" id="{EB2BB863-01A4-43BF-B2F3-EAB521A1E210}"/>
               </a:ext>
             </a:extLst>
           </p:cNvPr>
@@ -11232,7 +15667,1607 @@
 </p:sld>
 </file>
 
-<file path=ppt/slides/slide16.xml><?xml version="1.0" encoding="utf-8"?>
+<file path=ppt/slides/slide19.xml><?xml version="1.0" encoding="utf-8"?>
+<p:sld xmlns:a="http://schemas.openxmlformats.org/drawingml/2006/main" xmlns:r="http://schemas.openxmlformats.org/officeDocument/2006/relationships" xmlns:p="http://schemas.openxmlformats.org/presentationml/2006/main">
+  <p:cSld>
+    <p:spTree>
+      <p:nvGrpSpPr>
+        <p:cNvPr id="1" name=""/>
+        <p:cNvGrpSpPr/>
+        <p:nvPr/>
+      </p:nvGrpSpPr>
+      <p:grpSpPr>
+        <a:xfrm>
+          <a:off x="0" y="0"/>
+          <a:ext cx="0" cy="0"/>
+          <a:chOff x="0" y="0"/>
+          <a:chExt cx="0" cy="0"/>
+        </a:xfrm>
+      </p:grpSpPr>
+      <mc:AlternateContent xmlns:mc="http://schemas.openxmlformats.org/markup-compatibility/2006" xmlns:a14="http://schemas.microsoft.com/office/drawing/2010/main">
+        <mc:Choice Requires="a14">
+          <p:sp>
+            <p:nvSpPr>
+              <p:cNvPr id="5" name="TextBox 4"/>
+              <p:cNvSpPr txBox="1"/>
+              <p:nvPr/>
+            </p:nvSpPr>
+            <p:spPr>
+              <a:xfrm>
+                <a:off x="1059419" y="5631850"/>
+                <a:ext cx="7335213" cy="693844"/>
+              </a:xfrm>
+              <a:prstGeom prst="rect">
+                <a:avLst/>
+              </a:prstGeom>
+              <a:noFill/>
+            </p:spPr>
+            <p:txBody>
+              <a:bodyPr wrap="none" lIns="0" tIns="0" rIns="0" bIns="0" rtlCol="0">
+                <a:spAutoFit/>
+              </a:bodyPr>
+              <a:lstStyle/>
+              <a:p>
+                <a:pPr/>
+                <a14:m>
+                  <m:oMathPara xmlns:m="http://schemas.openxmlformats.org/officeDocument/2006/math">
+                    <m:oMathParaPr>
+                      <m:jc m:val="centerGroup"/>
+                    </m:oMathParaPr>
+                    <m:oMath xmlns:m="http://schemas.openxmlformats.org/officeDocument/2006/math">
+                      <m:r>
+                        <a:rPr lang="en-US" sz="2400" b="0" i="1" smtClean="0">
+                          <a:latin typeface="Cambria Math" panose="02040503050406030204" pitchFamily="18" charset="0"/>
+                          <a:ea typeface="Cambria Math" panose="02040503050406030204" pitchFamily="18" charset="0"/>
+                        </a:rPr>
+                        <m:t>∴  </m:t>
+                      </m:r>
+                      <m:f>
+                        <m:fPr>
+                          <m:ctrlPr>
+                            <a:rPr lang="en-US" sz="2400" b="0" i="1" smtClean="0">
+                              <a:latin typeface="Cambria Math"/>
+                            </a:rPr>
+                          </m:ctrlPr>
+                        </m:fPr>
+                        <m:num>
+                          <m:r>
+                            <a:rPr lang="en-US" sz="2400" b="0" i="1" smtClean="0">
+                              <a:latin typeface="Cambria Math" panose="02040503050406030204" pitchFamily="18" charset="0"/>
+                            </a:rPr>
+                            <m:t>1</m:t>
+                          </m:r>
+                        </m:num>
+                        <m:den>
+                          <m:r>
+                            <a:rPr lang="en-US" sz="2400" b="0" i="1" smtClean="0">
+                              <a:latin typeface="Cambria Math" panose="02040503050406030204" pitchFamily="18" charset="0"/>
+                            </a:rPr>
+                            <m:t>𝐿𝐶</m:t>
+                          </m:r>
+                        </m:den>
+                      </m:f>
+                      <m:r>
+                        <a:rPr lang="en-US" sz="2400" b="0" i="1" smtClean="0">
+                          <a:latin typeface="Cambria Math" panose="02040503050406030204" pitchFamily="18" charset="0"/>
+                        </a:rPr>
+                        <m:t>=3.94</m:t>
+                      </m:r>
+                      <m:r>
+                        <a:rPr lang="en-US" sz="2400" b="0" i="1" smtClean="0">
+                          <a:latin typeface="Cambria Math" panose="02040503050406030204" pitchFamily="18" charset="0"/>
+                          <a:ea typeface="Cambria Math" panose="02040503050406030204" pitchFamily="18" charset="0"/>
+                        </a:rPr>
+                        <m:t>×</m:t>
+                      </m:r>
+                      <m:sSup>
+                        <m:sSupPr>
+                          <m:ctrlPr>
+                            <a:rPr lang="en-US" sz="2400" b="0" i="1" smtClean="0">
+                              <a:latin typeface="Cambria Math"/>
+                              <a:ea typeface="Cambria Math" panose="02040503050406030204" pitchFamily="18" charset="0"/>
+                            </a:rPr>
+                          </m:ctrlPr>
+                        </m:sSupPr>
+                        <m:e>
+                          <m:r>
+                            <a:rPr lang="en-US" sz="2400" b="0" i="1" smtClean="0">
+                              <a:latin typeface="Cambria Math" panose="02040503050406030204" pitchFamily="18" charset="0"/>
+                              <a:ea typeface="Cambria Math" panose="02040503050406030204" pitchFamily="18" charset="0"/>
+                            </a:rPr>
+                            <m:t>10</m:t>
+                          </m:r>
+                        </m:e>
+                        <m:sup>
+                          <m:r>
+                            <a:rPr lang="en-US" sz="2400" b="0" i="1" smtClean="0">
+                              <a:latin typeface="Cambria Math" panose="02040503050406030204" pitchFamily="18" charset="0"/>
+                              <a:ea typeface="Cambria Math" panose="02040503050406030204" pitchFamily="18" charset="0"/>
+                            </a:rPr>
+                            <m:t>7</m:t>
+                          </m:r>
+                        </m:sup>
+                      </m:sSup>
+                      <m:r>
+                        <a:rPr lang="en-US" sz="2400" b="0" i="1" smtClean="0">
+                          <a:latin typeface="Cambria Math" panose="02040503050406030204" pitchFamily="18" charset="0"/>
+                          <a:ea typeface="Cambria Math" panose="02040503050406030204" pitchFamily="18" charset="0"/>
+                        </a:rPr>
+                        <m:t>, </m:t>
+                      </m:r>
+                      <m:r>
+                        <a:rPr lang="en-US" sz="2400" b="0" i="1" smtClean="0">
+                          <a:latin typeface="Cambria Math" panose="02040503050406030204" pitchFamily="18" charset="0"/>
+                          <a:ea typeface="Cambria Math" panose="02040503050406030204" pitchFamily="18" charset="0"/>
+                        </a:rPr>
+                        <m:t>𝑠𝑢𝑏𝑠𝑡𝑖𝑡𝑢𝑡𝑒</m:t>
+                      </m:r>
+                      <m:r>
+                        <a:rPr lang="en-US" sz="2400" b="0" i="1" smtClean="0">
+                          <a:latin typeface="Cambria Math" panose="02040503050406030204" pitchFamily="18" charset="0"/>
+                          <a:ea typeface="Cambria Math" panose="02040503050406030204" pitchFamily="18" charset="0"/>
+                        </a:rPr>
+                        <m:t> </m:t>
+                      </m:r>
+                      <m:r>
+                        <a:rPr lang="en-US" sz="2400" b="0" i="1" smtClean="0">
+                          <a:latin typeface="Cambria Math" panose="02040503050406030204" pitchFamily="18" charset="0"/>
+                          <a:ea typeface="Cambria Math" panose="02040503050406030204" pitchFamily="18" charset="0"/>
+                        </a:rPr>
+                        <m:t>𝑓𝑜𝑟</m:t>
+                      </m:r>
+                      <m:r>
+                        <a:rPr lang="en-US" sz="2400" b="0" i="1" smtClean="0">
+                          <a:latin typeface="Cambria Math" panose="02040503050406030204" pitchFamily="18" charset="0"/>
+                          <a:ea typeface="Cambria Math" panose="02040503050406030204" pitchFamily="18" charset="0"/>
+                        </a:rPr>
+                        <m:t> </m:t>
+                      </m:r>
+                      <m:r>
+                        <a:rPr lang="en-US" sz="2400" b="0" i="1" smtClean="0">
+                          <a:latin typeface="Cambria Math" panose="02040503050406030204" pitchFamily="18" charset="0"/>
+                          <a:ea typeface="Cambria Math" panose="02040503050406030204" pitchFamily="18" charset="0"/>
+                        </a:rPr>
+                        <m:t>𝐿</m:t>
+                      </m:r>
+                      <m:r>
+                        <a:rPr lang="en-US" sz="2400" b="0" i="1" smtClean="0">
+                          <a:latin typeface="Cambria Math" panose="02040503050406030204" pitchFamily="18" charset="0"/>
+                          <a:ea typeface="Cambria Math" panose="02040503050406030204" pitchFamily="18" charset="0"/>
+                        </a:rPr>
+                        <m:t>=1 ∴</m:t>
+                      </m:r>
+                      <m:r>
+                        <a:rPr lang="en-US" sz="2400" b="0" i="1" smtClean="0">
+                          <a:latin typeface="Cambria Math" panose="02040503050406030204" pitchFamily="18" charset="0"/>
+                          <a:ea typeface="Cambria Math" panose="02040503050406030204" pitchFamily="18" charset="0"/>
+                        </a:rPr>
+                        <m:t>𝐶</m:t>
+                      </m:r>
+                      <m:r>
+                        <a:rPr lang="en-US" sz="2400" b="0" i="1" dirty="0" smtClean="0">
+                          <a:latin typeface="Cambria Math" panose="02040503050406030204" pitchFamily="18" charset="0"/>
+                          <a:ea typeface="Cambria Math" panose="02040503050406030204" pitchFamily="18" charset="0"/>
+                        </a:rPr>
+                        <m:t>≅</m:t>
+                      </m:r>
+                      <m:r>
+                        <a:rPr lang="en-US" sz="2400" b="0" i="1" smtClean="0">
+                          <a:latin typeface="Cambria Math" panose="02040503050406030204" pitchFamily="18" charset="0"/>
+                          <a:ea typeface="Cambria Math" panose="02040503050406030204" pitchFamily="18" charset="0"/>
+                        </a:rPr>
+                        <m:t>25 </m:t>
+                      </m:r>
+                      <m:r>
+                        <a:rPr lang="en-US" sz="2400" b="0" i="1" smtClean="0">
+                          <a:latin typeface="Cambria Math" panose="02040503050406030204" pitchFamily="18" charset="0"/>
+                          <a:ea typeface="Cambria Math" panose="02040503050406030204" pitchFamily="18" charset="0"/>
+                        </a:rPr>
+                        <m:t>𝑛𝐹</m:t>
+                      </m:r>
+                    </m:oMath>
+                  </m:oMathPara>
+                </a14:m>
+                <a:endParaRPr lang="en-US" sz="2400" dirty="0"/>
+              </a:p>
+            </p:txBody>
+          </p:sp>
+        </mc:Choice>
+        <mc:Fallback xmlns="">
+          <p:sp>
+            <p:nvSpPr>
+              <p:cNvPr id="5" name="TextBox 4"/>
+              <p:cNvSpPr txBox="1">
+                <a:spLocks noRot="1" noChangeAspect="1" noMove="1" noResize="1" noEditPoints="1" noAdjustHandles="1" noChangeArrowheads="1" noChangeShapeType="1" noTextEdit="1"/>
+              </p:cNvSpPr>
+              <p:nvPr/>
+            </p:nvSpPr>
+            <p:spPr>
+              <a:xfrm>
+                <a:off x="1059419" y="5631850"/>
+                <a:ext cx="7335213" cy="693844"/>
+              </a:xfrm>
+              <a:prstGeom prst="rect">
+                <a:avLst/>
+              </a:prstGeom>
+              <a:blipFill>
+                <a:blip r:embed="rId2"/>
+                <a:stretch>
+                  <a:fillRect/>
+                </a:stretch>
+              </a:blipFill>
+            </p:spPr>
+            <p:txBody>
+              <a:bodyPr/>
+              <a:lstStyle/>
+              <a:p>
+                <a:r>
+                  <a:rPr lang="en-GB">
+                    <a:noFill/>
+                  </a:rPr>
+                  <a:t> </a:t>
+                </a:r>
+              </a:p>
+            </p:txBody>
+          </p:sp>
+        </mc:Fallback>
+      </mc:AlternateContent>
+      <mc:AlternateContent xmlns:mc="http://schemas.openxmlformats.org/markup-compatibility/2006" xmlns:a14="http://schemas.microsoft.com/office/drawing/2010/main">
+        <mc:Choice Requires="a14">
+          <p:sp>
+            <p:nvSpPr>
+              <p:cNvPr id="7" name="Rectangle 6"/>
+              <p:cNvSpPr/>
+              <p:nvPr/>
+            </p:nvSpPr>
+            <p:spPr>
+              <a:xfrm>
+                <a:off x="2713839" y="879228"/>
+                <a:ext cx="3079433" cy="1325684"/>
+              </a:xfrm>
+              <a:prstGeom prst="rect">
+                <a:avLst/>
+              </a:prstGeom>
+            </p:spPr>
+            <p:txBody>
+              <a:bodyPr wrap="none">
+                <a:spAutoFit/>
+              </a:bodyPr>
+              <a:lstStyle/>
+              <a:p>
+                <a:pPr/>
+                <a14:m>
+                  <m:oMathPara xmlns:m="http://schemas.openxmlformats.org/officeDocument/2006/math">
+                    <m:oMathParaPr>
+                      <m:jc m:val="centerGroup"/>
+                    </m:oMathParaPr>
+                    <m:oMath xmlns:m="http://schemas.openxmlformats.org/officeDocument/2006/math">
+                      <m:r>
+                        <a:rPr lang="en-US" sz="2400" b="0" i="1" smtClean="0">
+                          <a:solidFill>
+                            <a:prstClr val="black"/>
+                          </a:solidFill>
+                          <a:latin typeface="Cambria Math" panose="02040503050406030204" pitchFamily="18" charset="0"/>
+                        </a:rPr>
+                        <m:t>𝐻</m:t>
+                      </m:r>
+                      <m:r>
+                        <a:rPr lang="en-US" sz="2400" b="0" i="1" smtClean="0">
+                          <a:solidFill>
+                            <a:prstClr val="black"/>
+                          </a:solidFill>
+                          <a:latin typeface="Cambria Math" panose="02040503050406030204" pitchFamily="18" charset="0"/>
+                        </a:rPr>
+                        <m:t>(</m:t>
+                      </m:r>
+                      <m:r>
+                        <a:rPr lang="en-US" sz="2400" b="0" i="1" smtClean="0">
+                          <a:solidFill>
+                            <a:prstClr val="black"/>
+                          </a:solidFill>
+                          <a:latin typeface="Cambria Math" panose="02040503050406030204" pitchFamily="18" charset="0"/>
+                        </a:rPr>
+                        <m:t>𝑠</m:t>
+                      </m:r>
+                      <m:r>
+                        <a:rPr lang="en-US" sz="2400" b="0" i="1" smtClean="0">
+                          <a:solidFill>
+                            <a:prstClr val="black"/>
+                          </a:solidFill>
+                          <a:latin typeface="Cambria Math" panose="02040503050406030204" pitchFamily="18" charset="0"/>
+                        </a:rPr>
+                        <m:t>)=</m:t>
+                      </m:r>
+                      <m:f>
+                        <m:fPr>
+                          <m:ctrlPr>
+                            <a:rPr lang="en-US" sz="2400" i="1">
+                              <a:solidFill>
+                                <a:prstClr val="black"/>
+                              </a:solidFill>
+                              <a:latin typeface="Cambria Math"/>
+                            </a:rPr>
+                          </m:ctrlPr>
+                        </m:fPr>
+                        <m:num>
+                          <m:f>
+                            <m:fPr>
+                              <m:ctrlPr>
+                                <a:rPr lang="en-US" sz="2400" i="1">
+                                  <a:solidFill>
+                                    <a:prstClr val="black"/>
+                                  </a:solidFill>
+                                  <a:latin typeface="Cambria Math"/>
+                                </a:rPr>
+                              </m:ctrlPr>
+                            </m:fPr>
+                            <m:num>
+                              <m:r>
+                                <a:rPr lang="en-US" sz="2400" i="1">
+                                  <a:solidFill>
+                                    <a:prstClr val="black"/>
+                                  </a:solidFill>
+                                  <a:latin typeface="Cambria Math" panose="02040503050406030204" pitchFamily="18" charset="0"/>
+                                </a:rPr>
+                                <m:t>1</m:t>
+                              </m:r>
+                            </m:num>
+                            <m:den>
+                              <m:r>
+                                <a:rPr lang="en-US" sz="2400" i="1">
+                                  <a:solidFill>
+                                    <a:prstClr val="black"/>
+                                  </a:solidFill>
+                                  <a:latin typeface="Cambria Math" panose="02040503050406030204" pitchFamily="18" charset="0"/>
+                                </a:rPr>
+                                <m:t>𝐿𝐶</m:t>
+                              </m:r>
+                            </m:den>
+                          </m:f>
+                        </m:num>
+                        <m:den>
+                          <m:sSup>
+                            <m:sSupPr>
+                              <m:ctrlPr>
+                                <a:rPr lang="en-US" sz="2400" i="1">
+                                  <a:solidFill>
+                                    <a:prstClr val="black"/>
+                                  </a:solidFill>
+                                  <a:latin typeface="Cambria Math"/>
+                                </a:rPr>
+                              </m:ctrlPr>
+                            </m:sSupPr>
+                            <m:e>
+                              <m:r>
+                                <a:rPr lang="en-US" sz="2400" i="1">
+                                  <a:solidFill>
+                                    <a:prstClr val="black"/>
+                                  </a:solidFill>
+                                  <a:latin typeface="Cambria Math" panose="02040503050406030204" pitchFamily="18" charset="0"/>
+                                </a:rPr>
+                                <m:t>𝑠</m:t>
+                              </m:r>
+                            </m:e>
+                            <m:sup>
+                              <m:r>
+                                <a:rPr lang="en-US" sz="2400" i="1">
+                                  <a:solidFill>
+                                    <a:prstClr val="black"/>
+                                  </a:solidFill>
+                                  <a:latin typeface="Cambria Math" panose="02040503050406030204" pitchFamily="18" charset="0"/>
+                                </a:rPr>
+                                <m:t>2</m:t>
+                              </m:r>
+                            </m:sup>
+                          </m:sSup>
+                          <m:r>
+                            <a:rPr lang="en-US" sz="2400" i="1">
+                              <a:solidFill>
+                                <a:prstClr val="black"/>
+                              </a:solidFill>
+                              <a:latin typeface="Cambria Math" panose="02040503050406030204" pitchFamily="18" charset="0"/>
+                            </a:rPr>
+                            <m:t>+</m:t>
+                          </m:r>
+                          <m:f>
+                            <m:fPr>
+                              <m:ctrlPr>
+                                <a:rPr lang="en-US" sz="2400" i="1">
+                                  <a:solidFill>
+                                    <a:prstClr val="black"/>
+                                  </a:solidFill>
+                                  <a:latin typeface="Cambria Math"/>
+                                </a:rPr>
+                              </m:ctrlPr>
+                            </m:fPr>
+                            <m:num>
+                              <m:r>
+                                <a:rPr lang="en-US" sz="2400" i="1">
+                                  <a:solidFill>
+                                    <a:prstClr val="black"/>
+                                  </a:solidFill>
+                                  <a:latin typeface="Cambria Math" panose="02040503050406030204" pitchFamily="18" charset="0"/>
+                                </a:rPr>
+                                <m:t>𝑠</m:t>
+                              </m:r>
+                            </m:num>
+                            <m:den>
+                              <m:r>
+                                <a:rPr lang="en-US" sz="2400" i="1">
+                                  <a:solidFill>
+                                    <a:prstClr val="black"/>
+                                  </a:solidFill>
+                                  <a:latin typeface="Cambria Math" panose="02040503050406030204" pitchFamily="18" charset="0"/>
+                                </a:rPr>
+                                <m:t>𝑅𝐶</m:t>
+                              </m:r>
+                            </m:den>
+                          </m:f>
+                          <m:r>
+                            <a:rPr lang="en-US" sz="2400" i="1">
+                              <a:solidFill>
+                                <a:prstClr val="black"/>
+                              </a:solidFill>
+                              <a:latin typeface="Cambria Math" panose="02040503050406030204" pitchFamily="18" charset="0"/>
+                            </a:rPr>
+                            <m:t>+</m:t>
+                          </m:r>
+                          <m:f>
+                            <m:fPr>
+                              <m:ctrlPr>
+                                <a:rPr lang="en-US" sz="2400" i="1">
+                                  <a:solidFill>
+                                    <a:prstClr val="black"/>
+                                  </a:solidFill>
+                                  <a:latin typeface="Cambria Math"/>
+                                </a:rPr>
+                              </m:ctrlPr>
+                            </m:fPr>
+                            <m:num>
+                              <m:r>
+                                <a:rPr lang="en-US" sz="2400" i="1">
+                                  <a:solidFill>
+                                    <a:prstClr val="black"/>
+                                  </a:solidFill>
+                                  <a:latin typeface="Cambria Math" panose="02040503050406030204" pitchFamily="18" charset="0"/>
+                                </a:rPr>
+                                <m:t>1</m:t>
+                              </m:r>
+                            </m:num>
+                            <m:den>
+                              <m:r>
+                                <a:rPr lang="en-US" sz="2400" i="1">
+                                  <a:solidFill>
+                                    <a:prstClr val="black"/>
+                                  </a:solidFill>
+                                  <a:latin typeface="Cambria Math" panose="02040503050406030204" pitchFamily="18" charset="0"/>
+                                </a:rPr>
+                                <m:t>𝐿𝐶</m:t>
+                              </m:r>
+                            </m:den>
+                          </m:f>
+                        </m:den>
+                      </m:f>
+                    </m:oMath>
+                  </m:oMathPara>
+                </a14:m>
+                <a:endParaRPr lang="en-US" dirty="0"/>
+              </a:p>
+            </p:txBody>
+          </p:sp>
+        </mc:Choice>
+        <mc:Fallback xmlns="">
+          <p:sp>
+            <p:nvSpPr>
+              <p:cNvPr id="7" name="Rectangle 6"/>
+              <p:cNvSpPr>
+                <a:spLocks noRot="1" noChangeAspect="1" noMove="1" noResize="1" noEditPoints="1" noAdjustHandles="1" noChangeArrowheads="1" noChangeShapeType="1" noTextEdit="1"/>
+              </p:cNvSpPr>
+              <p:nvPr/>
+            </p:nvSpPr>
+            <p:spPr>
+              <a:xfrm>
+                <a:off x="2713839" y="879228"/>
+                <a:ext cx="3079433" cy="1325684"/>
+              </a:xfrm>
+              <a:prstGeom prst="rect">
+                <a:avLst/>
+              </a:prstGeom>
+              <a:blipFill>
+                <a:blip r:embed="rId3"/>
+                <a:stretch>
+                  <a:fillRect/>
+                </a:stretch>
+              </a:blipFill>
+            </p:spPr>
+            <p:txBody>
+              <a:bodyPr/>
+              <a:lstStyle/>
+              <a:p>
+                <a:r>
+                  <a:rPr lang="en-GB">
+                    <a:noFill/>
+                  </a:rPr>
+                  <a:t> </a:t>
+                </a:r>
+              </a:p>
+            </p:txBody>
+          </p:sp>
+        </mc:Fallback>
+      </mc:AlternateContent>
+      <p:sp>
+        <p:nvSpPr>
+          <p:cNvPr id="8" name="TextBox 7"/>
+          <p:cNvSpPr txBox="1"/>
+          <p:nvPr/>
+        </p:nvSpPr>
+        <p:spPr>
+          <a:xfrm>
+            <a:off x="972648" y="4345842"/>
+            <a:ext cx="10766841" cy="707886"/>
+          </a:xfrm>
+          <a:prstGeom prst="rect">
+            <a:avLst/>
+          </a:prstGeom>
+          <a:noFill/>
+        </p:spPr>
+        <p:txBody>
+          <a:bodyPr wrap="square" rtlCol="0">
+            <a:spAutoFit/>
+          </a:bodyPr>
+          <a:lstStyle/>
+          <a:p>
+            <a:pPr algn="just"/>
+            <a:r>
+              <a:rPr lang="en-US" sz="2000" i="1" dirty="0"/>
+              <a:t>Since we have 3 unknowns and one equation. We can assume the values of 2 unknowns and compute the 3</a:t>
+            </a:r>
+            <a:r>
+              <a:rPr lang="en-US" sz="2000" i="1" baseline="30000" dirty="0"/>
+              <a:t>rd</a:t>
+            </a:r>
+            <a:r>
+              <a:rPr lang="en-US" sz="2000" i="1" dirty="0"/>
+              <a:t>.</a:t>
+            </a:r>
+          </a:p>
+        </p:txBody>
+      </p:sp>
+      <mc:AlternateContent xmlns:mc="http://schemas.openxmlformats.org/markup-compatibility/2006" xmlns:a14="http://schemas.microsoft.com/office/drawing/2010/main">
+        <mc:Choice Requires="a14">
+          <p:sp>
+            <p:nvSpPr>
+              <p:cNvPr id="11" name="Rectangle 10"/>
+              <p:cNvSpPr/>
+              <p:nvPr/>
+            </p:nvSpPr>
+            <p:spPr>
+              <a:xfrm>
+                <a:off x="3582519" y="3496249"/>
+                <a:ext cx="3287503" cy="786177"/>
+              </a:xfrm>
+              <a:prstGeom prst="rect">
+                <a:avLst/>
+              </a:prstGeom>
+            </p:spPr>
+            <p:txBody>
+              <a:bodyPr wrap="none">
+                <a:spAutoFit/>
+              </a:bodyPr>
+              <a:lstStyle/>
+              <a:p>
+                <a:pPr/>
+                <a14:m>
+                  <m:oMathPara xmlns:m="http://schemas.openxmlformats.org/officeDocument/2006/math">
+                    <m:oMathParaPr>
+                      <m:jc m:val="centerGroup"/>
+                    </m:oMathParaPr>
+                    <m:oMath xmlns:m="http://schemas.openxmlformats.org/officeDocument/2006/math">
+                      <m:sSubSup>
+                        <m:sSubSupPr>
+                          <m:ctrlPr>
+                            <a:rPr lang="en-US" sz="2400" i="1">
+                              <a:solidFill>
+                                <a:prstClr val="black"/>
+                              </a:solidFill>
+                              <a:latin typeface="Cambria Math"/>
+                            </a:rPr>
+                          </m:ctrlPr>
+                        </m:sSubSupPr>
+                        <m:e>
+                          <m:r>
+                            <m:rPr>
+                              <m:sty m:val="p"/>
+                            </m:rPr>
+                            <a:rPr lang="en-US" sz="2400" i="1">
+                              <a:solidFill>
+                                <a:prstClr val="black"/>
+                              </a:solidFill>
+                              <a:latin typeface="Cambria Math" panose="02040503050406030204" pitchFamily="18" charset="0"/>
+                            </a:rPr>
+                            <m:t>ω</m:t>
+                          </m:r>
+                        </m:e>
+                        <m:sub>
+                          <m:r>
+                            <a:rPr lang="en-US" sz="2400" i="1">
+                              <a:solidFill>
+                                <a:prstClr val="black"/>
+                              </a:solidFill>
+                              <a:latin typeface="Cambria Math" panose="02040503050406030204" pitchFamily="18" charset="0"/>
+                            </a:rPr>
+                            <m:t>0</m:t>
+                          </m:r>
+                        </m:sub>
+                        <m:sup>
+                          <m:r>
+                            <a:rPr lang="en-US" sz="2400" i="1">
+                              <a:solidFill>
+                                <a:prstClr val="black"/>
+                              </a:solidFill>
+                              <a:latin typeface="Cambria Math" panose="02040503050406030204" pitchFamily="18" charset="0"/>
+                            </a:rPr>
+                            <m:t>2</m:t>
+                          </m:r>
+                        </m:sup>
+                      </m:sSubSup>
+                      <m:r>
+                        <a:rPr lang="en-US" sz="2400" i="1">
+                          <a:solidFill>
+                            <a:prstClr val="black"/>
+                          </a:solidFill>
+                          <a:latin typeface="Cambria Math" panose="02040503050406030204" pitchFamily="18" charset="0"/>
+                        </a:rPr>
+                        <m:t>= </m:t>
+                      </m:r>
+                      <m:f>
+                        <m:fPr>
+                          <m:ctrlPr>
+                            <a:rPr lang="en-US" sz="2400" i="1">
+                              <a:solidFill>
+                                <a:prstClr val="black"/>
+                              </a:solidFill>
+                              <a:latin typeface="Cambria Math"/>
+                            </a:rPr>
+                          </m:ctrlPr>
+                        </m:fPr>
+                        <m:num>
+                          <m:r>
+                            <a:rPr lang="en-US" sz="2400" i="1">
+                              <a:solidFill>
+                                <a:prstClr val="black"/>
+                              </a:solidFill>
+                              <a:latin typeface="Cambria Math" panose="02040503050406030204" pitchFamily="18" charset="0"/>
+                            </a:rPr>
+                            <m:t>1</m:t>
+                          </m:r>
+                        </m:num>
+                        <m:den>
+                          <m:r>
+                            <a:rPr lang="en-US" sz="2400" i="1">
+                              <a:solidFill>
+                                <a:prstClr val="black"/>
+                              </a:solidFill>
+                              <a:latin typeface="Cambria Math" panose="02040503050406030204" pitchFamily="18" charset="0"/>
+                            </a:rPr>
+                            <m:t>𝐿𝐶</m:t>
+                          </m:r>
+                        </m:den>
+                      </m:f>
+                      <m:r>
+                        <a:rPr lang="en-US" sz="2400" i="1">
+                          <a:solidFill>
+                            <a:prstClr val="black"/>
+                          </a:solidFill>
+                          <a:latin typeface="Cambria Math" panose="02040503050406030204" pitchFamily="18" charset="0"/>
+                        </a:rPr>
+                        <m:t>=(2</m:t>
+                      </m:r>
+                      <m:r>
+                        <a:rPr lang="en-US" sz="2400" i="1">
+                          <a:solidFill>
+                            <a:prstClr val="black"/>
+                          </a:solidFill>
+                          <a:latin typeface="Cambria Math" panose="02040503050406030204" pitchFamily="18" charset="0"/>
+                          <a:ea typeface="Cambria Math" panose="02040503050406030204" pitchFamily="18" charset="0"/>
+                        </a:rPr>
+                        <m:t>𝜋</m:t>
+                      </m:r>
+                      <m:r>
+                        <a:rPr lang="en-US" sz="2400" i="1">
+                          <a:solidFill>
+                            <a:prstClr val="black"/>
+                          </a:solidFill>
+                          <a:latin typeface="Cambria Math" panose="02040503050406030204" pitchFamily="18" charset="0"/>
+                          <a:ea typeface="Cambria Math" panose="02040503050406030204" pitchFamily="18" charset="0"/>
+                        </a:rPr>
+                        <m:t>1000</m:t>
+                      </m:r>
+                      <m:sSup>
+                        <m:sSupPr>
+                          <m:ctrlPr>
+                            <a:rPr lang="en-US" sz="2400" i="1">
+                              <a:solidFill>
+                                <a:prstClr val="black"/>
+                              </a:solidFill>
+                              <a:latin typeface="Cambria Math"/>
+                              <a:ea typeface="Cambria Math" panose="02040503050406030204" pitchFamily="18" charset="0"/>
+                            </a:rPr>
+                          </m:ctrlPr>
+                        </m:sSupPr>
+                        <m:e>
+                          <m:r>
+                            <a:rPr lang="en-US" sz="2400" i="1">
+                              <a:solidFill>
+                                <a:prstClr val="black"/>
+                              </a:solidFill>
+                              <a:latin typeface="Cambria Math" panose="02040503050406030204" pitchFamily="18" charset="0"/>
+                              <a:ea typeface="Cambria Math" panose="02040503050406030204" pitchFamily="18" charset="0"/>
+                            </a:rPr>
+                            <m:t>)</m:t>
+                          </m:r>
+                        </m:e>
+                        <m:sup>
+                          <m:r>
+                            <a:rPr lang="en-US" sz="2400" i="1">
+                              <a:solidFill>
+                                <a:prstClr val="black"/>
+                              </a:solidFill>
+                              <a:latin typeface="Cambria Math" panose="02040503050406030204" pitchFamily="18" charset="0"/>
+                              <a:ea typeface="Cambria Math" panose="02040503050406030204" pitchFamily="18" charset="0"/>
+                            </a:rPr>
+                            <m:t>2</m:t>
+                          </m:r>
+                        </m:sup>
+                      </m:sSup>
+                    </m:oMath>
+                  </m:oMathPara>
+                </a14:m>
+                <a:endParaRPr lang="en-US" dirty="0"/>
+              </a:p>
+            </p:txBody>
+          </p:sp>
+        </mc:Choice>
+        <mc:Fallback xmlns="">
+          <p:sp>
+            <p:nvSpPr>
+              <p:cNvPr id="11" name="Rectangle 10"/>
+              <p:cNvSpPr>
+                <a:spLocks noRot="1" noChangeAspect="1" noMove="1" noResize="1" noEditPoints="1" noAdjustHandles="1" noChangeArrowheads="1" noChangeShapeType="1" noTextEdit="1"/>
+              </p:cNvSpPr>
+              <p:nvPr/>
+            </p:nvSpPr>
+            <p:spPr>
+              <a:xfrm>
+                <a:off x="3582519" y="3496249"/>
+                <a:ext cx="3287503" cy="786177"/>
+              </a:xfrm>
+              <a:prstGeom prst="rect">
+                <a:avLst/>
+              </a:prstGeom>
+              <a:blipFill>
+                <a:blip r:embed="rId4"/>
+                <a:stretch>
+                  <a:fillRect/>
+                </a:stretch>
+              </a:blipFill>
+            </p:spPr>
+            <p:txBody>
+              <a:bodyPr/>
+              <a:lstStyle/>
+              <a:p>
+                <a:r>
+                  <a:rPr lang="en-GB">
+                    <a:noFill/>
+                  </a:rPr>
+                  <a:t> </a:t>
+                </a:r>
+              </a:p>
+            </p:txBody>
+          </p:sp>
+        </mc:Fallback>
+      </mc:AlternateContent>
+      <p:sp>
+        <p:nvSpPr>
+          <p:cNvPr id="12" name="TextBox 11"/>
+          <p:cNvSpPr txBox="1"/>
+          <p:nvPr/>
+        </p:nvSpPr>
+        <p:spPr>
+          <a:xfrm>
+            <a:off x="1059419" y="5087262"/>
+            <a:ext cx="6388272" cy="369332"/>
+          </a:xfrm>
+          <a:prstGeom prst="rect">
+            <a:avLst/>
+          </a:prstGeom>
+        </p:spPr>
+        <p:txBody>
+          <a:bodyPr wrap="square" lIns="0" tIns="0" rIns="0" bIns="0">
+            <a:spAutoFit/>
+          </a:bodyPr>
+          <a:lstStyle>
+            <a:lvl1pPr>
+              <a:defRPr sz="4000" b="1">
+                <a:solidFill>
+                  <a:srgbClr val="0033CC"/>
+                </a:solidFill>
+                <a:latin typeface="Cambria" panose="02040503050406030204" pitchFamily="18" charset="0"/>
+                <a:ea typeface="Cambria" panose="02040503050406030204" pitchFamily="18" charset="0"/>
+                <a:cs typeface="+mj-cs"/>
+              </a:defRPr>
+            </a:lvl1pPr>
+          </a:lstStyle>
+          <a:p>
+            <a:r>
+              <a:rPr lang="en-US" sz="2400" dirty="0">
+                <a:solidFill>
+                  <a:srgbClr val="0000FF"/>
+                </a:solidFill>
+              </a:rPr>
+              <a:t>Assume R=1</a:t>
+            </a:r>
+            <a:r>
+              <a:rPr lang="el-GR" sz="2400" dirty="0">
+                <a:solidFill>
+                  <a:srgbClr val="0000FF"/>
+                </a:solidFill>
+              </a:rPr>
+              <a:t>Ω</a:t>
+            </a:r>
+            <a:r>
+              <a:rPr lang="en-US" sz="2400" dirty="0">
+                <a:solidFill>
+                  <a:srgbClr val="0000FF"/>
+                </a:solidFill>
+              </a:rPr>
+              <a:t> and L=1H.</a:t>
+            </a:r>
+          </a:p>
+        </p:txBody>
+      </p:sp>
+      <p:sp>
+        <p:nvSpPr>
+          <p:cNvPr id="13" name="TextBox 12"/>
+          <p:cNvSpPr txBox="1"/>
+          <p:nvPr/>
+        </p:nvSpPr>
+        <p:spPr>
+          <a:xfrm>
+            <a:off x="881138" y="2245151"/>
+            <a:ext cx="8491462" cy="461665"/>
+          </a:xfrm>
+          <a:prstGeom prst="rect">
+            <a:avLst/>
+          </a:prstGeom>
+          <a:noFill/>
+        </p:spPr>
+        <p:txBody>
+          <a:bodyPr wrap="square" rtlCol="0">
+            <a:spAutoFit/>
+          </a:bodyPr>
+          <a:lstStyle/>
+          <a:p>
+            <a:pPr algn="just"/>
+            <a:r>
+              <a:rPr lang="en-US" sz="2400" dirty="0"/>
+              <a:t>By comparing the above TF with the general TF of that of the LPF.</a:t>
+            </a:r>
+          </a:p>
+        </p:txBody>
+      </p:sp>
+      <p:sp>
+        <p:nvSpPr>
+          <p:cNvPr id="2" name="TextBox 1">
+            <a:extLst>
+              <a:ext uri="{FF2B5EF4-FFF2-40B4-BE49-F238E27FC236}">
+                <a16:creationId xmlns:a16="http://schemas.microsoft.com/office/drawing/2014/main" xmlns="" id="{F7BB13D1-3D49-4FFC-BC38-3943546C3A33}"/>
+              </a:ext>
+            </a:extLst>
+          </p:cNvPr>
+          <p:cNvSpPr txBox="1"/>
+          <p:nvPr/>
+        </p:nvSpPr>
+        <p:spPr>
+          <a:xfrm>
+            <a:off x="881138" y="555877"/>
+            <a:ext cx="7114320" cy="461665"/>
+          </a:xfrm>
+          <a:prstGeom prst="rect">
+            <a:avLst/>
+          </a:prstGeom>
+          <a:noFill/>
+        </p:spPr>
+        <p:txBody>
+          <a:bodyPr wrap="none" rtlCol="0">
+            <a:spAutoFit/>
+          </a:bodyPr>
+          <a:lstStyle/>
+          <a:p>
+            <a:r>
+              <a:rPr lang="en-US" sz="2400" dirty="0"/>
+              <a:t>Then we find the following TF based on circuit analysis: </a:t>
+            </a:r>
+          </a:p>
+        </p:txBody>
+      </p:sp>
+      <p:sp>
+        <p:nvSpPr>
+          <p:cNvPr id="3" name="TextBox 2">
+            <a:extLst>
+              <a:ext uri="{FF2B5EF4-FFF2-40B4-BE49-F238E27FC236}">
+                <a16:creationId xmlns:a16="http://schemas.microsoft.com/office/drawing/2014/main" xmlns="" id="{EB2BB863-01A4-43BF-B2F3-EAB521A1E210}"/>
+              </a:ext>
+            </a:extLst>
+          </p:cNvPr>
+          <p:cNvSpPr txBox="1"/>
+          <p:nvPr/>
+        </p:nvSpPr>
+        <p:spPr>
+          <a:xfrm>
+            <a:off x="881138" y="3776004"/>
+            <a:ext cx="1821589" cy="461665"/>
+          </a:xfrm>
+          <a:prstGeom prst="rect">
+            <a:avLst/>
+          </a:prstGeom>
+          <a:noFill/>
+        </p:spPr>
+        <p:txBody>
+          <a:bodyPr wrap="none" rtlCol="0">
+            <a:spAutoFit/>
+          </a:bodyPr>
+          <a:lstStyle/>
+          <a:p>
+            <a:r>
+              <a:rPr lang="en-US" sz="2400" dirty="0"/>
+              <a:t>We find that:</a:t>
+            </a:r>
+          </a:p>
+        </p:txBody>
+      </p:sp>
+      <mc:AlternateContent xmlns:mc="http://schemas.openxmlformats.org/markup-compatibility/2006">
+        <mc:Choice xmlns:a14="http://schemas.microsoft.com/office/drawing/2010/main" Requires="a14">
+          <p:sp>
+            <p:nvSpPr>
+              <p:cNvPr id="4" name="Rectangle 3"/>
+              <p:cNvSpPr/>
+              <p:nvPr/>
+            </p:nvSpPr>
+            <p:spPr>
+              <a:xfrm>
+                <a:off x="3249487" y="2706816"/>
+                <a:ext cx="2684966" cy="876587"/>
+              </a:xfrm>
+              <a:prstGeom prst="rect">
+                <a:avLst/>
+              </a:prstGeom>
+            </p:spPr>
+            <p:txBody>
+              <a:bodyPr wrap="none">
+                <a:spAutoFit/>
+              </a:bodyPr>
+              <a:lstStyle/>
+              <a:p>
+                <a:r>
+                  <a:rPr lang="en-US" sz="2800" b="1" i="1" dirty="0"/>
+                  <a:t>H(s) = </a:t>
+                </a:r>
+                <a14:m>
+                  <m:oMath xmlns:m="http://schemas.openxmlformats.org/officeDocument/2006/math">
+                    <m:f>
+                      <m:fPr>
+                        <m:ctrlPr>
+                          <a:rPr lang="en-US" sz="2800" b="1" i="1">
+                            <a:latin typeface="Cambria Math"/>
+                          </a:rPr>
+                        </m:ctrlPr>
+                      </m:fPr>
+                      <m:num>
+                        <m:r>
+                          <a:rPr lang="en-US" sz="2800" b="1" i="1">
+                            <a:latin typeface="Cambria Math"/>
+                          </a:rPr>
+                          <m:t>𝑲</m:t>
+                        </m:r>
+                        <m:sSubSup>
+                          <m:sSubSupPr>
+                            <m:ctrlPr>
+                              <a:rPr lang="en-US" sz="2800" b="1" i="1">
+                                <a:latin typeface="Cambria Math"/>
+                                <a:ea typeface="Cambria Math"/>
+                              </a:rPr>
+                            </m:ctrlPr>
+                          </m:sSubSupPr>
+                          <m:e>
+                            <m:r>
+                              <a:rPr lang="en-US" sz="2800" b="1" i="1">
+                                <a:latin typeface="Cambria Math"/>
+                                <a:ea typeface="Cambria Math"/>
+                              </a:rPr>
+                              <m:t>𝝎</m:t>
+                            </m:r>
+                          </m:e>
+                          <m:sub>
+                            <m:r>
+                              <a:rPr lang="en-US" sz="2800" b="1" i="1">
+                                <a:latin typeface="Cambria Math"/>
+                                <a:ea typeface="Cambria Math"/>
+                              </a:rPr>
+                              <m:t>𝟎</m:t>
+                            </m:r>
+                          </m:sub>
+                          <m:sup>
+                            <m:r>
+                              <a:rPr lang="en-US" sz="2800" b="1" i="1">
+                                <a:latin typeface="Cambria Math"/>
+                                <a:ea typeface="Cambria Math"/>
+                              </a:rPr>
+                              <m:t>𝟐</m:t>
+                            </m:r>
+                          </m:sup>
+                        </m:sSubSup>
+                      </m:num>
+                      <m:den>
+                        <m:r>
+                          <a:rPr lang="en-US" sz="2800" b="1" i="1">
+                            <a:latin typeface="Cambria Math"/>
+                          </a:rPr>
+                          <m:t>𝑺</m:t>
+                        </m:r>
+                        <m:r>
+                          <a:rPr lang="en-US" sz="2800" b="1" i="1">
+                            <a:latin typeface="Cambria Math"/>
+                          </a:rPr>
+                          <m:t>𝟐</m:t>
+                        </m:r>
+                        <m:r>
+                          <a:rPr lang="en-US" sz="2800" b="1" i="1">
+                            <a:latin typeface="Cambria Math"/>
+                          </a:rPr>
+                          <m:t>+</m:t>
+                        </m:r>
+                        <m:r>
+                          <a:rPr lang="en-US" sz="2800" b="1" i="1">
+                            <a:latin typeface="Cambria Math"/>
+                          </a:rPr>
+                          <m:t>𝟐</m:t>
+                        </m:r>
+                        <m:r>
+                          <a:rPr lang="en-US" sz="2800" b="1" i="1">
+                            <a:latin typeface="Cambria Math"/>
+                            <a:ea typeface="Cambria Math"/>
+                          </a:rPr>
+                          <m:t>𝝈</m:t>
+                        </m:r>
+                        <m:r>
+                          <a:rPr lang="en-US" sz="2800" b="1" i="1">
+                            <a:latin typeface="Cambria Math"/>
+                            <a:ea typeface="Cambria Math"/>
+                          </a:rPr>
+                          <m:t>𝑺</m:t>
+                        </m:r>
+                        <m:r>
+                          <a:rPr lang="en-US" sz="2800" b="1" i="1">
+                            <a:latin typeface="Cambria Math"/>
+                            <a:ea typeface="Cambria Math"/>
+                          </a:rPr>
+                          <m:t>+ </m:t>
+                        </m:r>
+                        <m:sSubSup>
+                          <m:sSubSupPr>
+                            <m:ctrlPr>
+                              <a:rPr lang="en-US" sz="2800" b="1" i="1">
+                                <a:latin typeface="Cambria Math"/>
+                                <a:ea typeface="Cambria Math"/>
+                              </a:rPr>
+                            </m:ctrlPr>
+                          </m:sSubSupPr>
+                          <m:e>
+                            <m:r>
+                              <a:rPr lang="en-US" sz="2800" b="1" i="1">
+                                <a:latin typeface="Cambria Math"/>
+                                <a:ea typeface="Cambria Math"/>
+                              </a:rPr>
+                              <m:t>𝝎</m:t>
+                            </m:r>
+                          </m:e>
+                          <m:sub>
+                            <m:r>
+                              <a:rPr lang="en-US" sz="2800" b="1" i="1">
+                                <a:latin typeface="Cambria Math"/>
+                                <a:ea typeface="Cambria Math"/>
+                              </a:rPr>
+                              <m:t>𝟎</m:t>
+                            </m:r>
+                          </m:sub>
+                          <m:sup>
+                            <m:r>
+                              <a:rPr lang="en-US" sz="2800" b="1" i="1">
+                                <a:latin typeface="Cambria Math"/>
+                                <a:ea typeface="Cambria Math"/>
+                              </a:rPr>
+                              <m:t>𝟐</m:t>
+                            </m:r>
+                          </m:sup>
+                        </m:sSubSup>
+                      </m:den>
+                    </m:f>
+                  </m:oMath>
+                </a14:m>
+                <a:endParaRPr lang="en-US" sz="2800" b="1" i="1" dirty="0"/>
+              </a:p>
+            </p:txBody>
+          </p:sp>
+        </mc:Choice>
+        <mc:Fallback>
+          <p:sp>
+            <p:nvSpPr>
+              <p:cNvPr id="4" name="Rectangle 3"/>
+              <p:cNvSpPr>
+                <a:spLocks noRot="1" noChangeAspect="1" noMove="1" noResize="1" noEditPoints="1" noAdjustHandles="1" noChangeArrowheads="1" noChangeShapeType="1" noTextEdit="1"/>
+              </p:cNvSpPr>
+              <p:nvPr/>
+            </p:nvSpPr>
+            <p:spPr>
+              <a:xfrm>
+                <a:off x="3249487" y="2706816"/>
+                <a:ext cx="2684966" cy="876587"/>
+              </a:xfrm>
+              <a:prstGeom prst="rect">
+                <a:avLst/>
+              </a:prstGeom>
+              <a:blipFill rotWithShape="1">
+                <a:blip r:embed="rId5"/>
+                <a:stretch>
+                  <a:fillRect l="-4545"/>
+                </a:stretch>
+              </a:blipFill>
+            </p:spPr>
+            <p:txBody>
+              <a:bodyPr/>
+              <a:lstStyle/>
+              <a:p>
+                <a:r>
+                  <a:rPr lang="en-US">
+                    <a:noFill/>
+                  </a:rPr>
+                  <a:t> </a:t>
+                </a:r>
+              </a:p>
+            </p:txBody>
+          </p:sp>
+        </mc:Fallback>
+      </mc:AlternateContent>
+      <p:sp>
+        <p:nvSpPr>
+          <p:cNvPr id="6" name="TextBox 5"/>
+          <p:cNvSpPr txBox="1"/>
+          <p:nvPr/>
+        </p:nvSpPr>
+        <p:spPr>
+          <a:xfrm>
+            <a:off x="881138" y="110169"/>
+            <a:ext cx="2258669" cy="369332"/>
+          </a:xfrm>
+          <a:prstGeom prst="rect">
+            <a:avLst/>
+          </a:prstGeom>
+          <a:noFill/>
+        </p:spPr>
+        <p:txBody>
+          <a:bodyPr wrap="square" rtlCol="0">
+            <a:spAutoFit/>
+          </a:bodyPr>
+          <a:lstStyle/>
+          <a:p>
+            <a:r>
+              <a:rPr lang="en-US" dirty="0" err="1" smtClean="0"/>
+              <a:t>salman</a:t>
+            </a:r>
+            <a:endParaRPr lang="en-US" dirty="0"/>
+          </a:p>
+        </p:txBody>
+      </p:sp>
+    </p:spTree>
+    <p:extLst>
+      <p:ext uri="{BB962C8B-B14F-4D97-AF65-F5344CB8AC3E}">
+        <p14:creationId xmlns:p14="http://schemas.microsoft.com/office/powerpoint/2010/main" val="3200155925"/>
+      </p:ext>
+    </p:extLst>
+  </p:cSld>
+  <p:clrMapOvr>
+    <a:masterClrMapping/>
+  </p:clrMapOvr>
+</p:sld>
+</file>
+
+<file path=ppt/slides/slide2.xml><?xml version="1.0" encoding="utf-8"?>
+<p:sld xmlns:a="http://schemas.openxmlformats.org/drawingml/2006/main" xmlns:r="http://schemas.openxmlformats.org/officeDocument/2006/relationships" xmlns:p="http://schemas.openxmlformats.org/presentationml/2006/main">
+  <p:cSld>
+    <p:spTree>
+      <p:nvGrpSpPr>
+        <p:cNvPr id="1" name=""/>
+        <p:cNvGrpSpPr/>
+        <p:nvPr/>
+      </p:nvGrpSpPr>
+      <p:grpSpPr>
+        <a:xfrm>
+          <a:off x="0" y="0"/>
+          <a:ext cx="0" cy="0"/>
+          <a:chOff x="0" y="0"/>
+          <a:chExt cx="0" cy="0"/>
+        </a:xfrm>
+      </p:grpSpPr>
+      <p:sp>
+        <p:nvSpPr>
+          <p:cNvPr id="2" name="مربع نص 1"/>
+          <p:cNvSpPr txBox="1"/>
+          <p:nvPr/>
+        </p:nvSpPr>
+        <p:spPr>
+          <a:xfrm>
+            <a:off x="387464" y="558856"/>
+            <a:ext cx="4834261" cy="1015663"/>
+          </a:xfrm>
+          <a:prstGeom prst="rect">
+            <a:avLst/>
+          </a:prstGeom>
+          <a:noFill/>
+        </p:spPr>
+        <p:txBody>
+          <a:bodyPr wrap="square" rtlCol="0">
+            <a:spAutoFit/>
+          </a:bodyPr>
+          <a:lstStyle/>
+          <a:p>
+            <a:pPr marL="0" marR="0" lvl="0" indent="0" algn="ctr" defTabSz="914400" rtl="0" eaLnBrk="1" fontAlgn="auto" latinLnBrk="0" hangingPunct="1">
+              <a:lnSpc>
+                <a:spcPct val="150000"/>
+              </a:lnSpc>
+              <a:spcBef>
+                <a:spcPts val="0"/>
+              </a:spcBef>
+              <a:spcAft>
+                <a:spcPts val="0"/>
+              </a:spcAft>
+              <a:buClrTx/>
+              <a:buSzTx/>
+              <a:buFontTx/>
+              <a:buNone/>
+              <a:tabLst/>
+              <a:defRPr/>
+            </a:pPr>
+            <a:r>
+              <a:rPr kumimoji="0" lang="en-US" sz="4000" b="1" i="0" u="none" strike="noStrike" kern="1200" cap="none" spc="0" normalizeH="0" baseline="0" noProof="0" dirty="0">
+                <a:ln>
+                  <a:noFill/>
+                </a:ln>
+                <a:solidFill>
+                  <a:srgbClr val="00B050"/>
+                </a:solidFill>
+                <a:effectLst/>
+                <a:uLnTx/>
+                <a:uFillTx/>
+                <a:latin typeface="Cambria" pitchFamily="18" charset="0"/>
+                <a:ea typeface="+mn-ea"/>
+                <a:cs typeface="+mn-cs"/>
+              </a:rPr>
+              <a:t>Announcement</a:t>
+            </a:r>
+          </a:p>
+        </p:txBody>
+      </p:sp>
+      <p:sp>
+        <p:nvSpPr>
+          <p:cNvPr id="3" name="TextBox 2"/>
+          <p:cNvSpPr txBox="1"/>
+          <p:nvPr/>
+        </p:nvSpPr>
+        <p:spPr>
+          <a:xfrm>
+            <a:off x="950647" y="1589500"/>
+            <a:ext cx="8691373" cy="1564980"/>
+          </a:xfrm>
+          <a:prstGeom prst="rect">
+            <a:avLst/>
+          </a:prstGeom>
+          <a:noFill/>
+        </p:spPr>
+        <p:txBody>
+          <a:bodyPr wrap="square" rtlCol="0">
+            <a:spAutoFit/>
+          </a:bodyPr>
+          <a:lstStyle/>
+          <a:p>
+            <a:pPr marL="514350" marR="0" lvl="0" indent="-514350" algn="l" defTabSz="914400" rtl="0" eaLnBrk="1" fontAlgn="auto" latinLnBrk="0" hangingPunct="1">
+              <a:lnSpc>
+                <a:spcPct val="150000"/>
+              </a:lnSpc>
+              <a:spcBef>
+                <a:spcPts val="0"/>
+              </a:spcBef>
+              <a:spcAft>
+                <a:spcPts val="0"/>
+              </a:spcAft>
+              <a:buClrTx/>
+              <a:buSzTx/>
+              <a:buFont typeface="+mj-lt"/>
+              <a:buAutoNum type="arabicPeriod"/>
+              <a:tabLst/>
+              <a:defRPr/>
+            </a:pPr>
+            <a:r>
+              <a:rPr kumimoji="0" lang="en-US" sz="3400" b="0" i="0" u="none" strike="noStrike" kern="1200" cap="none" spc="0" normalizeH="0" baseline="0" noProof="0" dirty="0">
+                <a:ln>
+                  <a:noFill/>
+                </a:ln>
+                <a:solidFill>
+                  <a:prstClr val="black"/>
+                </a:solidFill>
+                <a:effectLst/>
+                <a:uLnTx/>
+                <a:uFillTx/>
+                <a:latin typeface="Cambria" panose="02040503050406030204" pitchFamily="18" charset="0"/>
+                <a:ea typeface="Cambria" panose="02040503050406030204" pitchFamily="18" charset="0"/>
+                <a:cs typeface="+mn-cs"/>
+              </a:rPr>
+              <a:t>Midterm during week 8</a:t>
+            </a:r>
+          </a:p>
+          <a:p>
+            <a:pPr marL="514350" marR="0" lvl="0" indent="-514350" algn="l" defTabSz="914400" rtl="0" eaLnBrk="1" fontAlgn="auto" latinLnBrk="0" hangingPunct="1">
+              <a:lnSpc>
+                <a:spcPct val="150000"/>
+              </a:lnSpc>
+              <a:spcBef>
+                <a:spcPts val="0"/>
+              </a:spcBef>
+              <a:spcAft>
+                <a:spcPts val="0"/>
+              </a:spcAft>
+              <a:buClrTx/>
+              <a:buSzTx/>
+              <a:buFont typeface="+mj-lt"/>
+              <a:buAutoNum type="arabicPeriod"/>
+              <a:tabLst/>
+              <a:defRPr/>
+            </a:pPr>
+            <a:r>
+              <a:rPr lang="en-US" sz="3400" dirty="0">
+                <a:solidFill>
+                  <a:prstClr val="black"/>
+                </a:solidFill>
+                <a:latin typeface="Cambria" panose="02040503050406030204" pitchFamily="18" charset="0"/>
+                <a:ea typeface="Cambria" panose="02040503050406030204" pitchFamily="18" charset="0"/>
+              </a:rPr>
+              <a:t>PD 1 Voice Over PPT due in Week 10</a:t>
+            </a:r>
+            <a:endParaRPr kumimoji="0" lang="en-US" sz="3400" b="0" i="0" u="none" strike="noStrike" kern="1200" cap="none" spc="0" normalizeH="0" baseline="0" noProof="0" dirty="0">
+              <a:ln>
+                <a:noFill/>
+              </a:ln>
+              <a:solidFill>
+                <a:prstClr val="black"/>
+              </a:solidFill>
+              <a:effectLst/>
+              <a:uLnTx/>
+              <a:uFillTx/>
+              <a:latin typeface="Cambria" panose="02040503050406030204" pitchFamily="18" charset="0"/>
+              <a:ea typeface="Cambria" panose="02040503050406030204" pitchFamily="18" charset="0"/>
+              <a:cs typeface="+mn-cs"/>
+            </a:endParaRPr>
+          </a:p>
+        </p:txBody>
+      </p:sp>
+      <p:sp>
+        <p:nvSpPr>
+          <p:cNvPr id="4" name="Slide Number Placeholder 3"/>
+          <p:cNvSpPr>
+            <a:spLocks noGrp="1"/>
+          </p:cNvSpPr>
+          <p:nvPr>
+            <p:ph type="sldNum" idx="12"/>
+          </p:nvPr>
+        </p:nvSpPr>
+        <p:spPr>
+          <a:prstGeom prst="rect">
+            <a:avLst/>
+          </a:prstGeom>
+        </p:spPr>
+        <p:txBody>
+          <a:bodyPr wrap="square" lIns="0" tIns="0" rIns="0" bIns="0">
+            <a:spAutoFit/>
+          </a:bodyPr>
+          <a:lstStyle>
+            <a:defPPr>
+              <a:defRPr lang="en-US"/>
+            </a:defPPr>
+            <a:lvl1pPr marL="0" algn="r" defTabSz="914400" rtl="0" eaLnBrk="1" latinLnBrk="0" hangingPunct="1">
+              <a:defRPr sz="1800" kern="1200">
+                <a:solidFill>
+                  <a:schemeClr val="tx1">
+                    <a:tint val="75000"/>
+                  </a:schemeClr>
+                </a:solidFill>
+                <a:latin typeface="+mn-lt"/>
+                <a:ea typeface="+mn-ea"/>
+                <a:cs typeface="+mn-cs"/>
+              </a:defRPr>
+            </a:lvl1pPr>
+            <a:lvl2pPr marL="457200" algn="l" defTabSz="914400" rtl="0" eaLnBrk="1" latinLnBrk="0" hangingPunct="1">
+              <a:defRPr sz="1800" kern="1200">
+                <a:solidFill>
+                  <a:schemeClr val="tx1"/>
+                </a:solidFill>
+                <a:latin typeface="+mn-lt"/>
+                <a:ea typeface="+mn-ea"/>
+                <a:cs typeface="+mn-cs"/>
+              </a:defRPr>
+            </a:lvl2pPr>
+            <a:lvl3pPr marL="914400" algn="l" defTabSz="914400" rtl="0" eaLnBrk="1" latinLnBrk="0" hangingPunct="1">
+              <a:defRPr sz="1800" kern="1200">
+                <a:solidFill>
+                  <a:schemeClr val="tx1"/>
+                </a:solidFill>
+                <a:latin typeface="+mn-lt"/>
+                <a:ea typeface="+mn-ea"/>
+                <a:cs typeface="+mn-cs"/>
+              </a:defRPr>
+            </a:lvl3pPr>
+            <a:lvl4pPr marL="1371600" algn="l" defTabSz="914400" rtl="0" eaLnBrk="1" latinLnBrk="0" hangingPunct="1">
+              <a:defRPr sz="1800" kern="1200">
+                <a:solidFill>
+                  <a:schemeClr val="tx1"/>
+                </a:solidFill>
+                <a:latin typeface="+mn-lt"/>
+                <a:ea typeface="+mn-ea"/>
+                <a:cs typeface="+mn-cs"/>
+              </a:defRPr>
+            </a:lvl4pPr>
+            <a:lvl5pPr marL="1828800" algn="l" defTabSz="914400" rtl="0" eaLnBrk="1" latinLnBrk="0" hangingPunct="1">
+              <a:defRPr sz="1800" kern="1200">
+                <a:solidFill>
+                  <a:schemeClr val="tx1"/>
+                </a:solidFill>
+                <a:latin typeface="+mn-lt"/>
+                <a:ea typeface="+mn-ea"/>
+                <a:cs typeface="+mn-cs"/>
+              </a:defRPr>
+            </a:lvl5pPr>
+            <a:lvl6pPr marL="2286000" algn="l" defTabSz="914400" rtl="0" eaLnBrk="1" latinLnBrk="0" hangingPunct="1">
+              <a:defRPr sz="1800" kern="1200">
+                <a:solidFill>
+                  <a:schemeClr val="tx1"/>
+                </a:solidFill>
+                <a:latin typeface="+mn-lt"/>
+                <a:ea typeface="+mn-ea"/>
+                <a:cs typeface="+mn-cs"/>
+              </a:defRPr>
+            </a:lvl6pPr>
+            <a:lvl7pPr marL="2743200" algn="l" defTabSz="914400" rtl="0" eaLnBrk="1" latinLnBrk="0" hangingPunct="1">
+              <a:defRPr sz="1800" kern="1200">
+                <a:solidFill>
+                  <a:schemeClr val="tx1"/>
+                </a:solidFill>
+                <a:latin typeface="+mn-lt"/>
+                <a:ea typeface="+mn-ea"/>
+                <a:cs typeface="+mn-cs"/>
+              </a:defRPr>
+            </a:lvl7pPr>
+            <a:lvl8pPr marL="3200400" algn="l" defTabSz="914400" rtl="0" eaLnBrk="1" latinLnBrk="0" hangingPunct="1">
+              <a:defRPr sz="1800" kern="1200">
+                <a:solidFill>
+                  <a:schemeClr val="tx1"/>
+                </a:solidFill>
+                <a:latin typeface="+mn-lt"/>
+                <a:ea typeface="+mn-ea"/>
+                <a:cs typeface="+mn-cs"/>
+              </a:defRPr>
+            </a:lvl8pPr>
+            <a:lvl9pPr marL="3657600" algn="l" defTabSz="914400" rtl="0" eaLnBrk="1" latinLnBrk="0" hangingPunct="1">
+              <a:defRPr sz="1800" kern="1200">
+                <a:solidFill>
+                  <a:schemeClr val="tx1"/>
+                </a:solidFill>
+                <a:latin typeface="+mn-lt"/>
+                <a:ea typeface="+mn-ea"/>
+                <a:cs typeface="+mn-cs"/>
+              </a:defRPr>
+            </a:lvl9pPr>
+          </a:lstStyle>
+          <a:p>
+            <a:pPr marL="0" marR="0" lvl="0" indent="0" algn="r" defTabSz="914400" rtl="0" eaLnBrk="1" fontAlgn="auto" latinLnBrk="0" hangingPunct="1">
+              <a:lnSpc>
+                <a:spcPct val="100000"/>
+              </a:lnSpc>
+              <a:spcBef>
+                <a:spcPts val="0"/>
+              </a:spcBef>
+              <a:spcAft>
+                <a:spcPts val="0"/>
+              </a:spcAft>
+              <a:buClrTx/>
+              <a:buSzTx/>
+              <a:buFontTx/>
+              <a:buNone/>
+              <a:tabLst/>
+              <a:defRPr/>
+            </a:pPr>
+            <a:fld id="{B6F15528-21DE-4FAA-801E-634DDDAF4B2B}" type="slidenum">
+              <a:rPr kumimoji="0" lang="en-GB" sz="1800" b="0" i="0" u="none" strike="noStrike" kern="1200" cap="none" spc="0" normalizeH="0" baseline="0" noProof="0" smtClean="0">
+                <a:ln>
+                  <a:noFill/>
+                </a:ln>
+                <a:solidFill>
+                  <a:prstClr val="black">
+                    <a:tint val="75000"/>
+                  </a:prstClr>
+                </a:solidFill>
+                <a:effectLst/>
+                <a:uLnTx/>
+                <a:uFillTx/>
+                <a:latin typeface="Calibri"/>
+                <a:ea typeface="+mn-ea"/>
+                <a:cs typeface="+mn-cs"/>
+                <a:sym typeface="Arial"/>
+              </a:rPr>
+              <a:pPr marL="0" marR="0" lvl="0" indent="0" algn="r" defTabSz="914400" rtl="0" eaLnBrk="1" fontAlgn="auto" latinLnBrk="0" hangingPunct="1">
+                <a:lnSpc>
+                  <a:spcPct val="100000"/>
+                </a:lnSpc>
+                <a:spcBef>
+                  <a:spcPts val="0"/>
+                </a:spcBef>
+                <a:spcAft>
+                  <a:spcPts val="0"/>
+                </a:spcAft>
+                <a:buClrTx/>
+                <a:buSzTx/>
+                <a:buFontTx/>
+                <a:buNone/>
+                <a:tabLst/>
+                <a:defRPr/>
+              </a:pPr>
+              <a:t>2</a:t>
+            </a:fld>
+            <a:endParaRPr kumimoji="0" lang="en-GB" sz="1800" b="0" i="0" u="none" strike="noStrike" kern="1200" cap="none" spc="0" normalizeH="0" baseline="0" noProof="0">
+              <a:ln>
+                <a:noFill/>
+              </a:ln>
+              <a:solidFill>
+                <a:prstClr val="black">
+                  <a:tint val="75000"/>
+                </a:prstClr>
+              </a:solidFill>
+              <a:effectLst/>
+              <a:uLnTx/>
+              <a:uFillTx/>
+              <a:latin typeface="Calibri"/>
+              <a:ea typeface="+mn-ea"/>
+              <a:cs typeface="+mn-cs"/>
+              <a:sym typeface="Arial"/>
+            </a:endParaRPr>
+          </a:p>
+        </p:txBody>
+      </p:sp>
+    </p:spTree>
+    <p:extLst>
+      <p:ext uri="{BB962C8B-B14F-4D97-AF65-F5344CB8AC3E}">
+        <p14:creationId xmlns:p14="http://schemas.microsoft.com/office/powerpoint/2010/main" val="1822825689"/>
+      </p:ext>
+    </p:extLst>
+  </p:cSld>
+  <p:clrMapOvr>
+    <a:masterClrMapping/>
+  </p:clrMapOvr>
+  <p:transition>
+    <p:wipe/>
+  </p:transition>
+</p:sld>
+</file>
+
+<file path=ppt/slides/slide20.xml><?xml version="1.0" encoding="utf-8"?>
 <p:sld xmlns:a="http://schemas.openxmlformats.org/drawingml/2006/main" xmlns:r="http://schemas.openxmlformats.org/officeDocument/2006/relationships" xmlns:p="http://schemas.openxmlformats.org/presentationml/2006/main">
   <p:cSld>
     <p:spTree>
@@ -11240,7 +17275,7 @@
         <p:cNvPr id="1" name="">
           <a:extLst>
             <a:ext uri="{FF2B5EF4-FFF2-40B4-BE49-F238E27FC236}">
-              <a16:creationId xmlns:a16="http://schemas.microsoft.com/office/drawing/2014/main" id="{56A797CB-0268-3133-8FCE-DA4565E5ED61}"/>
+              <a16:creationId xmlns:a16="http://schemas.microsoft.com/office/drawing/2014/main" xmlns="" id="{56A797CB-0268-3133-8FCE-DA4565E5ED61}"/>
             </a:ext>
           </a:extLst>
         </p:cNvPr>
@@ -11260,7 +17295,7 @@
           <p:cNvPr id="8" name="TextBox 7">
             <a:extLst>
               <a:ext uri="{FF2B5EF4-FFF2-40B4-BE49-F238E27FC236}">
-                <a16:creationId xmlns:a16="http://schemas.microsoft.com/office/drawing/2014/main" id="{4072D0FD-1E04-B940-627A-EA9DA05DCCCD}"/>
+                <a16:creationId xmlns:a16="http://schemas.microsoft.com/office/drawing/2014/main" xmlns="" id="{4072D0FD-1E04-B940-627A-EA9DA05DCCCD}"/>
               </a:ext>
             </a:extLst>
           </p:cNvPr>
@@ -11296,7 +17331,11 @@
           </a:lstStyle>
           <a:p>
             <a:r>
-              <a:rPr lang="en-GB" dirty="0"/>
+              <a:rPr lang="en-GB" dirty="0">
+                <a:solidFill>
+                  <a:srgbClr val="00B050"/>
+                </a:solidFill>
+              </a:rPr>
               <a:t>Answer the following questions using ChatGPT</a:t>
             </a:r>
           </a:p>
@@ -11307,7 +17346,7 @@
           <p:cNvPr id="5" name="Rectangle 1">
             <a:extLst>
               <a:ext uri="{FF2B5EF4-FFF2-40B4-BE49-F238E27FC236}">
-                <a16:creationId xmlns:a16="http://schemas.microsoft.com/office/drawing/2014/main" id="{962679F9-FDA9-7E27-5D03-BD19DA1072F8}"/>
+                <a16:creationId xmlns:a16="http://schemas.microsoft.com/office/drawing/2014/main" xmlns="" id="{962679F9-FDA9-7E27-5D03-BD19DA1072F8}"/>
               </a:ext>
             </a:extLst>
           </p:cNvPr>
@@ -11734,7 +17773,7 @@
 </p:sld>
 </file>
 
-<file path=ppt/slides/slide17.xml><?xml version="1.0" encoding="utf-8"?>
+<file path=ppt/slides/slide21.xml><?xml version="1.0" encoding="utf-8"?>
 <p:sld xmlns:a="http://schemas.openxmlformats.org/drawingml/2006/main" xmlns:r="http://schemas.openxmlformats.org/officeDocument/2006/relationships" xmlns:p="http://schemas.openxmlformats.org/presentationml/2006/main">
   <p:cSld>
     <p:spTree>
@@ -11756,7 +17795,7 @@
           <p:cNvPr id="8" name="TextBox 7">
             <a:extLst>
               <a:ext uri="{FF2B5EF4-FFF2-40B4-BE49-F238E27FC236}">
-                <a16:creationId xmlns:a16="http://schemas.microsoft.com/office/drawing/2014/main" id="{EE682696-4D97-5DA5-8893-F9A16A798ADB}"/>
+                <a16:creationId xmlns:a16="http://schemas.microsoft.com/office/drawing/2014/main" xmlns="" id="{EE682696-4D97-5DA5-8893-F9A16A798ADB}"/>
               </a:ext>
             </a:extLst>
           </p:cNvPr>
@@ -11792,7 +17831,11 @@
           </a:lstStyle>
           <a:p>
             <a:r>
-              <a:rPr lang="en-GB" dirty="0"/>
+              <a:rPr lang="en-GB" dirty="0">
+                <a:solidFill>
+                  <a:srgbClr val="00B050"/>
+                </a:solidFill>
+              </a:rPr>
               <a:t>Summary</a:t>
             </a:r>
           </a:p>
@@ -11803,7 +17846,7 @@
           <p:cNvPr id="10" name="Content Placeholder 2">
             <a:extLst>
               <a:ext uri="{FF2B5EF4-FFF2-40B4-BE49-F238E27FC236}">
-                <a16:creationId xmlns:a16="http://schemas.microsoft.com/office/drawing/2014/main" id="{CDC31E4C-0573-EDA7-0566-DEC814C49284}"/>
+                <a16:creationId xmlns:a16="http://schemas.microsoft.com/office/drawing/2014/main" xmlns="" id="{CDC31E4C-0573-EDA7-0566-DEC814C49284}"/>
               </a:ext>
             </a:extLst>
           </p:cNvPr>
@@ -12204,7 +18247,7 @@
           <p:cNvPr id="11" name="Rectangle 4">
             <a:extLst>
               <a:ext uri="{FF2B5EF4-FFF2-40B4-BE49-F238E27FC236}">
-                <a16:creationId xmlns:a16="http://schemas.microsoft.com/office/drawing/2014/main" id="{57055BDB-7FC4-EFDF-74CC-F066328113FB}"/>
+                <a16:creationId xmlns:a16="http://schemas.microsoft.com/office/drawing/2014/main" xmlns="" id="{57055BDB-7FC4-EFDF-74CC-F066328113FB}"/>
               </a:ext>
             </a:extLst>
           </p:cNvPr>
@@ -12306,391 +18349,6 @@
   <p:clrMapOvr>
     <a:masterClrMapping/>
   </p:clrMapOvr>
-</p:sld>
-</file>
-
-<file path=ppt/slides/slide2.xml><?xml version="1.0" encoding="utf-8"?>
-<p:sld xmlns:a="http://schemas.openxmlformats.org/drawingml/2006/main" xmlns:r="http://schemas.openxmlformats.org/officeDocument/2006/relationships" xmlns:p="http://schemas.openxmlformats.org/presentationml/2006/main">
-  <p:cSld>
-    <p:spTree>
-      <p:nvGrpSpPr>
-        <p:cNvPr id="1" name=""/>
-        <p:cNvGrpSpPr/>
-        <p:nvPr/>
-      </p:nvGrpSpPr>
-      <p:grpSpPr>
-        <a:xfrm>
-          <a:off x="0" y="0"/>
-          <a:ext cx="0" cy="0"/>
-          <a:chOff x="0" y="0"/>
-          <a:chExt cx="0" cy="0"/>
-        </a:xfrm>
-      </p:grpSpPr>
-      <p:sp>
-        <p:nvSpPr>
-          <p:cNvPr id="2" name="مربع نص 1"/>
-          <p:cNvSpPr txBox="1"/>
-          <p:nvPr/>
-        </p:nvSpPr>
-        <p:spPr>
-          <a:xfrm>
-            <a:off x="387464" y="558856"/>
-            <a:ext cx="4834261" cy="901465"/>
-          </a:xfrm>
-          <a:prstGeom prst="rect">
-            <a:avLst/>
-          </a:prstGeom>
-          <a:noFill/>
-        </p:spPr>
-        <p:txBody>
-          <a:bodyPr wrap="square" rtlCol="0">
-            <a:spAutoFit/>
-          </a:bodyPr>
-          <a:lstStyle/>
-          <a:p>
-            <a:pPr marL="0" marR="0" lvl="0" indent="0" algn="ctr" defTabSz="914400" rtl="0" eaLnBrk="1" fontAlgn="auto" latinLnBrk="0" hangingPunct="1">
-              <a:lnSpc>
-                <a:spcPct val="150000"/>
-              </a:lnSpc>
-              <a:spcBef>
-                <a:spcPts val="0"/>
-              </a:spcBef>
-              <a:spcAft>
-                <a:spcPts val="0"/>
-              </a:spcAft>
-              <a:buClrTx/>
-              <a:buSzTx/>
-              <a:buFontTx/>
-              <a:buNone/>
-              <a:tabLst/>
-              <a:defRPr/>
-            </a:pPr>
-            <a:r>
-              <a:rPr kumimoji="0" lang="en-US" sz="4000" b="1" i="0" u="none" strike="noStrike" kern="1200" cap="none" spc="0" normalizeH="0" baseline="0" noProof="0" dirty="0">
-                <a:ln>
-                  <a:noFill/>
-                </a:ln>
-                <a:solidFill>
-                  <a:srgbClr val="0000FF"/>
-                </a:solidFill>
-                <a:effectLst/>
-                <a:uLnTx/>
-                <a:uFillTx/>
-                <a:latin typeface="Cambria" pitchFamily="18" charset="0"/>
-                <a:ea typeface="+mn-ea"/>
-                <a:cs typeface="+mn-cs"/>
-              </a:rPr>
-              <a:t>Announcement</a:t>
-            </a:r>
-          </a:p>
-        </p:txBody>
-      </p:sp>
-      <p:sp>
-        <p:nvSpPr>
-          <p:cNvPr id="3" name="TextBox 2"/>
-          <p:cNvSpPr txBox="1"/>
-          <p:nvPr/>
-        </p:nvSpPr>
-        <p:spPr>
-          <a:xfrm>
-            <a:off x="950647" y="1589500"/>
-            <a:ext cx="8691373" cy="1564980"/>
-          </a:xfrm>
-          <a:prstGeom prst="rect">
-            <a:avLst/>
-          </a:prstGeom>
-          <a:noFill/>
-        </p:spPr>
-        <p:txBody>
-          <a:bodyPr wrap="square" rtlCol="0">
-            <a:spAutoFit/>
-          </a:bodyPr>
-          <a:lstStyle/>
-          <a:p>
-            <a:pPr marL="514350" marR="0" lvl="0" indent="-514350" algn="l" defTabSz="914400" rtl="0" eaLnBrk="1" fontAlgn="auto" latinLnBrk="0" hangingPunct="1">
-              <a:lnSpc>
-                <a:spcPct val="150000"/>
-              </a:lnSpc>
-              <a:spcBef>
-                <a:spcPts val="0"/>
-              </a:spcBef>
-              <a:spcAft>
-                <a:spcPts val="0"/>
-              </a:spcAft>
-              <a:buClrTx/>
-              <a:buSzTx/>
-              <a:buFont typeface="+mj-lt"/>
-              <a:buAutoNum type="arabicPeriod"/>
-              <a:tabLst/>
-              <a:defRPr/>
-            </a:pPr>
-            <a:r>
-              <a:rPr kumimoji="0" lang="en-US" sz="3400" b="0" i="0" u="none" strike="noStrike" kern="1200" cap="none" spc="0" normalizeH="0" baseline="0" noProof="0" dirty="0">
-                <a:ln>
-                  <a:noFill/>
-                </a:ln>
-                <a:solidFill>
-                  <a:prstClr val="black"/>
-                </a:solidFill>
-                <a:effectLst/>
-                <a:uLnTx/>
-                <a:uFillTx/>
-                <a:latin typeface="Cambria" panose="02040503050406030204" pitchFamily="18" charset="0"/>
-                <a:ea typeface="Cambria" panose="02040503050406030204" pitchFamily="18" charset="0"/>
-                <a:cs typeface="+mn-cs"/>
-              </a:rPr>
-              <a:t>Midterm during week 8</a:t>
-            </a:r>
-          </a:p>
-          <a:p>
-            <a:pPr marL="514350" marR="0" lvl="0" indent="-514350" algn="l" defTabSz="914400" rtl="0" eaLnBrk="1" fontAlgn="auto" latinLnBrk="0" hangingPunct="1">
-              <a:lnSpc>
-                <a:spcPct val="150000"/>
-              </a:lnSpc>
-              <a:spcBef>
-                <a:spcPts val="0"/>
-              </a:spcBef>
-              <a:spcAft>
-                <a:spcPts val="0"/>
-              </a:spcAft>
-              <a:buClrTx/>
-              <a:buSzTx/>
-              <a:buFont typeface="+mj-lt"/>
-              <a:buAutoNum type="arabicPeriod"/>
-              <a:tabLst/>
-              <a:defRPr/>
-            </a:pPr>
-            <a:r>
-              <a:rPr lang="en-US" sz="3400" dirty="0">
-                <a:solidFill>
-                  <a:prstClr val="black"/>
-                </a:solidFill>
-                <a:latin typeface="Cambria" panose="02040503050406030204" pitchFamily="18" charset="0"/>
-                <a:ea typeface="Cambria" panose="02040503050406030204" pitchFamily="18" charset="0"/>
-              </a:rPr>
-              <a:t>PD 1 Voice Over PPT due in Week 10</a:t>
-            </a:r>
-            <a:endParaRPr kumimoji="0" lang="en-US" sz="3400" b="0" i="0" u="none" strike="noStrike" kern="1200" cap="none" spc="0" normalizeH="0" baseline="0" noProof="0" dirty="0">
-              <a:ln>
-                <a:noFill/>
-              </a:ln>
-              <a:solidFill>
-                <a:prstClr val="black"/>
-              </a:solidFill>
-              <a:effectLst/>
-              <a:uLnTx/>
-              <a:uFillTx/>
-              <a:latin typeface="Cambria" panose="02040503050406030204" pitchFamily="18" charset="0"/>
-              <a:ea typeface="Cambria" panose="02040503050406030204" pitchFamily="18" charset="0"/>
-              <a:cs typeface="+mn-cs"/>
-            </a:endParaRPr>
-          </a:p>
-        </p:txBody>
-      </p:sp>
-      <p:sp>
-        <p:nvSpPr>
-          <p:cNvPr id="4" name="Slide Number Placeholder 3"/>
-          <p:cNvSpPr>
-            <a:spLocks noGrp="1"/>
-          </p:cNvSpPr>
-          <p:nvPr>
-            <p:ph type="sldNum" idx="12"/>
-          </p:nvPr>
-        </p:nvSpPr>
-        <p:spPr>
-          <a:prstGeom prst="rect">
-            <a:avLst/>
-          </a:prstGeom>
-        </p:spPr>
-        <p:txBody>
-          <a:bodyPr wrap="square" lIns="0" tIns="0" rIns="0" bIns="0">
-            <a:spAutoFit/>
-          </a:bodyPr>
-          <a:lstStyle>
-            <a:defPPr>
-              <a:defRPr lang="en-US"/>
-            </a:defPPr>
-            <a:lvl1pPr marL="0" algn="r" defTabSz="914400" rtl="0" eaLnBrk="1" latinLnBrk="0" hangingPunct="1">
-              <a:defRPr sz="1800" kern="1200">
-                <a:solidFill>
-                  <a:schemeClr val="tx1">
-                    <a:tint val="75000"/>
-                  </a:schemeClr>
-                </a:solidFill>
-                <a:latin typeface="+mn-lt"/>
-                <a:ea typeface="+mn-ea"/>
-                <a:cs typeface="+mn-cs"/>
-              </a:defRPr>
-            </a:lvl1pPr>
-            <a:lvl2pPr marL="457200" algn="l" defTabSz="914400" rtl="0" eaLnBrk="1" latinLnBrk="0" hangingPunct="1">
-              <a:defRPr sz="1800" kern="1200">
-                <a:solidFill>
-                  <a:schemeClr val="tx1"/>
-                </a:solidFill>
-                <a:latin typeface="+mn-lt"/>
-                <a:ea typeface="+mn-ea"/>
-                <a:cs typeface="+mn-cs"/>
-              </a:defRPr>
-            </a:lvl2pPr>
-            <a:lvl3pPr marL="914400" algn="l" defTabSz="914400" rtl="0" eaLnBrk="1" latinLnBrk="0" hangingPunct="1">
-              <a:defRPr sz="1800" kern="1200">
-                <a:solidFill>
-                  <a:schemeClr val="tx1"/>
-                </a:solidFill>
-                <a:latin typeface="+mn-lt"/>
-                <a:ea typeface="+mn-ea"/>
-                <a:cs typeface="+mn-cs"/>
-              </a:defRPr>
-            </a:lvl3pPr>
-            <a:lvl4pPr marL="1371600" algn="l" defTabSz="914400" rtl="0" eaLnBrk="1" latinLnBrk="0" hangingPunct="1">
-              <a:defRPr sz="1800" kern="1200">
-                <a:solidFill>
-                  <a:schemeClr val="tx1"/>
-                </a:solidFill>
-                <a:latin typeface="+mn-lt"/>
-                <a:ea typeface="+mn-ea"/>
-                <a:cs typeface="+mn-cs"/>
-              </a:defRPr>
-            </a:lvl4pPr>
-            <a:lvl5pPr marL="1828800" algn="l" defTabSz="914400" rtl="0" eaLnBrk="1" latinLnBrk="0" hangingPunct="1">
-              <a:defRPr sz="1800" kern="1200">
-                <a:solidFill>
-                  <a:schemeClr val="tx1"/>
-                </a:solidFill>
-                <a:latin typeface="+mn-lt"/>
-                <a:ea typeface="+mn-ea"/>
-                <a:cs typeface="+mn-cs"/>
-              </a:defRPr>
-            </a:lvl5pPr>
-            <a:lvl6pPr marL="2286000" algn="l" defTabSz="914400" rtl="0" eaLnBrk="1" latinLnBrk="0" hangingPunct="1">
-              <a:defRPr sz="1800" kern="1200">
-                <a:solidFill>
-                  <a:schemeClr val="tx1"/>
-                </a:solidFill>
-                <a:latin typeface="+mn-lt"/>
-                <a:ea typeface="+mn-ea"/>
-                <a:cs typeface="+mn-cs"/>
-              </a:defRPr>
-            </a:lvl6pPr>
-            <a:lvl7pPr marL="2743200" algn="l" defTabSz="914400" rtl="0" eaLnBrk="1" latinLnBrk="0" hangingPunct="1">
-              <a:defRPr sz="1800" kern="1200">
-                <a:solidFill>
-                  <a:schemeClr val="tx1"/>
-                </a:solidFill>
-                <a:latin typeface="+mn-lt"/>
-                <a:ea typeface="+mn-ea"/>
-                <a:cs typeface="+mn-cs"/>
-              </a:defRPr>
-            </a:lvl7pPr>
-            <a:lvl8pPr marL="3200400" algn="l" defTabSz="914400" rtl="0" eaLnBrk="1" latinLnBrk="0" hangingPunct="1">
-              <a:defRPr sz="1800" kern="1200">
-                <a:solidFill>
-                  <a:schemeClr val="tx1"/>
-                </a:solidFill>
-                <a:latin typeface="+mn-lt"/>
-                <a:ea typeface="+mn-ea"/>
-                <a:cs typeface="+mn-cs"/>
-              </a:defRPr>
-            </a:lvl8pPr>
-            <a:lvl9pPr marL="3657600" algn="l" defTabSz="914400" rtl="0" eaLnBrk="1" latinLnBrk="0" hangingPunct="1">
-              <a:defRPr sz="1800" kern="1200">
-                <a:solidFill>
-                  <a:schemeClr val="tx1"/>
-                </a:solidFill>
-                <a:latin typeface="+mn-lt"/>
-                <a:ea typeface="+mn-ea"/>
-                <a:cs typeface="+mn-cs"/>
-              </a:defRPr>
-            </a:lvl9pPr>
-          </a:lstStyle>
-          <a:p>
-            <a:pPr marL="0" marR="0" lvl="0" indent="0" algn="r" defTabSz="914400" rtl="0" eaLnBrk="1" fontAlgn="auto" latinLnBrk="0" hangingPunct="1">
-              <a:lnSpc>
-                <a:spcPct val="100000"/>
-              </a:lnSpc>
-              <a:spcBef>
-                <a:spcPts val="0"/>
-              </a:spcBef>
-              <a:spcAft>
-                <a:spcPts val="0"/>
-              </a:spcAft>
-              <a:buClrTx/>
-              <a:buSzTx/>
-              <a:buFontTx/>
-              <a:buNone/>
-              <a:tabLst/>
-              <a:defRPr/>
-            </a:pPr>
-            <a:fld id="{B6F15528-21DE-4FAA-801E-634DDDAF4B2B}" type="slidenum">
-              <a:rPr kumimoji="0" lang="en-GB" sz="1800" b="0" i="0" u="none" strike="noStrike" kern="1200" cap="none" spc="0" normalizeH="0" baseline="0" noProof="0" smtClean="0">
-                <a:ln>
-                  <a:noFill/>
-                </a:ln>
-                <a:solidFill>
-                  <a:prstClr val="black">
-                    <a:tint val="75000"/>
-                  </a:prstClr>
-                </a:solidFill>
-                <a:effectLst/>
-                <a:uLnTx/>
-                <a:uFillTx/>
-                <a:latin typeface="Calibri"/>
-                <a:ea typeface="+mn-ea"/>
-                <a:cs typeface="+mn-cs"/>
-                <a:sym typeface="Arial"/>
-              </a:rPr>
-              <a:pPr marL="0" marR="0" lvl="0" indent="0" algn="r" defTabSz="914400" rtl="0" eaLnBrk="1" fontAlgn="auto" latinLnBrk="0" hangingPunct="1">
-                <a:lnSpc>
-                  <a:spcPct val="100000"/>
-                </a:lnSpc>
-                <a:spcBef>
-                  <a:spcPts val="0"/>
-                </a:spcBef>
-                <a:spcAft>
-                  <a:spcPts val="0"/>
-                </a:spcAft>
-                <a:buClrTx/>
-                <a:buSzTx/>
-                <a:buFontTx/>
-                <a:buNone/>
-                <a:tabLst/>
-                <a:defRPr/>
-              </a:pPr>
-              <a:t>2</a:t>
-            </a:fld>
-            <a:endParaRPr kumimoji="0" lang="en-GB" sz="1800" b="0" i="0" u="none" strike="noStrike" kern="1200" cap="none" spc="0" normalizeH="0" baseline="0" noProof="0">
-              <a:ln>
-                <a:noFill/>
-              </a:ln>
-              <a:solidFill>
-                <a:prstClr val="black">
-                  <a:tint val="75000"/>
-                </a:prstClr>
-              </a:solidFill>
-              <a:effectLst/>
-              <a:uLnTx/>
-              <a:uFillTx/>
-              <a:latin typeface="Calibri"/>
-              <a:ea typeface="+mn-ea"/>
-              <a:cs typeface="+mn-cs"/>
-              <a:sym typeface="Arial"/>
-            </a:endParaRPr>
-          </a:p>
-        </p:txBody>
-      </p:sp>
-    </p:spTree>
-    <p:extLst>
-      <p:ext uri="{BB962C8B-B14F-4D97-AF65-F5344CB8AC3E}">
-        <p14:creationId xmlns:p14="http://schemas.microsoft.com/office/powerpoint/2010/main" val="1822825689"/>
-      </p:ext>
-    </p:extLst>
-  </p:cSld>
-  <p:clrMapOvr>
-    <a:masterClrMapping/>
-  </p:clrMapOvr>
-  <p:transition>
-    <p:wipe/>
-  </p:transition>
 </p:sld>
 </file>
 
@@ -12756,7 +18414,7 @@
                   <a:noFill/>
                 </a:ln>
                 <a:solidFill>
-                  <a:srgbClr val="0000FF"/>
+                  <a:srgbClr val="00B050"/>
                 </a:solidFill>
                 <a:effectLst/>
                 <a:uLnTx/>
@@ -13072,7 +18730,7 @@
           <p:cNvPr id="5" name="مربع نص 1">
             <a:extLst>
               <a:ext uri="{FF2B5EF4-FFF2-40B4-BE49-F238E27FC236}">
-                <a16:creationId xmlns:a16="http://schemas.microsoft.com/office/drawing/2014/main" id="{7711DB52-DA0E-C95D-DFAF-CCC7BD2BE49D}"/>
+                <a16:creationId xmlns:a16="http://schemas.microsoft.com/office/drawing/2014/main" xmlns="" id="{7711DB52-DA0E-C95D-DFAF-CCC7BD2BE49D}"/>
               </a:ext>
             </a:extLst>
           </p:cNvPr>
@@ -13082,7 +18740,7 @@
         <p:spPr>
           <a:xfrm>
             <a:off x="950647" y="2928850"/>
-            <a:ext cx="4834261" cy="901465"/>
+            <a:ext cx="4834261" cy="1015663"/>
           </a:xfrm>
           <a:prstGeom prst="rect">
             <a:avLst/>
@@ -13118,7 +18776,7 @@
                   <a:noFill/>
                 </a:ln>
                 <a:solidFill>
-                  <a:srgbClr val="0000FF"/>
+                  <a:srgbClr val="00B050"/>
                 </a:solidFill>
                 <a:effectLst/>
                 <a:uLnTx/>
@@ -13137,7 +18795,7 @@
           <p:cNvPr id="7" name="TextBox 6">
             <a:extLst>
               <a:ext uri="{FF2B5EF4-FFF2-40B4-BE49-F238E27FC236}">
-                <a16:creationId xmlns:a16="http://schemas.microsoft.com/office/drawing/2014/main" id="{21182D06-47ED-19A1-F474-86A1C153165D}"/>
+                <a16:creationId xmlns:a16="http://schemas.microsoft.com/office/drawing/2014/main" xmlns="" id="{21182D06-47ED-19A1-F474-86A1C153165D}"/>
               </a:ext>
             </a:extLst>
           </p:cNvPr>
@@ -13375,7 +19033,7 @@
             <a:r>
               <a:rPr lang="en-US" sz="4000" b="1" dirty="0">
                 <a:solidFill>
-                  <a:srgbClr val="0033CC"/>
+                  <a:srgbClr val="00B050"/>
                 </a:solidFill>
                 <a:latin typeface="Cambria" panose="02040503050406030204" pitchFamily="18" charset="0"/>
                 <a:ea typeface="Cambria" panose="02040503050406030204" pitchFamily="18" charset="0"/>
@@ -13437,7 +19095,7 @@
           <p:cNvPr id="6" name="TextBox 5">
             <a:extLst>
               <a:ext uri="{FF2B5EF4-FFF2-40B4-BE49-F238E27FC236}">
-                <a16:creationId xmlns:a16="http://schemas.microsoft.com/office/drawing/2014/main" id="{1C6FD0C4-6508-4A42-905F-4B44F03A35C9}"/>
+                <a16:creationId xmlns:a16="http://schemas.microsoft.com/office/drawing/2014/main" xmlns="" id="{1C6FD0C4-6508-4A42-905F-4B44F03A35C9}"/>
               </a:ext>
             </a:extLst>
           </p:cNvPr>
@@ -13680,7 +19338,7 @@
             <a:r>
               <a:rPr lang="en-US" sz="4000" b="1" dirty="0">
                 <a:solidFill>
-                  <a:srgbClr val="0033CC"/>
+                  <a:srgbClr val="00B050"/>
                 </a:solidFill>
                 <a:latin typeface="Cambria" panose="02040503050406030204" pitchFamily="18" charset="0"/>
                 <a:ea typeface="Cambria" panose="02040503050406030204" pitchFamily="18" charset="0"/>
@@ -13944,7 +19602,7 @@
             <a:r>
               <a:rPr lang="en-US" sz="4000" b="1" dirty="0">
                 <a:solidFill>
-                  <a:srgbClr val="0033CC"/>
+                  <a:srgbClr val="00B050"/>
                 </a:solidFill>
                 <a:latin typeface="Cambria" panose="02040503050406030204" pitchFamily="18" charset="0"/>
                 <a:ea typeface="Cambria" panose="02040503050406030204" pitchFamily="18" charset="0"/>
@@ -13954,6 +19612,9 @@
             </a:r>
             <a:r>
               <a:rPr lang="en-US" sz="2400" b="1" dirty="0">
+                <a:solidFill>
+                  <a:srgbClr val="00B050"/>
+                </a:solidFill>
                 <a:latin typeface="Cambria" panose="02040503050406030204" pitchFamily="18" charset="0"/>
               </a:rPr>
               <a:t> </a:t>
@@ -13961,7 +19622,7 @@
             <a:r>
               <a:rPr lang="en-US" sz="4000" b="1" dirty="0">
                 <a:solidFill>
-                  <a:srgbClr val="0033CC"/>
+                  <a:srgbClr val="00B050"/>
                 </a:solidFill>
                 <a:latin typeface="Cambria" panose="02040503050406030204" pitchFamily="18" charset="0"/>
                 <a:ea typeface="Cambria" panose="02040503050406030204" pitchFamily="18" charset="0"/>
@@ -13977,7 +19638,7 @@
           <p:cNvPr id="5" name="TextBox 4">
             <a:extLst>
               <a:ext uri="{FF2B5EF4-FFF2-40B4-BE49-F238E27FC236}">
-                <a16:creationId xmlns:a16="http://schemas.microsoft.com/office/drawing/2014/main" id="{E7FED1EF-8DA8-4B26-75CE-DCF08E5DEF15}"/>
+                <a16:creationId xmlns:a16="http://schemas.microsoft.com/office/drawing/2014/main" xmlns="" id="{E7FED1EF-8DA8-4B26-75CE-DCF08E5DEF15}"/>
               </a:ext>
             </a:extLst>
           </p:cNvPr>
@@ -14019,7 +19680,7 @@
           <p:cNvPr id="6" name="TextBox 5">
             <a:extLst>
               <a:ext uri="{FF2B5EF4-FFF2-40B4-BE49-F238E27FC236}">
-                <a16:creationId xmlns:a16="http://schemas.microsoft.com/office/drawing/2014/main" id="{6E679405-FFF5-CD78-D3EE-52FE2D93D89C}"/>
+                <a16:creationId xmlns:a16="http://schemas.microsoft.com/office/drawing/2014/main" xmlns="" id="{6E679405-FFF5-CD78-D3EE-52FE2D93D89C}"/>
               </a:ext>
             </a:extLst>
           </p:cNvPr>
@@ -14061,7 +19722,7 @@
           <p:cNvPr id="8" name="TextBox 7">
             <a:extLst>
               <a:ext uri="{FF2B5EF4-FFF2-40B4-BE49-F238E27FC236}">
-                <a16:creationId xmlns:a16="http://schemas.microsoft.com/office/drawing/2014/main" id="{4EB9AF4D-F6AE-A532-087C-23EF7367533A}"/>
+                <a16:creationId xmlns:a16="http://schemas.microsoft.com/office/drawing/2014/main" xmlns="" id="{4EB9AF4D-F6AE-A532-087C-23EF7367533A}"/>
               </a:ext>
             </a:extLst>
           </p:cNvPr>
@@ -14157,7 +19818,7 @@
             <a:r>
               <a:rPr lang="en-US" sz="4000" b="1" dirty="0">
                 <a:solidFill>
-                  <a:srgbClr val="0033CC"/>
+                  <a:srgbClr val="00B050"/>
                 </a:solidFill>
                 <a:latin typeface="Cambria" panose="02040503050406030204" pitchFamily="18" charset="0"/>
                 <a:ea typeface="Cambria" panose="02040503050406030204" pitchFamily="18" charset="0"/>
@@ -14173,7 +19834,7 @@
           <p:cNvPr id="5" name="TextBox 4">
             <a:extLst>
               <a:ext uri="{FF2B5EF4-FFF2-40B4-BE49-F238E27FC236}">
-                <a16:creationId xmlns:a16="http://schemas.microsoft.com/office/drawing/2014/main" id="{E7FED1EF-8DA8-4B26-75CE-DCF08E5DEF15}"/>
+                <a16:creationId xmlns:a16="http://schemas.microsoft.com/office/drawing/2014/main" xmlns="" id="{E7FED1EF-8DA8-4B26-75CE-DCF08E5DEF15}"/>
               </a:ext>
             </a:extLst>
           </p:cNvPr>
@@ -14217,7 +19878,7 @@
               <p:cNvPr id="6" name="TextBox 5">
                 <a:extLst>
                   <a:ext uri="{FF2B5EF4-FFF2-40B4-BE49-F238E27FC236}">
-                    <a16:creationId xmlns:a16="http://schemas.microsoft.com/office/drawing/2014/main" id="{6E679405-FFF5-CD78-D3EE-52FE2D93D89C}"/>
+                    <a16:creationId xmlns:a16="http://schemas.microsoft.com/office/drawing/2014/main" xmlns="" id="{6E679405-FFF5-CD78-D3EE-52FE2D93D89C}"/>
                   </a:ext>
                 </a:extLst>
               </p:cNvPr>
@@ -14357,7 +20018,7 @@
               <p:cNvPr id="8" name="TextBox 7">
                 <a:extLst>
                   <a:ext uri="{FF2B5EF4-FFF2-40B4-BE49-F238E27FC236}">
-                    <a16:creationId xmlns:a16="http://schemas.microsoft.com/office/drawing/2014/main" id="{4EB9AF4D-F6AE-A532-087C-23EF7367533A}"/>
+                    <a16:creationId xmlns:a16="http://schemas.microsoft.com/office/drawing/2014/main" xmlns="" id="{4EB9AF4D-F6AE-A532-087C-23EF7367533A}"/>
                   </a:ext>
                 </a:extLst>
               </p:cNvPr>
@@ -14405,7 +20066,7 @@
                             <a:solidFill>
                               <a:schemeClr val="tx1"/>
                             </a:solidFill>
-                            <a:latin typeface="Cambria Math" panose="02040503050406030204" pitchFamily="18" charset="0"/>
+                            <a:latin typeface="Cambria Math"/>
                           </a:rPr>
                         </m:ctrlPr>
                       </m:dPr>
@@ -14522,7 +20183,7 @@
               <p:cNvPr id="2" name="TextBox 1">
                 <a:extLst>
                   <a:ext uri="{FF2B5EF4-FFF2-40B4-BE49-F238E27FC236}">
-                    <a16:creationId xmlns:a16="http://schemas.microsoft.com/office/drawing/2014/main" id="{B5165E77-F21A-D5C0-147C-5278DAAEAA32}"/>
+                    <a16:creationId xmlns:a16="http://schemas.microsoft.com/office/drawing/2014/main" xmlns="" id="{B5165E77-F21A-D5C0-147C-5278DAAEAA32}"/>
                   </a:ext>
                 </a:extLst>
               </p:cNvPr>
@@ -14672,7 +20333,7 @@
               <p:cNvPr id="4" name="TextBox 3">
                 <a:extLst>
                   <a:ext uri="{FF2B5EF4-FFF2-40B4-BE49-F238E27FC236}">
-                    <a16:creationId xmlns:a16="http://schemas.microsoft.com/office/drawing/2014/main" id="{D11518BE-148C-E859-97D5-03E85C914DA2}"/>
+                    <a16:creationId xmlns:a16="http://schemas.microsoft.com/office/drawing/2014/main" xmlns="" id="{D11518BE-148C-E859-97D5-03E85C914DA2}"/>
                   </a:ext>
                 </a:extLst>
               </p:cNvPr>
@@ -14718,7 +20379,7 @@
                             <a:solidFill>
                               <a:schemeClr val="tx1"/>
                             </a:solidFill>
-                            <a:latin typeface="Cambria Math" panose="02040503050406030204" pitchFamily="18" charset="0"/>
+                            <a:latin typeface="Cambria Math"/>
                           </a:rPr>
                         </m:ctrlPr>
                       </m:sSubPr>
@@ -14752,7 +20413,7 @@
                             <a:solidFill>
                               <a:schemeClr val="tx1"/>
                             </a:solidFill>
-                            <a:latin typeface="Cambria Math" panose="02040503050406030204" pitchFamily="18" charset="0"/>
+                            <a:latin typeface="Cambria Math"/>
                           </a:rPr>
                         </m:ctrlPr>
                       </m:dPr>
@@ -14875,7 +20536,7 @@
             <a:r>
               <a:rPr lang="en-US" sz="4000" b="1" kern="1200" dirty="0">
                 <a:solidFill>
-                  <a:srgbClr val="0033CC"/>
+                  <a:srgbClr val="00B050"/>
                 </a:solidFill>
                 <a:latin typeface="Cambria" panose="02040503050406030204" pitchFamily="18" charset="0"/>
                 <a:ea typeface="Cambria" panose="02040503050406030204" pitchFamily="18" charset="0"/>
@@ -14885,7 +20546,7 @@
             <a:r>
               <a:rPr lang="en-US" b="1" dirty="0">
                 <a:solidFill>
-                  <a:srgbClr val="C00000"/>
+                  <a:srgbClr val="00B050"/>
                 </a:solidFill>
               </a:rPr>
               <a:t> </a:t>
@@ -14893,7 +20554,7 @@
             <a:r>
               <a:rPr lang="en-US" sz="4000" b="1" kern="1200" dirty="0">
                 <a:solidFill>
-                  <a:srgbClr val="0033CC"/>
+                  <a:srgbClr val="00B050"/>
                 </a:solidFill>
                 <a:latin typeface="Cambria" panose="02040503050406030204" pitchFamily="18" charset="0"/>
                 <a:ea typeface="Cambria" panose="02040503050406030204" pitchFamily="18" charset="0"/>
@@ -14903,7 +20564,7 @@
             <a:r>
               <a:rPr lang="en-US" b="1" dirty="0">
                 <a:solidFill>
-                  <a:srgbClr val="C00000"/>
+                  <a:srgbClr val="00B050"/>
                 </a:solidFill>
               </a:rPr>
               <a:t> </a:t>
@@ -14911,7 +20572,7 @@
             <a:r>
               <a:rPr lang="en-US" sz="4000" b="1" kern="1200" dirty="0">
                 <a:solidFill>
-                  <a:srgbClr val="0033CC"/>
+                  <a:srgbClr val="00B050"/>
                 </a:solidFill>
                 <a:latin typeface="Cambria" panose="02040503050406030204" pitchFamily="18" charset="0"/>
                 <a:ea typeface="Cambria" panose="02040503050406030204" pitchFamily="18" charset="0"/>
@@ -14921,7 +20582,7 @@
             <a:r>
               <a:rPr lang="en-US" b="1" dirty="0">
                 <a:solidFill>
-                  <a:srgbClr val="C00000"/>
+                  <a:srgbClr val="00B050"/>
                 </a:solidFill>
               </a:rPr>
               <a:t> </a:t>
@@ -14929,7 +20590,7 @@
             <a:r>
               <a:rPr lang="en-US" sz="4000" b="1" kern="1200" dirty="0">
                 <a:solidFill>
-                  <a:srgbClr val="0033CC"/>
+                  <a:srgbClr val="00B050"/>
                 </a:solidFill>
                 <a:latin typeface="Cambria" panose="02040503050406030204" pitchFamily="18" charset="0"/>
                 <a:ea typeface="Cambria" panose="02040503050406030204" pitchFamily="18" charset="0"/>
@@ -14944,7 +20605,7 @@
           <p:cNvPr id="6" name="TextBox 5">
             <a:extLst>
               <a:ext uri="{FF2B5EF4-FFF2-40B4-BE49-F238E27FC236}">
-                <a16:creationId xmlns:a16="http://schemas.microsoft.com/office/drawing/2014/main" id="{0654FFA1-83B2-4453-ACA6-EE445F0C37D9}"/>
+                <a16:creationId xmlns:a16="http://schemas.microsoft.com/office/drawing/2014/main" xmlns="" id="{0654FFA1-83B2-4453-ACA6-EE445F0C37D9}"/>
               </a:ext>
             </a:extLst>
           </p:cNvPr>
@@ -15048,7 +20709,7 @@
           <p:cNvPr id="1026" name="Picture 2" descr="Magnitude response of an ideal low pass filter">
             <a:extLst>
               <a:ext uri="{FF2B5EF4-FFF2-40B4-BE49-F238E27FC236}">
-                <a16:creationId xmlns:a16="http://schemas.microsoft.com/office/drawing/2014/main" id="{10DA4F26-7606-403A-AF7A-AF4497CD2AD7}"/>
+                <a16:creationId xmlns:a16="http://schemas.microsoft.com/office/drawing/2014/main" xmlns="" id="{10DA4F26-7606-403A-AF7A-AF4497CD2AD7}"/>
               </a:ext>
             </a:extLst>
           </p:cNvPr>
@@ -15095,7 +20756,7 @@
           <p:cNvPr id="1028" name="Picture 4">
             <a:extLst>
               <a:ext uri="{FF2B5EF4-FFF2-40B4-BE49-F238E27FC236}">
-                <a16:creationId xmlns:a16="http://schemas.microsoft.com/office/drawing/2014/main" id="{36290CF5-704F-45BF-9824-06A90B455058}"/>
+                <a16:creationId xmlns:a16="http://schemas.microsoft.com/office/drawing/2014/main" xmlns="" id="{36290CF5-704F-45BF-9824-06A90B455058}"/>
               </a:ext>
             </a:extLst>
           </p:cNvPr>
@@ -15142,7 +20803,7 @@
           <p:cNvPr id="8" name="TextBox 7">
             <a:extLst>
               <a:ext uri="{FF2B5EF4-FFF2-40B4-BE49-F238E27FC236}">
-                <a16:creationId xmlns:a16="http://schemas.microsoft.com/office/drawing/2014/main" id="{B605020B-E08D-4B0A-97F5-ACFC1832D8B2}"/>
+                <a16:creationId xmlns:a16="http://schemas.microsoft.com/office/drawing/2014/main" xmlns="" id="{B605020B-E08D-4B0A-97F5-ACFC1832D8B2}"/>
               </a:ext>
             </a:extLst>
           </p:cNvPr>
@@ -15354,7 +21015,7 @@
             <a:r>
               <a:rPr lang="en-US" sz="4000" b="1" kern="1200" dirty="0">
                 <a:solidFill>
-                  <a:srgbClr val="0033CC"/>
+                  <a:srgbClr val="00B050"/>
                 </a:solidFill>
                 <a:latin typeface="Cambria" panose="02040503050406030204" pitchFamily="18" charset="0"/>
                 <a:ea typeface="Cambria" panose="02040503050406030204" pitchFamily="18" charset="0"/>
@@ -15364,7 +21025,7 @@
             <a:r>
               <a:rPr lang="en-US" b="1" dirty="0">
                 <a:solidFill>
-                  <a:srgbClr val="C00000"/>
+                  <a:srgbClr val="00B050"/>
                 </a:solidFill>
               </a:rPr>
               <a:t> </a:t>
@@ -15372,7 +21033,7 @@
             <a:r>
               <a:rPr lang="en-US" sz="4000" b="1" kern="1200" dirty="0">
                 <a:solidFill>
-                  <a:srgbClr val="0033CC"/>
+                  <a:srgbClr val="00B050"/>
                 </a:solidFill>
                 <a:latin typeface="Cambria" panose="02040503050406030204" pitchFamily="18" charset="0"/>
                 <a:ea typeface="Cambria" panose="02040503050406030204" pitchFamily="18" charset="0"/>
@@ -15382,7 +21043,7 @@
             <a:r>
               <a:rPr lang="en-US" b="1" dirty="0">
                 <a:solidFill>
-                  <a:srgbClr val="C00000"/>
+                  <a:srgbClr val="00B050"/>
                 </a:solidFill>
               </a:rPr>
               <a:t> </a:t>
@@ -15390,7 +21051,7 @@
             <a:r>
               <a:rPr lang="en-US" sz="4000" b="1" kern="1200" dirty="0" err="1">
                 <a:solidFill>
-                  <a:srgbClr val="0033CC"/>
+                  <a:srgbClr val="00B050"/>
                 </a:solidFill>
                 <a:latin typeface="Cambria" panose="02040503050406030204" pitchFamily="18" charset="0"/>
                 <a:ea typeface="Cambria" panose="02040503050406030204" pitchFamily="18" charset="0"/>
@@ -15400,7 +21061,7 @@
             <a:r>
               <a:rPr lang="en-US" sz="4000" b="1" kern="1200" dirty="0">
                 <a:solidFill>
-                  <a:srgbClr val="0033CC"/>
+                  <a:srgbClr val="00B050"/>
                 </a:solidFill>
                 <a:latin typeface="Cambria" panose="02040503050406030204" pitchFamily="18" charset="0"/>
                 <a:ea typeface="Cambria" panose="02040503050406030204" pitchFamily="18" charset="0"/>
@@ -15415,7 +21076,7 @@
           <p:cNvPr id="2050" name="Picture 2" descr="Magnitude response of an ideal high pass filter">
             <a:extLst>
               <a:ext uri="{FF2B5EF4-FFF2-40B4-BE49-F238E27FC236}">
-                <a16:creationId xmlns:a16="http://schemas.microsoft.com/office/drawing/2014/main" id="{EE387A15-D9CE-4744-99DA-0A1EC8FE66E3}"/>
+                <a16:creationId xmlns:a16="http://schemas.microsoft.com/office/drawing/2014/main" xmlns="" id="{EE387A15-D9CE-4744-99DA-0A1EC8FE66E3}"/>
               </a:ext>
             </a:extLst>
           </p:cNvPr>
@@ -15462,7 +21123,7 @@
           <p:cNvPr id="5" name="TextBox 4">
             <a:extLst>
               <a:ext uri="{FF2B5EF4-FFF2-40B4-BE49-F238E27FC236}">
-                <a16:creationId xmlns:a16="http://schemas.microsoft.com/office/drawing/2014/main" id="{BC775733-3156-49A5-AB16-CACF1B0AA69C}"/>
+                <a16:creationId xmlns:a16="http://schemas.microsoft.com/office/drawing/2014/main" xmlns="" id="{BC775733-3156-49A5-AB16-CACF1B0AA69C}"/>
               </a:ext>
             </a:extLst>
           </p:cNvPr>
@@ -15566,7 +21227,7 @@
           <p:cNvPr id="4" name="Picture 3">
             <a:extLst>
               <a:ext uri="{FF2B5EF4-FFF2-40B4-BE49-F238E27FC236}">
-                <a16:creationId xmlns:a16="http://schemas.microsoft.com/office/drawing/2014/main" id="{6D15FEE4-19D5-4077-91B3-B2C40D8269D6}"/>
+                <a16:creationId xmlns:a16="http://schemas.microsoft.com/office/drawing/2014/main" xmlns="" id="{6D15FEE4-19D5-4077-91B3-B2C40D8269D6}"/>
               </a:ext>
             </a:extLst>
           </p:cNvPr>
@@ -15596,7 +21257,7 @@
           <p:cNvPr id="7" name="TextBox 6">
             <a:extLst>
               <a:ext uri="{FF2B5EF4-FFF2-40B4-BE49-F238E27FC236}">
-                <a16:creationId xmlns:a16="http://schemas.microsoft.com/office/drawing/2014/main" id="{94737E36-FB2D-40AB-A28F-51EEDE03D369}"/>
+                <a16:creationId xmlns:a16="http://schemas.microsoft.com/office/drawing/2014/main" xmlns="" id="{94737E36-FB2D-40AB-A28F-51EEDE03D369}"/>
               </a:ext>
             </a:extLst>
           </p:cNvPr>
@@ -16311,13 +21972,28 @@
   <a:extraClrSchemeLst/>
   <a:extLst>
     <a:ext uri="{05A4C25C-085E-4340-85A3-A5531E510DB2}">
-      <thm15:themeFamily xmlns:thm15="http://schemas.microsoft.com/office/thememl/2012/main" name="Office Theme" id="{62F939B6-93AF-4DB8-9C6B-D6C7DFDC589F}" vid="{4A3C46E8-61CC-4603-A589-7422A47A8E4A}"/>
+      <thm15:themeFamily xmlns:thm15="http://schemas.microsoft.com/office/thememl/2012/main" xmlns="" name="Office Theme" id="{62F939B6-93AF-4DB8-9C6B-D6C7DFDC589F}" vid="{4A3C46E8-61CC-4603-A589-7422A47A8E4A}"/>
     </a:ext>
   </a:extLst>
 </a:theme>
 </file>
 
 <file path=customXml/item1.xml><?xml version="1.0" encoding="utf-8"?>
+<?mso-contentType ?>
+<FormTemplates xmlns="http://schemas.microsoft.com/sharepoint/v3/contenttype/forms">
+  <Display>DocumentLibraryForm</Display>
+  <Edit>DocumentLibraryForm</Edit>
+  <New>DocumentLibraryForm</New>
+</FormTemplates>
+</file>
+
+<file path=customXml/item2.xml><?xml version="1.0" encoding="utf-8"?>
+<p:properties xmlns:p="http://schemas.microsoft.com/office/2006/metadata/properties" xmlns:xsi="http://www.w3.org/2001/XMLSchema-instance" xmlns:pc="http://schemas.microsoft.com/office/infopath/2007/PartnerControls">
+  <documentManagement/>
+</p:properties>
+</file>
+
+<file path=customXml/item3.xml><?xml version="1.0" encoding="utf-8"?>
 <ct:contentTypeSchema xmlns:ct="http://schemas.microsoft.com/office/2006/metadata/contentType" xmlns:ma="http://schemas.microsoft.com/office/2006/metadata/properties/metaAttributes" ct:_="" ma:_="" ma:contentTypeName="Document" ma:contentTypeID="0x0101003CEF3BD1EF635A4F97BD51F1E51B0878" ma:contentTypeVersion="2" ma:contentTypeDescription="Create a new document." ma:contentTypeScope="" ma:versionID="672dfe26081b3bc98f10315b3a22dcbc">
   <xsd:schema xmlns:xsd="http://www.w3.org/2001/XMLSchema" xmlns:xs="http://www.w3.org/2001/XMLSchema" xmlns:p="http://schemas.microsoft.com/office/2006/metadata/properties" xmlns:ns2="a369faee-33c0-4fdb-9614-7992bb34146d" targetNamespace="http://schemas.microsoft.com/office/2006/metadata/properties" ma:root="true" ma:fieldsID="cbb7ef1bc973bb7ecbf9a0148f98967d" ns2:_="">
     <xsd:import namespace="a369faee-33c0-4fdb-9614-7992bb34146d"/>
@@ -16449,35 +22125,10 @@
 </ct:contentTypeSchema>
 </file>
 
-<file path=customXml/item2.xml><?xml version="1.0" encoding="utf-8"?>
-<p:properties xmlns:p="http://schemas.microsoft.com/office/2006/metadata/properties" xmlns:xsi="http://www.w3.org/2001/XMLSchema-instance" xmlns:pc="http://schemas.microsoft.com/office/infopath/2007/PartnerControls">
-  <documentManagement/>
-</p:properties>
-</file>
-
-<file path=customXml/item3.xml><?xml version="1.0" encoding="utf-8"?>
-<?mso-contentType ?>
-<FormTemplates xmlns="http://schemas.microsoft.com/sharepoint/v3/contenttype/forms">
-  <Display>DocumentLibraryForm</Display>
-  <Edit>DocumentLibraryForm</Edit>
-  <New>DocumentLibraryForm</New>
-</FormTemplates>
-</file>
-
 <file path=customXml/itemProps1.xml><?xml version="1.0" encoding="utf-8"?>
-<ds:datastoreItem xmlns:ds="http://schemas.openxmlformats.org/officeDocument/2006/customXml" ds:itemID="{A5636107-D898-4101-B59E-59A9A37B7ABF}">
+<ds:datastoreItem xmlns:ds="http://schemas.openxmlformats.org/officeDocument/2006/customXml" ds:itemID="{521843C9-2E02-4BEA-BC3B-C5EFE55AFC14}">
   <ds:schemaRefs>
-    <ds:schemaRef ds:uri="http://schemas.microsoft.com/office/2006/metadata/contentType"/>
-    <ds:schemaRef ds:uri="http://schemas.microsoft.com/office/2006/metadata/properties/metaAttributes"/>
-    <ds:schemaRef ds:uri="http://www.w3.org/2001/XMLSchema"/>
-    <ds:schemaRef ds:uri="http://schemas.microsoft.com/office/2006/metadata/properties"/>
-    <ds:schemaRef ds:uri="a369faee-33c0-4fdb-9614-7992bb34146d"/>
-    <ds:schemaRef ds:uri="http://schemas.microsoft.com/office/2006/documentManagement/types"/>
-    <ds:schemaRef ds:uri="http://schemas.microsoft.com/office/infopath/2007/PartnerControls"/>
-    <ds:schemaRef ds:uri="http://schemas.openxmlformats.org/package/2006/metadata/core-properties"/>
-    <ds:schemaRef ds:uri="http://purl.org/dc/elements/1.1/"/>
-    <ds:schemaRef ds:uri="http://purl.org/dc/terms/"/>
-    <ds:schemaRef ds:uri="http://schemas.microsoft.com/internal/obd"/>
+    <ds:schemaRef ds:uri="http://schemas.microsoft.com/sharepoint/v3/contenttype/forms"/>
   </ds:schemaRefs>
 </ds:datastoreItem>
 </file>
@@ -16499,9 +22150,19 @@
 </file>
 
 <file path=customXml/itemProps3.xml><?xml version="1.0" encoding="utf-8"?>
-<ds:datastoreItem xmlns:ds="http://schemas.openxmlformats.org/officeDocument/2006/customXml" ds:itemID="{521843C9-2E02-4BEA-BC3B-C5EFE55AFC14}">
+<ds:datastoreItem xmlns:ds="http://schemas.openxmlformats.org/officeDocument/2006/customXml" ds:itemID="{A5636107-D898-4101-B59E-59A9A37B7ABF}">
   <ds:schemaRefs>
-    <ds:schemaRef ds:uri="http://schemas.microsoft.com/sharepoint/v3/contenttype/forms"/>
+    <ds:schemaRef ds:uri="http://schemas.microsoft.com/office/2006/metadata/contentType"/>
+    <ds:schemaRef ds:uri="http://schemas.microsoft.com/office/2006/metadata/properties/metaAttributes"/>
+    <ds:schemaRef ds:uri="http://www.w3.org/2001/XMLSchema"/>
+    <ds:schemaRef ds:uri="http://schemas.microsoft.com/office/2006/metadata/properties"/>
+    <ds:schemaRef ds:uri="a369faee-33c0-4fdb-9614-7992bb34146d"/>
+    <ds:schemaRef ds:uri="http://schemas.microsoft.com/office/2006/documentManagement/types"/>
+    <ds:schemaRef ds:uri="http://schemas.microsoft.com/office/infopath/2007/PartnerControls"/>
+    <ds:schemaRef ds:uri="http://schemas.openxmlformats.org/package/2006/metadata/core-properties"/>
+    <ds:schemaRef ds:uri="http://purl.org/dc/elements/1.1/"/>
+    <ds:schemaRef ds:uri="http://purl.org/dc/terms/"/>
+    <ds:schemaRef ds:uri="http://schemas.microsoft.com/internal/obd"/>
   </ds:schemaRefs>
 </ds:datastoreItem>
 </file>